--- a/화면 설계.pptx
+++ b/화면 설계.pptx
@@ -108,6 +108,11 @@
       </a:defRPr>
     </a:lvl9pPr>
   </p:defaultTextStyle>
+  <p:extLst>
+    <p:ext uri="{EFAFB233-063F-42B5-8137-9DF3F51BA10A}">
+      <p15:sldGuideLst xmlns:p15="http://schemas.microsoft.com/office/powerpoint/2012/main"/>
+    </p:ext>
+  </p:extLst>
 </p:presentation>
 </file>
 
@@ -345,7 +350,7 @@
           <a:p>
             <a:fld id="{F58ACEE6-C755-44FF-84AD-40DC5B46DD32}" type="datetimeFigureOut">
               <a:rPr lang="ko-KR" altLang="en-US" smtClean="0"/>
-              <a:t>2025-06-05</a:t>
+              <a:t>2025-06-20</a:t>
             </a:fld>
             <a:endParaRPr lang="ko-KR" altLang="en-US"/>
           </a:p>
@@ -553,7 +558,7 @@
           <a:p>
             <a:fld id="{F58ACEE6-C755-44FF-84AD-40DC5B46DD32}" type="datetimeFigureOut">
               <a:rPr lang="ko-KR" altLang="en-US" smtClean="0"/>
-              <a:t>2025-06-05</a:t>
+              <a:t>2025-06-20</a:t>
             </a:fld>
             <a:endParaRPr lang="ko-KR" altLang="en-US"/>
           </a:p>
@@ -809,7 +814,7 @@
           <a:p>
             <a:fld id="{F58ACEE6-C755-44FF-84AD-40DC5B46DD32}" type="datetimeFigureOut">
               <a:rPr lang="ko-KR" altLang="en-US" smtClean="0"/>
-              <a:t>2025-06-05</a:t>
+              <a:t>2025-06-20</a:t>
             </a:fld>
             <a:endParaRPr lang="ko-KR" altLang="en-US"/>
           </a:p>
@@ -983,7 +988,7 @@
           <a:p>
             <a:fld id="{F58ACEE6-C755-44FF-84AD-40DC5B46DD32}" type="datetimeFigureOut">
               <a:rPr lang="ko-KR" altLang="en-US" smtClean="0"/>
-              <a:t>2025-06-05</a:t>
+              <a:t>2025-06-20</a:t>
             </a:fld>
             <a:endParaRPr lang="ko-KR" altLang="en-US"/>
           </a:p>
@@ -1326,7 +1331,7 @@
           <a:p>
             <a:fld id="{F58ACEE6-C755-44FF-84AD-40DC5B46DD32}" type="datetimeFigureOut">
               <a:rPr lang="ko-KR" altLang="en-US" smtClean="0"/>
-              <a:t>2025-06-05</a:t>
+              <a:t>2025-06-20</a:t>
             </a:fld>
             <a:endParaRPr lang="ko-KR" altLang="en-US"/>
           </a:p>
@@ -1601,7 +1606,7 @@
           <a:p>
             <a:fld id="{F58ACEE6-C755-44FF-84AD-40DC5B46DD32}" type="datetimeFigureOut">
               <a:rPr lang="ko-KR" altLang="en-US" smtClean="0"/>
-              <a:t>2025-06-05</a:t>
+              <a:t>2025-06-20</a:t>
             </a:fld>
             <a:endParaRPr lang="ko-KR" altLang="en-US"/>
           </a:p>
@@ -1980,7 +1985,7 @@
           <a:p>
             <a:fld id="{F58ACEE6-C755-44FF-84AD-40DC5B46DD32}" type="datetimeFigureOut">
               <a:rPr lang="ko-KR" altLang="en-US" smtClean="0"/>
-              <a:t>2025-06-05</a:t>
+              <a:t>2025-06-20</a:t>
             </a:fld>
             <a:endParaRPr lang="ko-KR" altLang="en-US"/>
           </a:p>
@@ -2098,7 +2103,7 @@
           <a:p>
             <a:fld id="{F58ACEE6-C755-44FF-84AD-40DC5B46DD32}" type="datetimeFigureOut">
               <a:rPr lang="ko-KR" altLang="en-US" smtClean="0"/>
-              <a:t>2025-06-05</a:t>
+              <a:t>2025-06-20</a:t>
             </a:fld>
             <a:endParaRPr lang="ko-KR" altLang="en-US"/>
           </a:p>
@@ -2269,7 +2274,7 @@
           <a:p>
             <a:fld id="{F58ACEE6-C755-44FF-84AD-40DC5B46DD32}" type="datetimeFigureOut">
               <a:rPr lang="ko-KR" altLang="en-US" smtClean="0"/>
-              <a:t>2025-06-05</a:t>
+              <a:t>2025-06-20</a:t>
             </a:fld>
             <a:endParaRPr lang="ko-KR" altLang="en-US"/>
           </a:p>
@@ -2623,7 +2628,7 @@
           <a:p>
             <a:fld id="{F58ACEE6-C755-44FF-84AD-40DC5B46DD32}" type="datetimeFigureOut">
               <a:rPr lang="ko-KR" altLang="en-US" smtClean="0"/>
-              <a:t>2025-06-05</a:t>
+              <a:t>2025-06-20</a:t>
             </a:fld>
             <a:endParaRPr lang="ko-KR" altLang="en-US"/>
           </a:p>
@@ -3005,7 +3010,7 @@
           <a:p>
             <a:fld id="{F58ACEE6-C755-44FF-84AD-40DC5B46DD32}" type="datetimeFigureOut">
               <a:rPr lang="ko-KR" altLang="en-US" smtClean="0"/>
-              <a:t>2025-06-05</a:t>
+              <a:t>2025-06-20</a:t>
             </a:fld>
             <a:endParaRPr lang="ko-KR" altLang="en-US"/>
           </a:p>
@@ -3292,7 +3297,7 @@
           <a:p>
             <a:fld id="{F58ACEE6-C755-44FF-84AD-40DC5B46DD32}" type="datetimeFigureOut">
               <a:rPr lang="ko-KR" altLang="en-US" smtClean="0"/>
-              <a:t>2025-06-05</a:t>
+              <a:t>2025-06-20</a:t>
             </a:fld>
             <a:endParaRPr lang="ko-KR" altLang="en-US"/>
           </a:p>
@@ -4379,8 +4384,8 @@
         </p:nvSpPr>
         <p:spPr>
           <a:xfrm>
-            <a:off x="505838" y="1245140"/>
-            <a:ext cx="8365788" cy="1108954"/>
+            <a:off x="369651" y="1245140"/>
+            <a:ext cx="1569926" cy="4601183"/>
           </a:xfrm>
           <a:prstGeom prst="roundRect">
             <a:avLst/>
@@ -4412,6 +4417,946 @@
           </a:p>
         </p:txBody>
       </p:sp>
+      <p:sp>
+        <p:nvSpPr>
+          <p:cNvPr id="3" name="사각형: 둥근 모서리 2">
+            <a:extLst>
+              <a:ext uri="{FF2B5EF4-FFF2-40B4-BE49-F238E27FC236}">
+                <a16:creationId xmlns:a16="http://schemas.microsoft.com/office/drawing/2014/main" id="{CDAE8996-3E0C-58E4-42D4-1B64BB84AE83}"/>
+              </a:ext>
+            </a:extLst>
+          </p:cNvPr>
+          <p:cNvSpPr/>
+          <p:nvPr/>
+        </p:nvSpPr>
+        <p:spPr>
+          <a:xfrm>
+            <a:off x="2228032" y="1488331"/>
+            <a:ext cx="1459149" cy="1309189"/>
+          </a:xfrm>
+          <a:prstGeom prst="roundRect">
+            <a:avLst/>
+          </a:prstGeom>
+        </p:spPr>
+        <p:style>
+          <a:lnRef idx="2">
+            <a:schemeClr val="accent1">
+              <a:shade val="15000"/>
+            </a:schemeClr>
+          </a:lnRef>
+          <a:fillRef idx="1">
+            <a:schemeClr val="accent1"/>
+          </a:fillRef>
+          <a:effectRef idx="0">
+            <a:schemeClr val="accent1"/>
+          </a:effectRef>
+          <a:fontRef idx="minor">
+            <a:schemeClr val="lt1"/>
+          </a:fontRef>
+        </p:style>
+        <p:txBody>
+          <a:bodyPr rtlCol="0" anchor="ctr"/>
+          <a:lstStyle/>
+          <a:p>
+            <a:pPr algn="ctr"/>
+            <a:r>
+              <a:rPr lang="ko-KR" altLang="en-US" dirty="0"/>
+              <a:t>사용자 관리</a:t>
+            </a:r>
+          </a:p>
+        </p:txBody>
+      </p:sp>
+      <p:sp>
+        <p:nvSpPr>
+          <p:cNvPr id="4" name="사각형: 둥근 모서리 3">
+            <a:extLst>
+              <a:ext uri="{FF2B5EF4-FFF2-40B4-BE49-F238E27FC236}">
+                <a16:creationId xmlns:a16="http://schemas.microsoft.com/office/drawing/2014/main" id="{5338CECD-2673-603B-EBF4-32C5377A13AF}"/>
+              </a:ext>
+            </a:extLst>
+          </p:cNvPr>
+          <p:cNvSpPr/>
+          <p:nvPr/>
+        </p:nvSpPr>
+        <p:spPr>
+          <a:xfrm>
+            <a:off x="3936575" y="1488332"/>
+            <a:ext cx="1459149" cy="1309188"/>
+          </a:xfrm>
+          <a:prstGeom prst="roundRect">
+            <a:avLst/>
+          </a:prstGeom>
+        </p:spPr>
+        <p:style>
+          <a:lnRef idx="2">
+            <a:schemeClr val="accent1">
+              <a:shade val="15000"/>
+            </a:schemeClr>
+          </a:lnRef>
+          <a:fillRef idx="1">
+            <a:schemeClr val="accent1"/>
+          </a:fillRef>
+          <a:effectRef idx="0">
+            <a:schemeClr val="accent1"/>
+          </a:effectRef>
+          <a:fontRef idx="minor">
+            <a:schemeClr val="lt1"/>
+          </a:fontRef>
+        </p:style>
+        <p:txBody>
+          <a:bodyPr rtlCol="0" anchor="ctr"/>
+          <a:lstStyle/>
+          <a:p>
+            <a:pPr algn="ctr"/>
+            <a:r>
+              <a:rPr lang="ko-KR" altLang="en-US" dirty="0"/>
+              <a:t>피드 관리</a:t>
+            </a:r>
+          </a:p>
+        </p:txBody>
+      </p:sp>
+      <p:sp>
+        <p:nvSpPr>
+          <p:cNvPr id="5" name="사각형: 둥근 모서리 4">
+            <a:extLst>
+              <a:ext uri="{FF2B5EF4-FFF2-40B4-BE49-F238E27FC236}">
+                <a16:creationId xmlns:a16="http://schemas.microsoft.com/office/drawing/2014/main" id="{D202F992-A08F-2AEA-2CAA-ED5EB2509BB6}"/>
+              </a:ext>
+            </a:extLst>
+          </p:cNvPr>
+          <p:cNvSpPr/>
+          <p:nvPr/>
+        </p:nvSpPr>
+        <p:spPr>
+          <a:xfrm>
+            <a:off x="5645118" y="1488332"/>
+            <a:ext cx="1459149" cy="1309188"/>
+          </a:xfrm>
+          <a:prstGeom prst="roundRect">
+            <a:avLst/>
+          </a:prstGeom>
+        </p:spPr>
+        <p:style>
+          <a:lnRef idx="2">
+            <a:schemeClr val="accent1">
+              <a:shade val="15000"/>
+            </a:schemeClr>
+          </a:lnRef>
+          <a:fillRef idx="1">
+            <a:schemeClr val="accent1"/>
+          </a:fillRef>
+          <a:effectRef idx="0">
+            <a:schemeClr val="accent1"/>
+          </a:effectRef>
+          <a:fontRef idx="minor">
+            <a:schemeClr val="lt1"/>
+          </a:fontRef>
+        </p:style>
+        <p:txBody>
+          <a:bodyPr rtlCol="0" anchor="ctr"/>
+          <a:lstStyle/>
+          <a:p>
+            <a:pPr algn="ctr"/>
+            <a:r>
+              <a:rPr lang="ko-KR" altLang="en-US" dirty="0"/>
+              <a:t>모임 관리</a:t>
+            </a:r>
+          </a:p>
+        </p:txBody>
+      </p:sp>
+      <p:sp>
+        <p:nvSpPr>
+          <p:cNvPr id="8" name="사각형: 둥근 모서리 7">
+            <a:extLst>
+              <a:ext uri="{FF2B5EF4-FFF2-40B4-BE49-F238E27FC236}">
+                <a16:creationId xmlns:a16="http://schemas.microsoft.com/office/drawing/2014/main" id="{E6BC271B-9D10-C7E2-C6C8-D28B552A7185}"/>
+              </a:ext>
+            </a:extLst>
+          </p:cNvPr>
+          <p:cNvSpPr/>
+          <p:nvPr/>
+        </p:nvSpPr>
+        <p:spPr>
+          <a:xfrm>
+            <a:off x="7353661" y="1488331"/>
+            <a:ext cx="1459149" cy="1309187"/>
+          </a:xfrm>
+          <a:prstGeom prst="roundRect">
+            <a:avLst/>
+          </a:prstGeom>
+        </p:spPr>
+        <p:style>
+          <a:lnRef idx="2">
+            <a:schemeClr val="accent1">
+              <a:shade val="15000"/>
+            </a:schemeClr>
+          </a:lnRef>
+          <a:fillRef idx="1">
+            <a:schemeClr val="accent1"/>
+          </a:fillRef>
+          <a:effectRef idx="0">
+            <a:schemeClr val="accent1"/>
+          </a:effectRef>
+          <a:fontRef idx="minor">
+            <a:schemeClr val="lt1"/>
+          </a:fontRef>
+        </p:style>
+        <p:txBody>
+          <a:bodyPr rtlCol="0" anchor="ctr"/>
+          <a:lstStyle/>
+          <a:p>
+            <a:pPr algn="ctr"/>
+            <a:r>
+              <a:rPr lang="ko-KR" altLang="en-US" dirty="0"/>
+              <a:t>권한관리</a:t>
+            </a:r>
+          </a:p>
+        </p:txBody>
+      </p:sp>
+      <p:sp>
+        <p:nvSpPr>
+          <p:cNvPr id="10" name="TextBox 9">
+            <a:extLst>
+              <a:ext uri="{FF2B5EF4-FFF2-40B4-BE49-F238E27FC236}">
+                <a16:creationId xmlns:a16="http://schemas.microsoft.com/office/drawing/2014/main" id="{9DEEB0CF-66A6-FB58-6507-F0E69B6DBC26}"/>
+              </a:ext>
+            </a:extLst>
+          </p:cNvPr>
+          <p:cNvSpPr txBox="1"/>
+          <p:nvPr/>
+        </p:nvSpPr>
+        <p:spPr>
+          <a:xfrm>
+            <a:off x="184559" y="366119"/>
+            <a:ext cx="6094378" cy="369332"/>
+          </a:xfrm>
+          <a:prstGeom prst="rect">
+            <a:avLst/>
+          </a:prstGeom>
+          <a:noFill/>
+        </p:spPr>
+        <p:txBody>
+          <a:bodyPr wrap="square">
+            <a:spAutoFit/>
+          </a:bodyPr>
+          <a:lstStyle/>
+          <a:p>
+            <a:r>
+              <a:rPr lang="en-US" altLang="ko-KR" b="1" dirty="0"/>
+              <a:t>2. </a:t>
+            </a:r>
+            <a:r>
+              <a:rPr lang="ko-KR" altLang="en-US" b="1" dirty="0"/>
+              <a:t>로그인 후 메인 화면</a:t>
+            </a:r>
+          </a:p>
+        </p:txBody>
+      </p:sp>
+      <p:sp>
+        <p:nvSpPr>
+          <p:cNvPr id="14" name="사각형: 둥근 모서리 13">
+            <a:extLst>
+              <a:ext uri="{FF2B5EF4-FFF2-40B4-BE49-F238E27FC236}">
+                <a16:creationId xmlns:a16="http://schemas.microsoft.com/office/drawing/2014/main" id="{BD444E3C-AA33-3BBC-1499-0E05AF3A56D4}"/>
+              </a:ext>
+            </a:extLst>
+          </p:cNvPr>
+          <p:cNvSpPr/>
+          <p:nvPr/>
+        </p:nvSpPr>
+        <p:spPr>
+          <a:xfrm>
+            <a:off x="2063809" y="1245140"/>
+            <a:ext cx="6873233" cy="1769664"/>
+          </a:xfrm>
+          <a:prstGeom prst="roundRect">
+            <a:avLst/>
+          </a:prstGeom>
+          <a:noFill/>
+        </p:spPr>
+        <p:style>
+          <a:lnRef idx="2">
+            <a:schemeClr val="accent1">
+              <a:shade val="15000"/>
+            </a:schemeClr>
+          </a:lnRef>
+          <a:fillRef idx="1">
+            <a:schemeClr val="accent1"/>
+          </a:fillRef>
+          <a:effectRef idx="0">
+            <a:schemeClr val="accent1"/>
+          </a:effectRef>
+          <a:fontRef idx="minor">
+            <a:schemeClr val="lt1"/>
+          </a:fontRef>
+        </p:style>
+        <p:txBody>
+          <a:bodyPr rtlCol="0" anchor="ctr"/>
+          <a:lstStyle/>
+          <a:p>
+            <a:pPr algn="ctr"/>
+            <a:endParaRPr lang="ko-KR" altLang="en-US"/>
+          </a:p>
+        </p:txBody>
+      </p:sp>
+      <p:sp>
+        <p:nvSpPr>
+          <p:cNvPr id="15" name="TextBox 14">
+            <a:extLst>
+              <a:ext uri="{FF2B5EF4-FFF2-40B4-BE49-F238E27FC236}">
+                <a16:creationId xmlns:a16="http://schemas.microsoft.com/office/drawing/2014/main" id="{5DAABD06-EAB6-AB7F-8D67-1B0612D4CA93}"/>
+              </a:ext>
+            </a:extLst>
+          </p:cNvPr>
+          <p:cNvSpPr txBox="1"/>
+          <p:nvPr/>
+        </p:nvSpPr>
+        <p:spPr>
+          <a:xfrm>
+            <a:off x="9445557" y="403932"/>
+            <a:ext cx="1675459" cy="923330"/>
+          </a:xfrm>
+          <a:prstGeom prst="rect">
+            <a:avLst/>
+          </a:prstGeom>
+          <a:noFill/>
+        </p:spPr>
+        <p:txBody>
+          <a:bodyPr wrap="none" rtlCol="0">
+            <a:spAutoFit/>
+          </a:bodyPr>
+          <a:lstStyle/>
+          <a:p>
+            <a:r>
+              <a:rPr lang="en-US" altLang="ko-KR" dirty="0"/>
+              <a:t>Q</a:t>
+            </a:r>
+          </a:p>
+          <a:p>
+            <a:r>
+              <a:rPr lang="ko-KR" altLang="en-US" dirty="0"/>
+              <a:t>화면 구성여부 </a:t>
+            </a:r>
+            <a:endParaRPr lang="en-US" altLang="ko-KR" dirty="0"/>
+          </a:p>
+          <a:p>
+            <a:r>
+              <a:rPr lang="ko-KR" altLang="en-US" dirty="0"/>
+              <a:t>메뉴 구성여부 </a:t>
+            </a:r>
+            <a:endParaRPr lang="en-US" altLang="ko-KR" dirty="0"/>
+          </a:p>
+        </p:txBody>
+      </p:sp>
+      <p:sp>
+        <p:nvSpPr>
+          <p:cNvPr id="16" name="사각형: 둥근 모서리 15">
+            <a:extLst>
+              <a:ext uri="{FF2B5EF4-FFF2-40B4-BE49-F238E27FC236}">
+                <a16:creationId xmlns:a16="http://schemas.microsoft.com/office/drawing/2014/main" id="{358BCC07-B097-5275-0FA5-6D1C04B00BCF}"/>
+              </a:ext>
+            </a:extLst>
+          </p:cNvPr>
+          <p:cNvSpPr/>
+          <p:nvPr/>
+        </p:nvSpPr>
+        <p:spPr>
+          <a:xfrm>
+            <a:off x="2124669" y="3291114"/>
+            <a:ext cx="2151217" cy="275771"/>
+          </a:xfrm>
+          <a:prstGeom prst="roundRect">
+            <a:avLst/>
+          </a:prstGeom>
+          <a:solidFill>
+            <a:schemeClr val="accent5">
+              <a:lumMod val="50000"/>
+            </a:schemeClr>
+          </a:solidFill>
+        </p:spPr>
+        <p:style>
+          <a:lnRef idx="2">
+            <a:schemeClr val="accent1">
+              <a:shade val="15000"/>
+            </a:schemeClr>
+          </a:lnRef>
+          <a:fillRef idx="1">
+            <a:schemeClr val="accent1"/>
+          </a:fillRef>
+          <a:effectRef idx="0">
+            <a:schemeClr val="accent1"/>
+          </a:effectRef>
+          <a:fontRef idx="minor">
+            <a:schemeClr val="lt1"/>
+          </a:fontRef>
+        </p:style>
+        <p:txBody>
+          <a:bodyPr rtlCol="0" anchor="ctr"/>
+          <a:lstStyle/>
+          <a:p>
+            <a:pPr algn="ctr"/>
+            <a:r>
+              <a:rPr lang="ko-KR" altLang="en-US" dirty="0"/>
+              <a:t>신고 관리</a:t>
+            </a:r>
+          </a:p>
+        </p:txBody>
+      </p:sp>
+      <p:sp>
+        <p:nvSpPr>
+          <p:cNvPr id="17" name="사각형: 둥근 모서리 16">
+            <a:extLst>
+              <a:ext uri="{FF2B5EF4-FFF2-40B4-BE49-F238E27FC236}">
+                <a16:creationId xmlns:a16="http://schemas.microsoft.com/office/drawing/2014/main" id="{E42279FF-2292-DD70-F974-6D5CB8CB2E7A}"/>
+              </a:ext>
+            </a:extLst>
+          </p:cNvPr>
+          <p:cNvSpPr/>
+          <p:nvPr/>
+        </p:nvSpPr>
+        <p:spPr>
+          <a:xfrm>
+            <a:off x="4275886" y="3286815"/>
+            <a:ext cx="2292350" cy="275771"/>
+          </a:xfrm>
+          <a:prstGeom prst="roundRect">
+            <a:avLst/>
+          </a:prstGeom>
+          <a:noFill/>
+        </p:spPr>
+        <p:style>
+          <a:lnRef idx="2">
+            <a:schemeClr val="accent1">
+              <a:shade val="15000"/>
+            </a:schemeClr>
+          </a:lnRef>
+          <a:fillRef idx="1">
+            <a:schemeClr val="accent1"/>
+          </a:fillRef>
+          <a:effectRef idx="0">
+            <a:schemeClr val="accent1"/>
+          </a:effectRef>
+          <a:fontRef idx="minor">
+            <a:schemeClr val="lt1"/>
+          </a:fontRef>
+        </p:style>
+        <p:txBody>
+          <a:bodyPr rtlCol="0" anchor="ctr"/>
+          <a:lstStyle/>
+          <a:p>
+            <a:pPr algn="ctr"/>
+            <a:r>
+              <a:rPr lang="en-US" altLang="ko-KR" dirty="0">
+                <a:solidFill>
+                  <a:schemeClr val="tx1"/>
+                </a:solidFill>
+              </a:rPr>
+              <a:t>1:1 </a:t>
+            </a:r>
+            <a:r>
+              <a:rPr lang="ko-KR" altLang="en-US" dirty="0">
+                <a:solidFill>
+                  <a:schemeClr val="tx1"/>
+                </a:solidFill>
+              </a:rPr>
+              <a:t>문의</a:t>
+            </a:r>
+          </a:p>
+        </p:txBody>
+      </p:sp>
+      <p:sp>
+        <p:nvSpPr>
+          <p:cNvPr id="18" name="사각형: 둥근 모서리 17">
+            <a:extLst>
+              <a:ext uri="{FF2B5EF4-FFF2-40B4-BE49-F238E27FC236}">
+                <a16:creationId xmlns:a16="http://schemas.microsoft.com/office/drawing/2014/main" id="{91328566-02D2-EE1D-812E-E9037727A8A5}"/>
+              </a:ext>
+            </a:extLst>
+          </p:cNvPr>
+          <p:cNvSpPr/>
+          <p:nvPr/>
+        </p:nvSpPr>
+        <p:spPr>
+          <a:xfrm>
+            <a:off x="6568236" y="3291114"/>
+            <a:ext cx="2368805" cy="275771"/>
+          </a:xfrm>
+          <a:prstGeom prst="roundRect">
+            <a:avLst/>
+          </a:prstGeom>
+          <a:noFill/>
+        </p:spPr>
+        <p:style>
+          <a:lnRef idx="2">
+            <a:schemeClr val="accent1">
+              <a:shade val="15000"/>
+            </a:schemeClr>
+          </a:lnRef>
+          <a:fillRef idx="1">
+            <a:schemeClr val="accent1"/>
+          </a:fillRef>
+          <a:effectRef idx="0">
+            <a:schemeClr val="accent1"/>
+          </a:effectRef>
+          <a:fontRef idx="minor">
+            <a:schemeClr val="lt1"/>
+          </a:fontRef>
+        </p:style>
+        <p:txBody>
+          <a:bodyPr rtlCol="0" anchor="ctr"/>
+          <a:lstStyle/>
+          <a:p>
+            <a:pPr algn="ctr"/>
+            <a:r>
+              <a:rPr lang="ko-KR" altLang="en-US" dirty="0">
+                <a:solidFill>
+                  <a:schemeClr val="tx1"/>
+                </a:solidFill>
+              </a:rPr>
+              <a:t>공지 관리</a:t>
+            </a:r>
+          </a:p>
+        </p:txBody>
+      </p:sp>
+      <p:graphicFrame>
+        <p:nvGraphicFramePr>
+          <p:cNvPr id="32" name="표 31">
+            <a:extLst>
+              <a:ext uri="{FF2B5EF4-FFF2-40B4-BE49-F238E27FC236}">
+                <a16:creationId xmlns:a16="http://schemas.microsoft.com/office/drawing/2014/main" id="{A125DB15-7715-8F00-AD81-39A79376B355}"/>
+              </a:ext>
+            </a:extLst>
+          </p:cNvPr>
+          <p:cNvGraphicFramePr>
+            <a:graphicFrameLocks noGrp="1"/>
+          </p:cNvGraphicFramePr>
+          <p:nvPr>
+            <p:extLst>
+              <p:ext uri="{D42A27DB-BD31-4B8C-83A1-F6EECF244321}">
+                <p14:modId xmlns:p14="http://schemas.microsoft.com/office/powerpoint/2010/main" val="3417027433"/>
+              </p:ext>
+            </p:extLst>
+          </p:nvPr>
+        </p:nvGraphicFramePr>
+        <p:xfrm>
+          <a:off x="2124669" y="3571183"/>
+          <a:ext cx="6812372" cy="2275140"/>
+        </p:xfrm>
+        <a:graphic>
+          <a:graphicData uri="http://schemas.openxmlformats.org/drawingml/2006/table">
+            <a:tbl>
+              <a:tblPr firstRow="1" bandRow="1">
+                <a:tableStyleId>{5C22544A-7EE6-4342-B048-85BDC9FD1C3A}</a:tableStyleId>
+              </a:tblPr>
+              <a:tblGrid>
+                <a:gridCol w="1703093">
+                  <a:extLst>
+                    <a:ext uri="{9D8B030D-6E8A-4147-A177-3AD203B41FA5}">
+                      <a16:colId xmlns:a16="http://schemas.microsoft.com/office/drawing/2014/main" val="3458199729"/>
+                    </a:ext>
+                  </a:extLst>
+                </a:gridCol>
+                <a:gridCol w="1703093">
+                  <a:extLst>
+                    <a:ext uri="{9D8B030D-6E8A-4147-A177-3AD203B41FA5}">
+                      <a16:colId xmlns:a16="http://schemas.microsoft.com/office/drawing/2014/main" val="1255691649"/>
+                    </a:ext>
+                  </a:extLst>
+                </a:gridCol>
+                <a:gridCol w="1703093">
+                  <a:extLst>
+                    <a:ext uri="{9D8B030D-6E8A-4147-A177-3AD203B41FA5}">
+                      <a16:colId xmlns:a16="http://schemas.microsoft.com/office/drawing/2014/main" val="3181022075"/>
+                    </a:ext>
+                  </a:extLst>
+                </a:gridCol>
+                <a:gridCol w="1703093">
+                  <a:extLst>
+                    <a:ext uri="{9D8B030D-6E8A-4147-A177-3AD203B41FA5}">
+                      <a16:colId xmlns:a16="http://schemas.microsoft.com/office/drawing/2014/main" val="960724525"/>
+                    </a:ext>
+                  </a:extLst>
+                </a:gridCol>
+              </a:tblGrid>
+              <a:tr h="455028">
+                <a:tc>
+                  <a:txBody>
+                    <a:bodyPr/>
+                    <a:lstStyle/>
+                    <a:p>
+                      <a:pPr latinLnBrk="1"/>
+                      <a:endParaRPr lang="ko-KR" altLang="en-US" dirty="0"/>
+                    </a:p>
+                  </a:txBody>
+                  <a:tcPr>
+                    <a:solidFill>
+                      <a:schemeClr val="bg1">
+                        <a:lumMod val="85000"/>
+                      </a:schemeClr>
+                    </a:solidFill>
+                  </a:tcPr>
+                </a:tc>
+                <a:tc>
+                  <a:txBody>
+                    <a:bodyPr/>
+                    <a:lstStyle/>
+                    <a:p>
+                      <a:pPr latinLnBrk="1"/>
+                      <a:endParaRPr lang="ko-KR" altLang="en-US" dirty="0"/>
+                    </a:p>
+                  </a:txBody>
+                  <a:tcPr>
+                    <a:solidFill>
+                      <a:schemeClr val="bg1">
+                        <a:lumMod val="85000"/>
+                      </a:schemeClr>
+                    </a:solidFill>
+                  </a:tcPr>
+                </a:tc>
+                <a:tc>
+                  <a:txBody>
+                    <a:bodyPr/>
+                    <a:lstStyle/>
+                    <a:p>
+                      <a:pPr latinLnBrk="1"/>
+                      <a:endParaRPr lang="ko-KR" altLang="en-US"/>
+                    </a:p>
+                  </a:txBody>
+                  <a:tcPr>
+                    <a:solidFill>
+                      <a:schemeClr val="bg1">
+                        <a:lumMod val="85000"/>
+                      </a:schemeClr>
+                    </a:solidFill>
+                  </a:tcPr>
+                </a:tc>
+                <a:tc>
+                  <a:txBody>
+                    <a:bodyPr/>
+                    <a:lstStyle/>
+                    <a:p>
+                      <a:pPr latinLnBrk="1"/>
+                      <a:endParaRPr lang="ko-KR" altLang="en-US" dirty="0"/>
+                    </a:p>
+                  </a:txBody>
+                  <a:tcPr>
+                    <a:solidFill>
+                      <a:schemeClr val="bg1">
+                        <a:lumMod val="85000"/>
+                      </a:schemeClr>
+                    </a:solidFill>
+                  </a:tcPr>
+                </a:tc>
+                <a:extLst>
+                  <a:ext uri="{0D108BD9-81ED-4DB2-BD59-A6C34878D82A}">
+                    <a16:rowId xmlns:a16="http://schemas.microsoft.com/office/drawing/2014/main" val="2638491739"/>
+                  </a:ext>
+                </a:extLst>
+              </a:tr>
+              <a:tr h="455028">
+                <a:tc>
+                  <a:txBody>
+                    <a:bodyPr/>
+                    <a:lstStyle/>
+                    <a:p>
+                      <a:pPr latinLnBrk="1"/>
+                      <a:endParaRPr lang="ko-KR" altLang="en-US"/>
+                    </a:p>
+                  </a:txBody>
+                  <a:tcPr>
+                    <a:solidFill>
+                      <a:schemeClr val="bg1">
+                        <a:lumMod val="85000"/>
+                      </a:schemeClr>
+                    </a:solidFill>
+                  </a:tcPr>
+                </a:tc>
+                <a:tc>
+                  <a:txBody>
+                    <a:bodyPr/>
+                    <a:lstStyle/>
+                    <a:p>
+                      <a:pPr latinLnBrk="1"/>
+                      <a:endParaRPr lang="ko-KR" altLang="en-US"/>
+                    </a:p>
+                  </a:txBody>
+                  <a:tcPr>
+                    <a:solidFill>
+                      <a:schemeClr val="bg1">
+                        <a:lumMod val="85000"/>
+                      </a:schemeClr>
+                    </a:solidFill>
+                  </a:tcPr>
+                </a:tc>
+                <a:tc>
+                  <a:txBody>
+                    <a:bodyPr/>
+                    <a:lstStyle/>
+                    <a:p>
+                      <a:pPr latinLnBrk="1"/>
+                      <a:endParaRPr lang="ko-KR" altLang="en-US" dirty="0"/>
+                    </a:p>
+                  </a:txBody>
+                  <a:tcPr>
+                    <a:solidFill>
+                      <a:schemeClr val="bg1">
+                        <a:lumMod val="85000"/>
+                      </a:schemeClr>
+                    </a:solidFill>
+                  </a:tcPr>
+                </a:tc>
+                <a:tc>
+                  <a:txBody>
+                    <a:bodyPr/>
+                    <a:lstStyle/>
+                    <a:p>
+                      <a:pPr latinLnBrk="1"/>
+                      <a:endParaRPr lang="ko-KR" altLang="en-US" dirty="0"/>
+                    </a:p>
+                  </a:txBody>
+                  <a:tcPr>
+                    <a:solidFill>
+                      <a:schemeClr val="bg1">
+                        <a:lumMod val="85000"/>
+                      </a:schemeClr>
+                    </a:solidFill>
+                  </a:tcPr>
+                </a:tc>
+                <a:extLst>
+                  <a:ext uri="{0D108BD9-81ED-4DB2-BD59-A6C34878D82A}">
+                    <a16:rowId xmlns:a16="http://schemas.microsoft.com/office/drawing/2014/main" val="926575560"/>
+                  </a:ext>
+                </a:extLst>
+              </a:tr>
+              <a:tr h="455028">
+                <a:tc>
+                  <a:txBody>
+                    <a:bodyPr/>
+                    <a:lstStyle/>
+                    <a:p>
+                      <a:pPr latinLnBrk="1"/>
+                      <a:endParaRPr lang="ko-KR" altLang="en-US"/>
+                    </a:p>
+                  </a:txBody>
+                  <a:tcPr>
+                    <a:solidFill>
+                      <a:schemeClr val="bg1">
+                        <a:lumMod val="85000"/>
+                      </a:schemeClr>
+                    </a:solidFill>
+                  </a:tcPr>
+                </a:tc>
+                <a:tc>
+                  <a:txBody>
+                    <a:bodyPr/>
+                    <a:lstStyle/>
+                    <a:p>
+                      <a:pPr latinLnBrk="1"/>
+                      <a:endParaRPr lang="ko-KR" altLang="en-US" dirty="0"/>
+                    </a:p>
+                  </a:txBody>
+                  <a:tcPr>
+                    <a:solidFill>
+                      <a:schemeClr val="bg1">
+                        <a:lumMod val="85000"/>
+                      </a:schemeClr>
+                    </a:solidFill>
+                  </a:tcPr>
+                </a:tc>
+                <a:tc>
+                  <a:txBody>
+                    <a:bodyPr/>
+                    <a:lstStyle/>
+                    <a:p>
+                      <a:pPr latinLnBrk="1"/>
+                      <a:endParaRPr lang="ko-KR" altLang="en-US" dirty="0"/>
+                    </a:p>
+                  </a:txBody>
+                  <a:tcPr>
+                    <a:solidFill>
+                      <a:schemeClr val="bg1">
+                        <a:lumMod val="85000"/>
+                      </a:schemeClr>
+                    </a:solidFill>
+                  </a:tcPr>
+                </a:tc>
+                <a:tc>
+                  <a:txBody>
+                    <a:bodyPr/>
+                    <a:lstStyle/>
+                    <a:p>
+                      <a:pPr latinLnBrk="1"/>
+                      <a:endParaRPr lang="ko-KR" altLang="en-US" dirty="0"/>
+                    </a:p>
+                  </a:txBody>
+                  <a:tcPr>
+                    <a:solidFill>
+                      <a:schemeClr val="bg1">
+                        <a:lumMod val="85000"/>
+                      </a:schemeClr>
+                    </a:solidFill>
+                  </a:tcPr>
+                </a:tc>
+                <a:extLst>
+                  <a:ext uri="{0D108BD9-81ED-4DB2-BD59-A6C34878D82A}">
+                    <a16:rowId xmlns:a16="http://schemas.microsoft.com/office/drawing/2014/main" val="4206090399"/>
+                  </a:ext>
+                </a:extLst>
+              </a:tr>
+              <a:tr h="455028">
+                <a:tc>
+                  <a:txBody>
+                    <a:bodyPr/>
+                    <a:lstStyle/>
+                    <a:p>
+                      <a:pPr latinLnBrk="1"/>
+                      <a:endParaRPr lang="ko-KR" altLang="en-US"/>
+                    </a:p>
+                  </a:txBody>
+                  <a:tcPr>
+                    <a:solidFill>
+                      <a:schemeClr val="bg1">
+                        <a:lumMod val="85000"/>
+                      </a:schemeClr>
+                    </a:solidFill>
+                  </a:tcPr>
+                </a:tc>
+                <a:tc>
+                  <a:txBody>
+                    <a:bodyPr/>
+                    <a:lstStyle/>
+                    <a:p>
+                      <a:pPr latinLnBrk="1"/>
+                      <a:endParaRPr lang="ko-KR" altLang="en-US" dirty="0"/>
+                    </a:p>
+                  </a:txBody>
+                  <a:tcPr>
+                    <a:solidFill>
+                      <a:schemeClr val="bg1">
+                        <a:lumMod val="85000"/>
+                      </a:schemeClr>
+                    </a:solidFill>
+                  </a:tcPr>
+                </a:tc>
+                <a:tc>
+                  <a:txBody>
+                    <a:bodyPr/>
+                    <a:lstStyle/>
+                    <a:p>
+                      <a:pPr latinLnBrk="1"/>
+                      <a:endParaRPr lang="ko-KR" altLang="en-US" dirty="0"/>
+                    </a:p>
+                  </a:txBody>
+                  <a:tcPr>
+                    <a:solidFill>
+                      <a:schemeClr val="bg1">
+                        <a:lumMod val="85000"/>
+                      </a:schemeClr>
+                    </a:solidFill>
+                  </a:tcPr>
+                </a:tc>
+                <a:tc>
+                  <a:txBody>
+                    <a:bodyPr/>
+                    <a:lstStyle/>
+                    <a:p>
+                      <a:pPr latinLnBrk="1"/>
+                      <a:endParaRPr lang="ko-KR" altLang="en-US" dirty="0"/>
+                    </a:p>
+                  </a:txBody>
+                  <a:tcPr>
+                    <a:solidFill>
+                      <a:schemeClr val="bg1">
+                        <a:lumMod val="85000"/>
+                      </a:schemeClr>
+                    </a:solidFill>
+                  </a:tcPr>
+                </a:tc>
+                <a:extLst>
+                  <a:ext uri="{0D108BD9-81ED-4DB2-BD59-A6C34878D82A}">
+                    <a16:rowId xmlns:a16="http://schemas.microsoft.com/office/drawing/2014/main" val="2524170042"/>
+                  </a:ext>
+                </a:extLst>
+              </a:tr>
+              <a:tr h="455028">
+                <a:tc>
+                  <a:txBody>
+                    <a:bodyPr/>
+                    <a:lstStyle/>
+                    <a:p>
+                      <a:pPr latinLnBrk="1"/>
+                      <a:endParaRPr lang="ko-KR" altLang="en-US"/>
+                    </a:p>
+                  </a:txBody>
+                  <a:tcPr>
+                    <a:solidFill>
+                      <a:schemeClr val="bg1">
+                        <a:lumMod val="85000"/>
+                      </a:schemeClr>
+                    </a:solidFill>
+                  </a:tcPr>
+                </a:tc>
+                <a:tc>
+                  <a:txBody>
+                    <a:bodyPr/>
+                    <a:lstStyle/>
+                    <a:p>
+                      <a:pPr latinLnBrk="1"/>
+                      <a:endParaRPr lang="ko-KR" altLang="en-US"/>
+                    </a:p>
+                  </a:txBody>
+                  <a:tcPr>
+                    <a:solidFill>
+                      <a:schemeClr val="bg1">
+                        <a:lumMod val="85000"/>
+                      </a:schemeClr>
+                    </a:solidFill>
+                  </a:tcPr>
+                </a:tc>
+                <a:tc>
+                  <a:txBody>
+                    <a:bodyPr/>
+                    <a:lstStyle/>
+                    <a:p>
+                      <a:pPr latinLnBrk="1"/>
+                      <a:endParaRPr lang="ko-KR" altLang="en-US"/>
+                    </a:p>
+                  </a:txBody>
+                  <a:tcPr>
+                    <a:solidFill>
+                      <a:schemeClr val="bg1">
+                        <a:lumMod val="85000"/>
+                      </a:schemeClr>
+                    </a:solidFill>
+                  </a:tcPr>
+                </a:tc>
+                <a:tc>
+                  <a:txBody>
+                    <a:bodyPr/>
+                    <a:lstStyle/>
+                    <a:p>
+                      <a:pPr latinLnBrk="1"/>
+                      <a:endParaRPr lang="ko-KR" altLang="en-US" dirty="0"/>
+                    </a:p>
+                  </a:txBody>
+                  <a:tcPr>
+                    <a:solidFill>
+                      <a:schemeClr val="bg1">
+                        <a:lumMod val="85000"/>
+                      </a:schemeClr>
+                    </a:solidFill>
+                  </a:tcPr>
+                </a:tc>
+                <a:extLst>
+                  <a:ext uri="{0D108BD9-81ED-4DB2-BD59-A6C34878D82A}">
+                    <a16:rowId xmlns:a16="http://schemas.microsoft.com/office/drawing/2014/main" val="355759515"/>
+                  </a:ext>
+                </a:extLst>
+              </a:tr>
+            </a:tbl>
+          </a:graphicData>
+        </a:graphic>
+      </p:graphicFrame>
     </p:spTree>
     <p:extLst>
       <p:ext uri="{BB962C8B-B14F-4D97-AF65-F5344CB8AC3E}">
@@ -4539,6 +5484,45 @@
           <a:p>
             <a:pPr algn="ctr"/>
             <a:endParaRPr lang="ko-KR" altLang="en-US"/>
+          </a:p>
+        </p:txBody>
+      </p:sp>
+      <p:sp>
+        <p:nvSpPr>
+          <p:cNvPr id="2" name="TextBox 1">
+            <a:extLst>
+              <a:ext uri="{FF2B5EF4-FFF2-40B4-BE49-F238E27FC236}">
+                <a16:creationId xmlns:a16="http://schemas.microsoft.com/office/drawing/2014/main" id="{7FDCD9B4-B058-F4D2-101A-639091ED0D52}"/>
+              </a:ext>
+            </a:extLst>
+          </p:cNvPr>
+          <p:cNvSpPr txBox="1"/>
+          <p:nvPr/>
+        </p:nvSpPr>
+        <p:spPr>
+          <a:xfrm>
+            <a:off x="184559" y="366119"/>
+            <a:ext cx="6094378" cy="369332"/>
+          </a:xfrm>
+          <a:prstGeom prst="rect">
+            <a:avLst/>
+          </a:prstGeom>
+          <a:noFill/>
+        </p:spPr>
+        <p:txBody>
+          <a:bodyPr wrap="square">
+            <a:spAutoFit/>
+          </a:bodyPr>
+          <a:lstStyle/>
+          <a:p>
+            <a:r>
+              <a:rPr lang="en-US" altLang="ko-KR" b="1" dirty="0"/>
+              <a:t>3. </a:t>
+            </a:r>
+            <a:r>
+              <a:rPr lang="ko-KR" altLang="en-US" b="1" dirty="0"/>
+              <a:t>사용자 관리</a:t>
+            </a:r>
           </a:p>
         </p:txBody>
       </p:sp>
@@ -4969,6 +5953,21 @@
 </file>
 
 <file path=customXml/item1.xml><?xml version="1.0" encoding="utf-8"?>
+<p:properties xmlns:p="http://schemas.microsoft.com/office/2006/metadata/properties" xmlns:xsi="http://www.w3.org/2001/XMLSchema-instance" xmlns:pc="http://schemas.microsoft.com/office/infopath/2007/PartnerControls">
+  <documentManagement/>
+</p:properties>
+</file>
+
+<file path=customXml/item2.xml><?xml version="1.0" encoding="utf-8"?>
+<?mso-contentType ?>
+<FormTemplates xmlns="http://schemas.microsoft.com/sharepoint/v3/contenttype/forms">
+  <Display>DocumentLibraryForm</Display>
+  <Edit>DocumentLibraryForm</Edit>
+  <New>DocumentLibraryForm</New>
+</FormTemplates>
+</file>
+
+<file path=customXml/item3.xml><?xml version="1.0" encoding="utf-8"?>
 <ct:contentTypeSchema xmlns:ct="http://schemas.microsoft.com/office/2006/metadata/contentType" xmlns:ma="http://schemas.microsoft.com/office/2006/metadata/properties/metaAttributes" ct:_="" ma:_="" ma:contentTypeName="문서" ma:contentTypeID="0x0101001E774B426E055849B441ECC8369879B0" ma:contentTypeVersion="8" ma:contentTypeDescription="새 문서를 만듭니다." ma:contentTypeScope="" ma:versionID="9068642751f2cf013f3cc01b70c42c86">
   <xsd:schema xmlns:xsd="http://www.w3.org/2001/XMLSchema" xmlns:xs="http://www.w3.org/2001/XMLSchema" xmlns:p="http://schemas.microsoft.com/office/2006/metadata/properties" xmlns:ns3="dd3f898b-a552-43cf-8c13-27667718d721" targetNamespace="http://schemas.microsoft.com/office/2006/metadata/properties" ma:root="true" ma:fieldsID="5101e1b840c40ca8b770ab5a0196a279" ns3:_="">
     <xsd:import namespace="dd3f898b-a552-43cf-8c13-27667718d721"/>
@@ -5138,22 +6137,31 @@
 </ct:contentTypeSchema>
 </file>
 
-<file path=customXml/item2.xml><?xml version="1.0" encoding="utf-8"?>
-<?mso-contentType ?>
-<FormTemplates xmlns="http://schemas.microsoft.com/sharepoint/v3/contenttype/forms">
-  <Display>DocumentLibraryForm</Display>
-  <Edit>DocumentLibraryForm</Edit>
-  <New>DocumentLibraryForm</New>
-</FormTemplates>
+<file path=customXml/itemProps1.xml><?xml version="1.0" encoding="utf-8"?>
+<ds:datastoreItem xmlns:ds="http://schemas.openxmlformats.org/officeDocument/2006/customXml" ds:itemID="{73E9B01A-AA5E-4C4C-9B19-B8752E4B66DA}">
+  <ds:schemaRefs>
+    <ds:schemaRef ds:uri="http://schemas.microsoft.com/office/2006/documentManagement/types"/>
+    <ds:schemaRef ds:uri="http://schemas.microsoft.com/office/2006/metadata/properties"/>
+    <ds:schemaRef ds:uri="http://schemas.openxmlformats.org/package/2006/metadata/core-properties"/>
+    <ds:schemaRef ds:uri="http://schemas.microsoft.com/office/infopath/2007/PartnerControls"/>
+    <ds:schemaRef ds:uri="http://www.w3.org/XML/1998/namespace"/>
+    <ds:schemaRef ds:uri="http://purl.org/dc/terms/"/>
+    <ds:schemaRef ds:uri="http://purl.org/dc/dcmitype/"/>
+    <ds:schemaRef ds:uri="http://purl.org/dc/elements/1.1/"/>
+    <ds:schemaRef ds:uri="dd3f898b-a552-43cf-8c13-27667718d721"/>
+  </ds:schemaRefs>
+</ds:datastoreItem>
 </file>
 
-<file path=customXml/item3.xml><?xml version="1.0" encoding="utf-8"?>
-<p:properties xmlns:p="http://schemas.microsoft.com/office/2006/metadata/properties" xmlns:xsi="http://www.w3.org/2001/XMLSchema-instance" xmlns:pc="http://schemas.microsoft.com/office/infopath/2007/PartnerControls">
-  <documentManagement/>
-</p:properties>
+<file path=customXml/itemProps2.xml><?xml version="1.0" encoding="utf-8"?>
+<ds:datastoreItem xmlns:ds="http://schemas.openxmlformats.org/officeDocument/2006/customXml" ds:itemID="{660F5016-C253-4EB4-85FB-5F219558131F}">
+  <ds:schemaRefs>
+    <ds:schemaRef ds:uri="http://schemas.microsoft.com/sharepoint/v3/contenttype/forms"/>
+  </ds:schemaRefs>
+</ds:datastoreItem>
 </file>
 
-<file path=customXml/itemProps1.xml><?xml version="1.0" encoding="utf-8"?>
+<file path=customXml/itemProps3.xml><?xml version="1.0" encoding="utf-8"?>
 <ds:datastoreItem xmlns:ds="http://schemas.openxmlformats.org/officeDocument/2006/customXml" ds:itemID="{2BBEDDF8-8A84-4F17-984E-AFBD2B131ACE}">
   <ds:schemaRefs>
     <ds:schemaRef ds:uri="http://schemas.microsoft.com/office/2006/metadata/contentType"/>
@@ -5169,28 +6177,4 @@
     <ds:schemaRef ds:uri="http://schemas.microsoft.com/internal/obd"/>
   </ds:schemaRefs>
 </ds:datastoreItem>
-</file>
-
-<file path=customXml/itemProps2.xml><?xml version="1.0" encoding="utf-8"?>
-<ds:datastoreItem xmlns:ds="http://schemas.openxmlformats.org/officeDocument/2006/customXml" ds:itemID="{660F5016-C253-4EB4-85FB-5F219558131F}">
-  <ds:schemaRefs>
-    <ds:schemaRef ds:uri="http://schemas.microsoft.com/sharepoint/v3/contenttype/forms"/>
-  </ds:schemaRefs>
-</ds:datastoreItem>
-</file>
-
-<file path=customXml/itemProps3.xml><?xml version="1.0" encoding="utf-8"?>
-<ds:datastoreItem xmlns:ds="http://schemas.openxmlformats.org/officeDocument/2006/customXml" ds:itemID="{73E9B01A-AA5E-4C4C-9B19-B8752E4B66DA}">
-  <ds:schemaRefs>
-    <ds:schemaRef ds:uri="http://schemas.microsoft.com/office/2006/documentManagement/types"/>
-    <ds:schemaRef ds:uri="http://schemas.microsoft.com/office/2006/metadata/properties"/>
-    <ds:schemaRef ds:uri="http://schemas.openxmlformats.org/package/2006/metadata/core-properties"/>
-    <ds:schemaRef ds:uri="http://schemas.microsoft.com/office/infopath/2007/PartnerControls"/>
-    <ds:schemaRef ds:uri="http://www.w3.org/XML/1998/namespace"/>
-    <ds:schemaRef ds:uri="http://purl.org/dc/terms/"/>
-    <ds:schemaRef ds:uri="http://purl.org/dc/dcmitype/"/>
-    <ds:schemaRef ds:uri="http://purl.org/dc/elements/1.1/"/>
-    <ds:schemaRef ds:uri="dd3f898b-a552-43cf-8c13-27667718d721"/>
-  </ds:schemaRefs>
-</ds:datastoreItem>
 </file>
--- a/화면 설계.pptx
+++ b/화면 설계.pptx
@@ -9,7 +9,13 @@
     <p:sldId id="258" r:id="rId6"/>
     <p:sldId id="259" r:id="rId7"/>
     <p:sldId id="260" r:id="rId8"/>
-    <p:sldId id="261" r:id="rId9"/>
+    <p:sldId id="267" r:id="rId9"/>
+    <p:sldId id="261" r:id="rId10"/>
+    <p:sldId id="262" r:id="rId11"/>
+    <p:sldId id="269" r:id="rId12"/>
+    <p:sldId id="266" r:id="rId13"/>
+    <p:sldId id="263" r:id="rId14"/>
+    <p:sldId id="264" r:id="rId15"/>
   </p:sldIdLst>
   <p:sldSz cx="12192000" cy="6858000"/>
   <p:notesSz cx="6858000" cy="9144000"/>
@@ -350,7 +356,7 @@
           <a:p>
             <a:fld id="{F58ACEE6-C755-44FF-84AD-40DC5B46DD32}" type="datetimeFigureOut">
               <a:rPr lang="ko-KR" altLang="en-US" smtClean="0"/>
-              <a:t>2025-06-20</a:t>
+              <a:t>2025-06-22</a:t>
             </a:fld>
             <a:endParaRPr lang="ko-KR" altLang="en-US"/>
           </a:p>
@@ -558,7 +564,7 @@
           <a:p>
             <a:fld id="{F58ACEE6-C755-44FF-84AD-40DC5B46DD32}" type="datetimeFigureOut">
               <a:rPr lang="ko-KR" altLang="en-US" smtClean="0"/>
-              <a:t>2025-06-20</a:t>
+              <a:t>2025-06-22</a:t>
             </a:fld>
             <a:endParaRPr lang="ko-KR" altLang="en-US"/>
           </a:p>
@@ -814,7 +820,7 @@
           <a:p>
             <a:fld id="{F58ACEE6-C755-44FF-84AD-40DC5B46DD32}" type="datetimeFigureOut">
               <a:rPr lang="ko-KR" altLang="en-US" smtClean="0"/>
-              <a:t>2025-06-20</a:t>
+              <a:t>2025-06-22</a:t>
             </a:fld>
             <a:endParaRPr lang="ko-KR" altLang="en-US"/>
           </a:p>
@@ -988,7 +994,7 @@
           <a:p>
             <a:fld id="{F58ACEE6-C755-44FF-84AD-40DC5B46DD32}" type="datetimeFigureOut">
               <a:rPr lang="ko-KR" altLang="en-US" smtClean="0"/>
-              <a:t>2025-06-20</a:t>
+              <a:t>2025-06-22</a:t>
             </a:fld>
             <a:endParaRPr lang="ko-KR" altLang="en-US"/>
           </a:p>
@@ -1331,7 +1337,7 @@
           <a:p>
             <a:fld id="{F58ACEE6-C755-44FF-84AD-40DC5B46DD32}" type="datetimeFigureOut">
               <a:rPr lang="ko-KR" altLang="en-US" smtClean="0"/>
-              <a:t>2025-06-20</a:t>
+              <a:t>2025-06-22</a:t>
             </a:fld>
             <a:endParaRPr lang="ko-KR" altLang="en-US"/>
           </a:p>
@@ -1606,7 +1612,7 @@
           <a:p>
             <a:fld id="{F58ACEE6-C755-44FF-84AD-40DC5B46DD32}" type="datetimeFigureOut">
               <a:rPr lang="ko-KR" altLang="en-US" smtClean="0"/>
-              <a:t>2025-06-20</a:t>
+              <a:t>2025-06-22</a:t>
             </a:fld>
             <a:endParaRPr lang="ko-KR" altLang="en-US"/>
           </a:p>
@@ -1985,7 +1991,7 @@
           <a:p>
             <a:fld id="{F58ACEE6-C755-44FF-84AD-40DC5B46DD32}" type="datetimeFigureOut">
               <a:rPr lang="ko-KR" altLang="en-US" smtClean="0"/>
-              <a:t>2025-06-20</a:t>
+              <a:t>2025-06-22</a:t>
             </a:fld>
             <a:endParaRPr lang="ko-KR" altLang="en-US"/>
           </a:p>
@@ -2103,7 +2109,7 @@
           <a:p>
             <a:fld id="{F58ACEE6-C755-44FF-84AD-40DC5B46DD32}" type="datetimeFigureOut">
               <a:rPr lang="ko-KR" altLang="en-US" smtClean="0"/>
-              <a:t>2025-06-20</a:t>
+              <a:t>2025-06-22</a:t>
             </a:fld>
             <a:endParaRPr lang="ko-KR" altLang="en-US"/>
           </a:p>
@@ -2274,7 +2280,7 @@
           <a:p>
             <a:fld id="{F58ACEE6-C755-44FF-84AD-40DC5B46DD32}" type="datetimeFigureOut">
               <a:rPr lang="ko-KR" altLang="en-US" smtClean="0"/>
-              <a:t>2025-06-20</a:t>
+              <a:t>2025-06-22</a:t>
             </a:fld>
             <a:endParaRPr lang="ko-KR" altLang="en-US"/>
           </a:p>
@@ -2326,6 +2332,53 @@
               <a:rPr lang="ko-KR" altLang="en-US" smtClean="0"/>
               <a:t>‹#›</a:t>
             </a:fld>
+            <a:endParaRPr lang="ko-KR" altLang="en-US"/>
+          </a:p>
+        </p:txBody>
+      </p:sp>
+      <p:sp>
+        <p:nvSpPr>
+          <p:cNvPr id="2" name="사각형: 둥근 모서리 1">
+            <a:extLst>
+              <a:ext uri="{FF2B5EF4-FFF2-40B4-BE49-F238E27FC236}">
+                <a16:creationId xmlns:a16="http://schemas.microsoft.com/office/drawing/2014/main" id="{027E03A7-5DBE-A114-62ED-9460BE922E95}"/>
+              </a:ext>
+            </a:extLst>
+          </p:cNvPr>
+          <p:cNvSpPr/>
+          <p:nvPr userDrawn="1"/>
+        </p:nvSpPr>
+        <p:spPr>
+          <a:xfrm>
+            <a:off x="312317" y="1245141"/>
+            <a:ext cx="1569926" cy="4601183"/>
+          </a:xfrm>
+          <a:prstGeom prst="roundRect">
+            <a:avLst/>
+          </a:prstGeom>
+          <a:noFill/>
+        </p:spPr>
+        <p:style>
+          <a:lnRef idx="2">
+            <a:schemeClr val="accent1">
+              <a:shade val="15000"/>
+            </a:schemeClr>
+          </a:lnRef>
+          <a:fillRef idx="1">
+            <a:schemeClr val="accent1"/>
+          </a:fillRef>
+          <a:effectRef idx="0">
+            <a:schemeClr val="accent1"/>
+          </a:effectRef>
+          <a:fontRef idx="minor">
+            <a:schemeClr val="lt1"/>
+          </a:fontRef>
+        </p:style>
+        <p:txBody>
+          <a:bodyPr rtlCol="0" anchor="ctr"/>
+          <a:lstStyle/>
+          <a:p>
+            <a:pPr algn="ctr"/>
             <a:endParaRPr lang="ko-KR" altLang="en-US"/>
           </a:p>
         </p:txBody>
@@ -2628,7 +2681,7 @@
           <a:p>
             <a:fld id="{F58ACEE6-C755-44FF-84AD-40DC5B46DD32}" type="datetimeFigureOut">
               <a:rPr lang="ko-KR" altLang="en-US" smtClean="0"/>
-              <a:t>2025-06-20</a:t>
+              <a:t>2025-06-22</a:t>
             </a:fld>
             <a:endParaRPr lang="ko-KR" altLang="en-US"/>
           </a:p>
@@ -3010,7 +3063,7 @@
           <a:p>
             <a:fld id="{F58ACEE6-C755-44FF-84AD-40DC5B46DD32}" type="datetimeFigureOut">
               <a:rPr lang="ko-KR" altLang="en-US" smtClean="0"/>
-              <a:t>2025-06-20</a:t>
+              <a:t>2025-06-22</a:t>
             </a:fld>
             <a:endParaRPr lang="ko-KR" altLang="en-US"/>
           </a:p>
@@ -3297,7 +3350,7 @@
           <a:p>
             <a:fld id="{F58ACEE6-C755-44FF-84AD-40DC5B46DD32}" type="datetimeFigureOut">
               <a:rPr lang="ko-KR" altLang="en-US" smtClean="0"/>
-              <a:t>2025-06-20</a:t>
+              <a:t>2025-06-22</a:t>
             </a:fld>
             <a:endParaRPr lang="ko-KR" altLang="en-US"/>
           </a:p>
@@ -3872,6 +3925,1374 @@
 </p:sld>
 </file>
 
+<file path=ppt/slides/slide10.xml><?xml version="1.0" encoding="utf-8"?>
+<p:sld xmlns:a="http://schemas.openxmlformats.org/drawingml/2006/main" xmlns:r="http://schemas.openxmlformats.org/officeDocument/2006/relationships" xmlns:p="http://schemas.openxmlformats.org/presentationml/2006/main">
+  <p:cSld>
+    <p:spTree>
+      <p:nvGrpSpPr>
+        <p:cNvPr id="1" name="">
+          <a:extLst>
+            <a:ext uri="{FF2B5EF4-FFF2-40B4-BE49-F238E27FC236}">
+              <a16:creationId xmlns:a16="http://schemas.microsoft.com/office/drawing/2014/main" id="{69548C68-84C5-C3D5-9951-6B954B214191}"/>
+            </a:ext>
+          </a:extLst>
+        </p:cNvPr>
+        <p:cNvGrpSpPr/>
+        <p:nvPr/>
+      </p:nvGrpSpPr>
+      <p:grpSpPr>
+        <a:xfrm>
+          <a:off x="0" y="0"/>
+          <a:ext cx="0" cy="0"/>
+          <a:chOff x="0" y="0"/>
+          <a:chExt cx="0" cy="0"/>
+        </a:xfrm>
+      </p:grpSpPr>
+      <p:sp>
+        <p:nvSpPr>
+          <p:cNvPr id="6" name="직사각형 5">
+            <a:extLst>
+              <a:ext uri="{FF2B5EF4-FFF2-40B4-BE49-F238E27FC236}">
+                <a16:creationId xmlns:a16="http://schemas.microsoft.com/office/drawing/2014/main" id="{E134D8D2-BCD2-A0C0-0134-3100597C53E8}"/>
+              </a:ext>
+            </a:extLst>
+          </p:cNvPr>
+          <p:cNvSpPr/>
+          <p:nvPr/>
+        </p:nvSpPr>
+        <p:spPr>
+          <a:xfrm>
+            <a:off x="184559" y="905347"/>
+            <a:ext cx="9059030" cy="5285902"/>
+          </a:xfrm>
+          <a:prstGeom prst="rect">
+            <a:avLst/>
+          </a:prstGeom>
+          <a:noFill/>
+        </p:spPr>
+        <p:style>
+          <a:lnRef idx="2">
+            <a:schemeClr val="accent1">
+              <a:shade val="15000"/>
+            </a:schemeClr>
+          </a:lnRef>
+          <a:fillRef idx="1">
+            <a:schemeClr val="accent1"/>
+          </a:fillRef>
+          <a:effectRef idx="0">
+            <a:schemeClr val="accent1"/>
+          </a:effectRef>
+          <a:fontRef idx="minor">
+            <a:schemeClr val="lt1"/>
+          </a:fontRef>
+        </p:style>
+        <p:txBody>
+          <a:bodyPr rtlCol="0" anchor="ctr"/>
+          <a:lstStyle/>
+          <a:p>
+            <a:pPr algn="ctr"/>
+            <a:endParaRPr lang="ko-KR" altLang="en-US"/>
+          </a:p>
+        </p:txBody>
+      </p:sp>
+      <p:sp>
+        <p:nvSpPr>
+          <p:cNvPr id="7" name="직사각형 6">
+            <a:extLst>
+              <a:ext uri="{FF2B5EF4-FFF2-40B4-BE49-F238E27FC236}">
+                <a16:creationId xmlns:a16="http://schemas.microsoft.com/office/drawing/2014/main" id="{BE9A076F-6451-67F2-B3AF-1616F707E929}"/>
+              </a:ext>
+            </a:extLst>
+          </p:cNvPr>
+          <p:cNvSpPr/>
+          <p:nvPr/>
+        </p:nvSpPr>
+        <p:spPr>
+          <a:xfrm>
+            <a:off x="9297908" y="179748"/>
+            <a:ext cx="2709533" cy="6011501"/>
+          </a:xfrm>
+          <a:prstGeom prst="rect">
+            <a:avLst/>
+          </a:prstGeom>
+          <a:noFill/>
+        </p:spPr>
+        <p:style>
+          <a:lnRef idx="2">
+            <a:schemeClr val="accent1">
+              <a:shade val="15000"/>
+            </a:schemeClr>
+          </a:lnRef>
+          <a:fillRef idx="1">
+            <a:schemeClr val="accent1"/>
+          </a:fillRef>
+          <a:effectRef idx="0">
+            <a:schemeClr val="accent1"/>
+          </a:effectRef>
+          <a:fontRef idx="minor">
+            <a:schemeClr val="lt1"/>
+          </a:fontRef>
+        </p:style>
+        <p:txBody>
+          <a:bodyPr rtlCol="0" anchor="ctr"/>
+          <a:lstStyle/>
+          <a:p>
+            <a:pPr algn="ctr"/>
+            <a:endParaRPr lang="ko-KR" altLang="en-US"/>
+          </a:p>
+        </p:txBody>
+      </p:sp>
+      <p:sp>
+        <p:nvSpPr>
+          <p:cNvPr id="2" name="TextBox 1">
+            <a:extLst>
+              <a:ext uri="{FF2B5EF4-FFF2-40B4-BE49-F238E27FC236}">
+                <a16:creationId xmlns:a16="http://schemas.microsoft.com/office/drawing/2014/main" id="{D36DEDA1-296B-1E30-6578-42D29F74BA1F}"/>
+              </a:ext>
+            </a:extLst>
+          </p:cNvPr>
+          <p:cNvSpPr txBox="1"/>
+          <p:nvPr/>
+        </p:nvSpPr>
+        <p:spPr>
+          <a:xfrm>
+            <a:off x="184559" y="366119"/>
+            <a:ext cx="6094378" cy="369332"/>
+          </a:xfrm>
+          <a:prstGeom prst="rect">
+            <a:avLst/>
+          </a:prstGeom>
+          <a:noFill/>
+        </p:spPr>
+        <p:txBody>
+          <a:bodyPr wrap="square">
+            <a:spAutoFit/>
+          </a:bodyPr>
+          <a:lstStyle/>
+          <a:p>
+            <a:r>
+              <a:rPr lang="en-US" altLang="ko-KR" b="1" dirty="0"/>
+              <a:t>6. </a:t>
+            </a:r>
+            <a:r>
+              <a:rPr lang="ko-KR" altLang="en-US" b="1" dirty="0"/>
+              <a:t>관리자 관리</a:t>
+            </a:r>
+          </a:p>
+        </p:txBody>
+      </p:sp>
+      <p:graphicFrame>
+        <p:nvGraphicFramePr>
+          <p:cNvPr id="3" name="표 2">
+            <a:extLst>
+              <a:ext uri="{FF2B5EF4-FFF2-40B4-BE49-F238E27FC236}">
+                <a16:creationId xmlns:a16="http://schemas.microsoft.com/office/drawing/2014/main" id="{46E4F3B8-2B9F-74E7-A453-1A8CE9FF627C}"/>
+              </a:ext>
+            </a:extLst>
+          </p:cNvPr>
+          <p:cNvGraphicFramePr>
+            <a:graphicFrameLocks noGrp="1"/>
+          </p:cNvGraphicFramePr>
+          <p:nvPr>
+            <p:extLst>
+              <p:ext uri="{D42A27DB-BD31-4B8C-83A1-F6EECF244321}">
+                <p14:modId xmlns:p14="http://schemas.microsoft.com/office/powerpoint/2010/main" val="3842966496"/>
+              </p:ext>
+            </p:extLst>
+          </p:nvPr>
+        </p:nvGraphicFramePr>
+        <p:xfrm>
+          <a:off x="2162769" y="1717658"/>
+          <a:ext cx="6812372" cy="2275140"/>
+        </p:xfrm>
+        <a:graphic>
+          <a:graphicData uri="http://schemas.openxmlformats.org/drawingml/2006/table">
+            <a:tbl>
+              <a:tblPr firstRow="1" bandRow="1">
+                <a:tableStyleId>{5C22544A-7EE6-4342-B048-85BDC9FD1C3A}</a:tableStyleId>
+              </a:tblPr>
+              <a:tblGrid>
+                <a:gridCol w="1703093">
+                  <a:extLst>
+                    <a:ext uri="{9D8B030D-6E8A-4147-A177-3AD203B41FA5}">
+                      <a16:colId xmlns:a16="http://schemas.microsoft.com/office/drawing/2014/main" val="3458199729"/>
+                    </a:ext>
+                  </a:extLst>
+                </a:gridCol>
+                <a:gridCol w="1703093">
+                  <a:extLst>
+                    <a:ext uri="{9D8B030D-6E8A-4147-A177-3AD203B41FA5}">
+                      <a16:colId xmlns:a16="http://schemas.microsoft.com/office/drawing/2014/main" val="1255691649"/>
+                    </a:ext>
+                  </a:extLst>
+                </a:gridCol>
+                <a:gridCol w="1703093">
+                  <a:extLst>
+                    <a:ext uri="{9D8B030D-6E8A-4147-A177-3AD203B41FA5}">
+                      <a16:colId xmlns:a16="http://schemas.microsoft.com/office/drawing/2014/main" val="3181022075"/>
+                    </a:ext>
+                  </a:extLst>
+                </a:gridCol>
+                <a:gridCol w="1703093">
+                  <a:extLst>
+                    <a:ext uri="{9D8B030D-6E8A-4147-A177-3AD203B41FA5}">
+                      <a16:colId xmlns:a16="http://schemas.microsoft.com/office/drawing/2014/main" val="960724525"/>
+                    </a:ext>
+                  </a:extLst>
+                </a:gridCol>
+              </a:tblGrid>
+              <a:tr h="455028">
+                <a:tc>
+                  <a:txBody>
+                    <a:bodyPr/>
+                    <a:lstStyle/>
+                    <a:p>
+                      <a:pPr latinLnBrk="1"/>
+                      <a:r>
+                        <a:rPr lang="ko-KR" altLang="en-US" dirty="0"/>
+                        <a:t>관리자 이름</a:t>
+                      </a:r>
+                    </a:p>
+                  </a:txBody>
+                  <a:tcPr>
+                    <a:solidFill>
+                      <a:schemeClr val="bg1">
+                        <a:lumMod val="85000"/>
+                      </a:schemeClr>
+                    </a:solidFill>
+                  </a:tcPr>
+                </a:tc>
+                <a:tc>
+                  <a:txBody>
+                    <a:bodyPr/>
+                    <a:lstStyle/>
+                    <a:p>
+                      <a:pPr latinLnBrk="1"/>
+                      <a:r>
+                        <a:rPr lang="ko-KR" altLang="en-US" dirty="0"/>
+                        <a:t>관리자 </a:t>
+                      </a:r>
+                      <a:r>
+                        <a:rPr lang="en-US" altLang="ko-KR" dirty="0"/>
+                        <a:t>ID </a:t>
+                      </a:r>
+                      <a:endParaRPr lang="ko-KR" altLang="en-US" dirty="0"/>
+                    </a:p>
+                  </a:txBody>
+                  <a:tcPr>
+                    <a:solidFill>
+                      <a:schemeClr val="bg1">
+                        <a:lumMod val="85000"/>
+                      </a:schemeClr>
+                    </a:solidFill>
+                  </a:tcPr>
+                </a:tc>
+                <a:tc>
+                  <a:txBody>
+                    <a:bodyPr/>
+                    <a:lstStyle/>
+                    <a:p>
+                      <a:pPr latinLnBrk="1"/>
+                      <a:r>
+                        <a:rPr lang="ko-KR" altLang="en-US" dirty="0"/>
+                        <a:t>역할 </a:t>
+                      </a:r>
+                    </a:p>
+                  </a:txBody>
+                  <a:tcPr>
+                    <a:solidFill>
+                      <a:schemeClr val="bg1">
+                        <a:lumMod val="85000"/>
+                      </a:schemeClr>
+                    </a:solidFill>
+                  </a:tcPr>
+                </a:tc>
+                <a:tc>
+                  <a:txBody>
+                    <a:bodyPr/>
+                    <a:lstStyle/>
+                    <a:p>
+                      <a:pPr latinLnBrk="1"/>
+                      <a:r>
+                        <a:rPr lang="ko-KR" altLang="en-US" dirty="0"/>
+                        <a:t>관리자 삭제 </a:t>
+                      </a:r>
+                    </a:p>
+                  </a:txBody>
+                  <a:tcPr>
+                    <a:solidFill>
+                      <a:schemeClr val="bg1">
+                        <a:lumMod val="85000"/>
+                      </a:schemeClr>
+                    </a:solidFill>
+                  </a:tcPr>
+                </a:tc>
+                <a:extLst>
+                  <a:ext uri="{0D108BD9-81ED-4DB2-BD59-A6C34878D82A}">
+                    <a16:rowId xmlns:a16="http://schemas.microsoft.com/office/drawing/2014/main" val="2638491739"/>
+                  </a:ext>
+                </a:extLst>
+              </a:tr>
+              <a:tr h="455028">
+                <a:tc>
+                  <a:txBody>
+                    <a:bodyPr/>
+                    <a:lstStyle/>
+                    <a:p>
+                      <a:pPr latinLnBrk="1"/>
+                      <a:endParaRPr lang="ko-KR" altLang="en-US"/>
+                    </a:p>
+                  </a:txBody>
+                  <a:tcPr>
+                    <a:solidFill>
+                      <a:schemeClr val="bg1">
+                        <a:lumMod val="85000"/>
+                      </a:schemeClr>
+                    </a:solidFill>
+                  </a:tcPr>
+                </a:tc>
+                <a:tc>
+                  <a:txBody>
+                    <a:bodyPr/>
+                    <a:lstStyle/>
+                    <a:p>
+                      <a:pPr latinLnBrk="1"/>
+                      <a:endParaRPr lang="ko-KR" altLang="en-US"/>
+                    </a:p>
+                  </a:txBody>
+                  <a:tcPr>
+                    <a:solidFill>
+                      <a:schemeClr val="bg1">
+                        <a:lumMod val="85000"/>
+                      </a:schemeClr>
+                    </a:solidFill>
+                  </a:tcPr>
+                </a:tc>
+                <a:tc>
+                  <a:txBody>
+                    <a:bodyPr/>
+                    <a:lstStyle/>
+                    <a:p>
+                      <a:pPr latinLnBrk="1"/>
+                      <a:endParaRPr lang="ko-KR" altLang="en-US" dirty="0"/>
+                    </a:p>
+                  </a:txBody>
+                  <a:tcPr>
+                    <a:solidFill>
+                      <a:schemeClr val="bg1">
+                        <a:lumMod val="85000"/>
+                      </a:schemeClr>
+                    </a:solidFill>
+                  </a:tcPr>
+                </a:tc>
+                <a:tc>
+                  <a:txBody>
+                    <a:bodyPr/>
+                    <a:lstStyle/>
+                    <a:p>
+                      <a:pPr latinLnBrk="1"/>
+                      <a:endParaRPr lang="ko-KR" altLang="en-US" dirty="0"/>
+                    </a:p>
+                  </a:txBody>
+                  <a:tcPr>
+                    <a:solidFill>
+                      <a:schemeClr val="bg1">
+                        <a:lumMod val="85000"/>
+                      </a:schemeClr>
+                    </a:solidFill>
+                  </a:tcPr>
+                </a:tc>
+                <a:extLst>
+                  <a:ext uri="{0D108BD9-81ED-4DB2-BD59-A6C34878D82A}">
+                    <a16:rowId xmlns:a16="http://schemas.microsoft.com/office/drawing/2014/main" val="926575560"/>
+                  </a:ext>
+                </a:extLst>
+              </a:tr>
+              <a:tr h="455028">
+                <a:tc>
+                  <a:txBody>
+                    <a:bodyPr/>
+                    <a:lstStyle/>
+                    <a:p>
+                      <a:pPr latinLnBrk="1"/>
+                      <a:endParaRPr lang="ko-KR" altLang="en-US"/>
+                    </a:p>
+                  </a:txBody>
+                  <a:tcPr>
+                    <a:solidFill>
+                      <a:schemeClr val="bg1">
+                        <a:lumMod val="85000"/>
+                      </a:schemeClr>
+                    </a:solidFill>
+                  </a:tcPr>
+                </a:tc>
+                <a:tc>
+                  <a:txBody>
+                    <a:bodyPr/>
+                    <a:lstStyle/>
+                    <a:p>
+                      <a:pPr latinLnBrk="1"/>
+                      <a:endParaRPr lang="ko-KR" altLang="en-US" dirty="0"/>
+                    </a:p>
+                  </a:txBody>
+                  <a:tcPr>
+                    <a:solidFill>
+                      <a:schemeClr val="bg1">
+                        <a:lumMod val="85000"/>
+                      </a:schemeClr>
+                    </a:solidFill>
+                  </a:tcPr>
+                </a:tc>
+                <a:tc>
+                  <a:txBody>
+                    <a:bodyPr/>
+                    <a:lstStyle/>
+                    <a:p>
+                      <a:pPr latinLnBrk="1"/>
+                      <a:endParaRPr lang="ko-KR" altLang="en-US" dirty="0"/>
+                    </a:p>
+                  </a:txBody>
+                  <a:tcPr>
+                    <a:solidFill>
+                      <a:schemeClr val="bg1">
+                        <a:lumMod val="85000"/>
+                      </a:schemeClr>
+                    </a:solidFill>
+                  </a:tcPr>
+                </a:tc>
+                <a:tc>
+                  <a:txBody>
+                    <a:bodyPr/>
+                    <a:lstStyle/>
+                    <a:p>
+                      <a:pPr latinLnBrk="1"/>
+                      <a:endParaRPr lang="ko-KR" altLang="en-US" dirty="0"/>
+                    </a:p>
+                  </a:txBody>
+                  <a:tcPr>
+                    <a:solidFill>
+                      <a:schemeClr val="bg1">
+                        <a:lumMod val="85000"/>
+                      </a:schemeClr>
+                    </a:solidFill>
+                  </a:tcPr>
+                </a:tc>
+                <a:extLst>
+                  <a:ext uri="{0D108BD9-81ED-4DB2-BD59-A6C34878D82A}">
+                    <a16:rowId xmlns:a16="http://schemas.microsoft.com/office/drawing/2014/main" val="4206090399"/>
+                  </a:ext>
+                </a:extLst>
+              </a:tr>
+              <a:tr h="455028">
+                <a:tc>
+                  <a:txBody>
+                    <a:bodyPr/>
+                    <a:lstStyle/>
+                    <a:p>
+                      <a:pPr latinLnBrk="1"/>
+                      <a:endParaRPr lang="ko-KR" altLang="en-US"/>
+                    </a:p>
+                  </a:txBody>
+                  <a:tcPr>
+                    <a:solidFill>
+                      <a:schemeClr val="bg1">
+                        <a:lumMod val="85000"/>
+                      </a:schemeClr>
+                    </a:solidFill>
+                  </a:tcPr>
+                </a:tc>
+                <a:tc>
+                  <a:txBody>
+                    <a:bodyPr/>
+                    <a:lstStyle/>
+                    <a:p>
+                      <a:pPr latinLnBrk="1"/>
+                      <a:endParaRPr lang="ko-KR" altLang="en-US" dirty="0"/>
+                    </a:p>
+                  </a:txBody>
+                  <a:tcPr>
+                    <a:solidFill>
+                      <a:schemeClr val="bg1">
+                        <a:lumMod val="85000"/>
+                      </a:schemeClr>
+                    </a:solidFill>
+                  </a:tcPr>
+                </a:tc>
+                <a:tc>
+                  <a:txBody>
+                    <a:bodyPr/>
+                    <a:lstStyle/>
+                    <a:p>
+                      <a:pPr latinLnBrk="1"/>
+                      <a:endParaRPr lang="ko-KR" altLang="en-US" dirty="0"/>
+                    </a:p>
+                  </a:txBody>
+                  <a:tcPr>
+                    <a:solidFill>
+                      <a:schemeClr val="bg1">
+                        <a:lumMod val="85000"/>
+                      </a:schemeClr>
+                    </a:solidFill>
+                  </a:tcPr>
+                </a:tc>
+                <a:tc>
+                  <a:txBody>
+                    <a:bodyPr/>
+                    <a:lstStyle/>
+                    <a:p>
+                      <a:pPr latinLnBrk="1"/>
+                      <a:endParaRPr lang="ko-KR" altLang="en-US" dirty="0"/>
+                    </a:p>
+                  </a:txBody>
+                  <a:tcPr>
+                    <a:solidFill>
+                      <a:schemeClr val="bg1">
+                        <a:lumMod val="85000"/>
+                      </a:schemeClr>
+                    </a:solidFill>
+                  </a:tcPr>
+                </a:tc>
+                <a:extLst>
+                  <a:ext uri="{0D108BD9-81ED-4DB2-BD59-A6C34878D82A}">
+                    <a16:rowId xmlns:a16="http://schemas.microsoft.com/office/drawing/2014/main" val="2524170042"/>
+                  </a:ext>
+                </a:extLst>
+              </a:tr>
+              <a:tr h="455028">
+                <a:tc>
+                  <a:txBody>
+                    <a:bodyPr/>
+                    <a:lstStyle/>
+                    <a:p>
+                      <a:pPr latinLnBrk="1"/>
+                      <a:endParaRPr lang="ko-KR" altLang="en-US" dirty="0"/>
+                    </a:p>
+                  </a:txBody>
+                  <a:tcPr>
+                    <a:solidFill>
+                      <a:schemeClr val="bg1">
+                        <a:lumMod val="85000"/>
+                      </a:schemeClr>
+                    </a:solidFill>
+                  </a:tcPr>
+                </a:tc>
+                <a:tc>
+                  <a:txBody>
+                    <a:bodyPr/>
+                    <a:lstStyle/>
+                    <a:p>
+                      <a:pPr latinLnBrk="1"/>
+                      <a:endParaRPr lang="ko-KR" altLang="en-US" dirty="0"/>
+                    </a:p>
+                  </a:txBody>
+                  <a:tcPr>
+                    <a:solidFill>
+                      <a:schemeClr val="bg1">
+                        <a:lumMod val="85000"/>
+                      </a:schemeClr>
+                    </a:solidFill>
+                  </a:tcPr>
+                </a:tc>
+                <a:tc>
+                  <a:txBody>
+                    <a:bodyPr/>
+                    <a:lstStyle/>
+                    <a:p>
+                      <a:pPr latinLnBrk="1"/>
+                      <a:endParaRPr lang="ko-KR" altLang="en-US"/>
+                    </a:p>
+                  </a:txBody>
+                  <a:tcPr>
+                    <a:solidFill>
+                      <a:schemeClr val="bg1">
+                        <a:lumMod val="85000"/>
+                      </a:schemeClr>
+                    </a:solidFill>
+                  </a:tcPr>
+                </a:tc>
+                <a:tc>
+                  <a:txBody>
+                    <a:bodyPr/>
+                    <a:lstStyle/>
+                    <a:p>
+                      <a:pPr latinLnBrk="1"/>
+                      <a:endParaRPr lang="ko-KR" altLang="en-US" dirty="0"/>
+                    </a:p>
+                  </a:txBody>
+                  <a:tcPr>
+                    <a:solidFill>
+                      <a:schemeClr val="bg1">
+                        <a:lumMod val="85000"/>
+                      </a:schemeClr>
+                    </a:solidFill>
+                  </a:tcPr>
+                </a:tc>
+                <a:extLst>
+                  <a:ext uri="{0D108BD9-81ED-4DB2-BD59-A6C34878D82A}">
+                    <a16:rowId xmlns:a16="http://schemas.microsoft.com/office/drawing/2014/main" val="355759515"/>
+                  </a:ext>
+                </a:extLst>
+              </a:tr>
+            </a:tbl>
+          </a:graphicData>
+        </a:graphic>
+      </p:graphicFrame>
+      <p:sp>
+        <p:nvSpPr>
+          <p:cNvPr id="4" name="TextBox 3">
+            <a:extLst>
+              <a:ext uri="{FF2B5EF4-FFF2-40B4-BE49-F238E27FC236}">
+                <a16:creationId xmlns:a16="http://schemas.microsoft.com/office/drawing/2014/main" id="{6E23127A-345A-51C7-CF76-A6C4BE7F9A04}"/>
+              </a:ext>
+            </a:extLst>
+          </p:cNvPr>
+          <p:cNvSpPr txBox="1"/>
+          <p:nvPr/>
+        </p:nvSpPr>
+        <p:spPr>
+          <a:xfrm>
+            <a:off x="9442859" y="366119"/>
+            <a:ext cx="2241141" cy="646331"/>
+          </a:xfrm>
+          <a:prstGeom prst="rect">
+            <a:avLst/>
+          </a:prstGeom>
+          <a:noFill/>
+        </p:spPr>
+        <p:txBody>
+          <a:bodyPr wrap="square">
+            <a:spAutoFit/>
+          </a:bodyPr>
+          <a:lstStyle/>
+          <a:p>
+            <a:r>
+              <a:rPr lang="ko-KR" altLang="en-US" b="1" dirty="0"/>
+              <a:t>관리자 이름 선택 시 </a:t>
+            </a:r>
+            <a:br>
+              <a:rPr lang="en-US" altLang="ko-KR" b="1" dirty="0"/>
+            </a:br>
+            <a:r>
+              <a:rPr lang="ko-KR" altLang="en-US" b="1" dirty="0"/>
+              <a:t>상세 정보 팝업 </a:t>
+            </a:r>
+          </a:p>
+        </p:txBody>
+      </p:sp>
+      <p:sp>
+        <p:nvSpPr>
+          <p:cNvPr id="5" name="사각형: 둥근 모서리 4">
+            <a:extLst>
+              <a:ext uri="{FF2B5EF4-FFF2-40B4-BE49-F238E27FC236}">
+                <a16:creationId xmlns:a16="http://schemas.microsoft.com/office/drawing/2014/main" id="{286AC15A-17A2-EC96-F423-9ED1D724BDB5}"/>
+              </a:ext>
+            </a:extLst>
+          </p:cNvPr>
+          <p:cNvSpPr/>
+          <p:nvPr/>
+        </p:nvSpPr>
+        <p:spPr>
+          <a:xfrm>
+            <a:off x="5956300" y="1175510"/>
+            <a:ext cx="3018841" cy="457200"/>
+          </a:xfrm>
+          <a:prstGeom prst="roundRect">
+            <a:avLst/>
+          </a:prstGeom>
+          <a:solidFill>
+            <a:schemeClr val="accent3">
+              <a:lumMod val="40000"/>
+              <a:lumOff val="60000"/>
+            </a:schemeClr>
+          </a:solidFill>
+          <a:ln>
+            <a:solidFill>
+              <a:schemeClr val="tx1"/>
+            </a:solidFill>
+          </a:ln>
+        </p:spPr>
+        <p:style>
+          <a:lnRef idx="2">
+            <a:schemeClr val="accent1">
+              <a:shade val="15000"/>
+            </a:schemeClr>
+          </a:lnRef>
+          <a:fillRef idx="1">
+            <a:schemeClr val="accent1"/>
+          </a:fillRef>
+          <a:effectRef idx="0">
+            <a:schemeClr val="accent1"/>
+          </a:effectRef>
+          <a:fontRef idx="minor">
+            <a:schemeClr val="lt1"/>
+          </a:fontRef>
+        </p:style>
+        <p:txBody>
+          <a:bodyPr rtlCol="0" anchor="ctr"/>
+          <a:lstStyle/>
+          <a:p>
+            <a:pPr algn="ctr"/>
+            <a:r>
+              <a:rPr lang="ko-KR" altLang="en-US" dirty="0"/>
+              <a:t>관리자 신규 생성 </a:t>
+            </a:r>
+          </a:p>
+        </p:txBody>
+      </p:sp>
+      <p:sp>
+        <p:nvSpPr>
+          <p:cNvPr id="10" name="곱하기 기호 9">
+            <a:extLst>
+              <a:ext uri="{FF2B5EF4-FFF2-40B4-BE49-F238E27FC236}">
+                <a16:creationId xmlns:a16="http://schemas.microsoft.com/office/drawing/2014/main" id="{78241349-66F7-9072-F4DE-0D06EE3AAF4D}"/>
+              </a:ext>
+            </a:extLst>
+          </p:cNvPr>
+          <p:cNvSpPr/>
+          <p:nvPr/>
+        </p:nvSpPr>
+        <p:spPr>
+          <a:xfrm>
+            <a:off x="7848710" y="2241880"/>
+            <a:ext cx="324906" cy="406282"/>
+          </a:xfrm>
+          <a:prstGeom prst="mathMultiply">
+            <a:avLst/>
+          </a:prstGeom>
+        </p:spPr>
+        <p:style>
+          <a:lnRef idx="2">
+            <a:schemeClr val="accent1">
+              <a:shade val="15000"/>
+            </a:schemeClr>
+          </a:lnRef>
+          <a:fillRef idx="1">
+            <a:schemeClr val="accent1"/>
+          </a:fillRef>
+          <a:effectRef idx="0">
+            <a:schemeClr val="accent1"/>
+          </a:effectRef>
+          <a:fontRef idx="minor">
+            <a:schemeClr val="lt1"/>
+          </a:fontRef>
+        </p:style>
+        <p:txBody>
+          <a:bodyPr rtlCol="0" anchor="ctr"/>
+          <a:lstStyle/>
+          <a:p>
+            <a:pPr algn="ctr"/>
+            <a:endParaRPr lang="ko-KR" altLang="en-US"/>
+          </a:p>
+        </p:txBody>
+      </p:sp>
+    </p:spTree>
+    <p:extLst>
+      <p:ext uri="{BB962C8B-B14F-4D97-AF65-F5344CB8AC3E}">
+        <p14:creationId xmlns:p14="http://schemas.microsoft.com/office/powerpoint/2010/main" val="1993883620"/>
+      </p:ext>
+    </p:extLst>
+  </p:cSld>
+  <p:clrMapOvr>
+    <a:masterClrMapping/>
+  </p:clrMapOvr>
+</p:sld>
+</file>
+
+<file path=ppt/slides/slide11.xml><?xml version="1.0" encoding="utf-8"?>
+<p:sld xmlns:a="http://schemas.openxmlformats.org/drawingml/2006/main" xmlns:r="http://schemas.openxmlformats.org/officeDocument/2006/relationships" xmlns:p="http://schemas.openxmlformats.org/presentationml/2006/main">
+  <p:cSld>
+    <p:spTree>
+      <p:nvGrpSpPr>
+        <p:cNvPr id="1" name=""/>
+        <p:cNvGrpSpPr/>
+        <p:nvPr/>
+      </p:nvGrpSpPr>
+      <p:grpSpPr>
+        <a:xfrm>
+          <a:off x="0" y="0"/>
+          <a:ext cx="0" cy="0"/>
+          <a:chOff x="0" y="0"/>
+          <a:chExt cx="0" cy="0"/>
+        </a:xfrm>
+      </p:grpSpPr>
+      <p:sp>
+        <p:nvSpPr>
+          <p:cNvPr id="5" name="TextBox 4">
+            <a:extLst>
+              <a:ext uri="{FF2B5EF4-FFF2-40B4-BE49-F238E27FC236}">
+                <a16:creationId xmlns:a16="http://schemas.microsoft.com/office/drawing/2014/main" id="{D219C786-CC3B-7C61-ABDC-6FF7DF3104BE}"/>
+              </a:ext>
+            </a:extLst>
+          </p:cNvPr>
+          <p:cNvSpPr txBox="1"/>
+          <p:nvPr/>
+        </p:nvSpPr>
+        <p:spPr>
+          <a:xfrm>
+            <a:off x="184559" y="366119"/>
+            <a:ext cx="6094378" cy="369332"/>
+          </a:xfrm>
+          <a:prstGeom prst="rect">
+            <a:avLst/>
+          </a:prstGeom>
+          <a:noFill/>
+        </p:spPr>
+        <p:txBody>
+          <a:bodyPr wrap="square">
+            <a:spAutoFit/>
+          </a:bodyPr>
+          <a:lstStyle/>
+          <a:p>
+            <a:r>
+              <a:rPr lang="en-US" altLang="ko-KR" b="1" dirty="0"/>
+              <a:t>6. </a:t>
+            </a:r>
+            <a:r>
+              <a:rPr lang="ko-KR" altLang="en-US" b="1" dirty="0"/>
+              <a:t>관리자 권한 관리 </a:t>
+            </a:r>
+            <a:r>
+              <a:rPr lang="en-US" altLang="ko-KR" b="1" dirty="0"/>
+              <a:t>– </a:t>
+            </a:r>
+            <a:r>
+              <a:rPr lang="ko-KR" altLang="en-US" b="1" dirty="0"/>
+              <a:t>상세 팝업 </a:t>
+            </a:r>
+          </a:p>
+        </p:txBody>
+      </p:sp>
+      <p:sp>
+        <p:nvSpPr>
+          <p:cNvPr id="6" name="직사각형 5">
+            <a:extLst>
+              <a:ext uri="{FF2B5EF4-FFF2-40B4-BE49-F238E27FC236}">
+                <a16:creationId xmlns:a16="http://schemas.microsoft.com/office/drawing/2014/main" id="{E5264BC6-B30C-5B89-AE7C-9DAF83F237BB}"/>
+              </a:ext>
+            </a:extLst>
+          </p:cNvPr>
+          <p:cNvSpPr/>
+          <p:nvPr/>
+        </p:nvSpPr>
+        <p:spPr>
+          <a:xfrm>
+            <a:off x="184559" y="927100"/>
+            <a:ext cx="5016500" cy="4610100"/>
+          </a:xfrm>
+          <a:prstGeom prst="rect">
+            <a:avLst/>
+          </a:prstGeom>
+        </p:spPr>
+        <p:style>
+          <a:lnRef idx="2">
+            <a:schemeClr val="accent1">
+              <a:shade val="15000"/>
+            </a:schemeClr>
+          </a:lnRef>
+          <a:fillRef idx="1">
+            <a:schemeClr val="accent1"/>
+          </a:fillRef>
+          <a:effectRef idx="0">
+            <a:schemeClr val="accent1"/>
+          </a:effectRef>
+          <a:fontRef idx="minor">
+            <a:schemeClr val="lt1"/>
+          </a:fontRef>
+        </p:style>
+        <p:txBody>
+          <a:bodyPr rtlCol="0" anchor="ctr"/>
+          <a:lstStyle/>
+          <a:p>
+            <a:r>
+              <a:rPr lang="ko-KR" altLang="en-US" dirty="0"/>
+              <a:t>관리자 </a:t>
+            </a:r>
+            <a:r>
+              <a:rPr lang="en-US" altLang="ko-KR" dirty="0"/>
+              <a:t>ID </a:t>
+            </a:r>
+          </a:p>
+          <a:p>
+            <a:r>
+              <a:rPr lang="ko-KR" altLang="en-US" dirty="0"/>
+              <a:t>관리자 이름</a:t>
+            </a:r>
+            <a:endParaRPr lang="en-US" altLang="ko-KR" dirty="0"/>
+          </a:p>
+          <a:p>
+            <a:r>
+              <a:rPr lang="ko-KR" altLang="en-US" dirty="0"/>
+              <a:t>관리자 권한 목록</a:t>
+            </a:r>
+            <a:endParaRPr lang="en-US" altLang="ko-KR" dirty="0"/>
+          </a:p>
+          <a:p>
+            <a:endParaRPr lang="en-US" altLang="ko-KR" dirty="0"/>
+          </a:p>
+          <a:p>
+            <a:endParaRPr lang="en-US" altLang="ko-KR" dirty="0"/>
+          </a:p>
+          <a:p>
+            <a:endParaRPr lang="en-US" altLang="ko-KR" dirty="0"/>
+          </a:p>
+          <a:p>
+            <a:endParaRPr lang="en-US" altLang="ko-KR" dirty="0"/>
+          </a:p>
+          <a:p>
+            <a:endParaRPr lang="en-US" altLang="ko-KR" dirty="0"/>
+          </a:p>
+          <a:p>
+            <a:endParaRPr lang="en-US" altLang="ko-KR" dirty="0"/>
+          </a:p>
+          <a:p>
+            <a:endParaRPr lang="en-US" altLang="ko-KR" dirty="0"/>
+          </a:p>
+          <a:p>
+            <a:endParaRPr lang="en-US" altLang="ko-KR" dirty="0"/>
+          </a:p>
+          <a:p>
+            <a:endParaRPr lang="en-US" altLang="ko-KR" dirty="0"/>
+          </a:p>
+          <a:p>
+            <a:endParaRPr lang="en-US" altLang="ko-KR" dirty="0"/>
+          </a:p>
+          <a:p>
+            <a:endParaRPr lang="en-US" altLang="ko-KR" dirty="0"/>
+          </a:p>
+          <a:p>
+            <a:endParaRPr lang="en-US" altLang="ko-KR" dirty="0"/>
+          </a:p>
+          <a:p>
+            <a:endParaRPr lang="en-US" altLang="ko-KR" dirty="0"/>
+          </a:p>
+        </p:txBody>
+      </p:sp>
+      <p:sp>
+        <p:nvSpPr>
+          <p:cNvPr id="7" name="직사각형 6">
+            <a:extLst>
+              <a:ext uri="{FF2B5EF4-FFF2-40B4-BE49-F238E27FC236}">
+                <a16:creationId xmlns:a16="http://schemas.microsoft.com/office/drawing/2014/main" id="{AAA96444-E841-2285-7B17-DF9EAF925CDC}"/>
+              </a:ext>
+            </a:extLst>
+          </p:cNvPr>
+          <p:cNvSpPr/>
+          <p:nvPr/>
+        </p:nvSpPr>
+        <p:spPr>
+          <a:xfrm>
+            <a:off x="1562100" y="1041400"/>
+            <a:ext cx="1511300" cy="190500"/>
+          </a:xfrm>
+          <a:prstGeom prst="rect">
+            <a:avLst/>
+          </a:prstGeom>
+          <a:solidFill>
+            <a:schemeClr val="bg1"/>
+          </a:solidFill>
+        </p:spPr>
+        <p:style>
+          <a:lnRef idx="2">
+            <a:schemeClr val="accent1">
+              <a:shade val="15000"/>
+            </a:schemeClr>
+          </a:lnRef>
+          <a:fillRef idx="1">
+            <a:schemeClr val="accent1"/>
+          </a:fillRef>
+          <a:effectRef idx="0">
+            <a:schemeClr val="accent1"/>
+          </a:effectRef>
+          <a:fontRef idx="minor">
+            <a:schemeClr val="lt1"/>
+          </a:fontRef>
+        </p:style>
+        <p:txBody>
+          <a:bodyPr rtlCol="0" anchor="ctr"/>
+          <a:lstStyle/>
+          <a:p>
+            <a:pPr algn="ctr"/>
+            <a:endParaRPr lang="ko-KR" altLang="en-US"/>
+          </a:p>
+        </p:txBody>
+      </p:sp>
+      <p:sp>
+        <p:nvSpPr>
+          <p:cNvPr id="8" name="직사각형 7">
+            <a:extLst>
+              <a:ext uri="{FF2B5EF4-FFF2-40B4-BE49-F238E27FC236}">
+                <a16:creationId xmlns:a16="http://schemas.microsoft.com/office/drawing/2014/main" id="{F6BB7F89-B3C4-4BC6-63D9-C2F0DA665CC0}"/>
+              </a:ext>
+            </a:extLst>
+          </p:cNvPr>
+          <p:cNvSpPr/>
+          <p:nvPr/>
+        </p:nvSpPr>
+        <p:spPr>
+          <a:xfrm>
+            <a:off x="1720448" y="1328299"/>
+            <a:ext cx="1511300" cy="190500"/>
+          </a:xfrm>
+          <a:prstGeom prst="rect">
+            <a:avLst/>
+          </a:prstGeom>
+          <a:solidFill>
+            <a:schemeClr val="bg1"/>
+          </a:solidFill>
+        </p:spPr>
+        <p:style>
+          <a:lnRef idx="2">
+            <a:schemeClr val="accent1">
+              <a:shade val="15000"/>
+            </a:schemeClr>
+          </a:lnRef>
+          <a:fillRef idx="1">
+            <a:schemeClr val="accent1"/>
+          </a:fillRef>
+          <a:effectRef idx="0">
+            <a:schemeClr val="accent1"/>
+          </a:effectRef>
+          <a:fontRef idx="minor">
+            <a:schemeClr val="lt1"/>
+          </a:fontRef>
+        </p:style>
+        <p:txBody>
+          <a:bodyPr rtlCol="0" anchor="ctr"/>
+          <a:lstStyle/>
+          <a:p>
+            <a:pPr algn="ctr"/>
+            <a:endParaRPr lang="ko-KR" altLang="en-US"/>
+          </a:p>
+        </p:txBody>
+      </p:sp>
+      <p:sp>
+        <p:nvSpPr>
+          <p:cNvPr id="9" name="직사각형 8">
+            <a:extLst>
+              <a:ext uri="{FF2B5EF4-FFF2-40B4-BE49-F238E27FC236}">
+                <a16:creationId xmlns:a16="http://schemas.microsoft.com/office/drawing/2014/main" id="{03189A33-2207-2877-70D2-9C4824D6E5B1}"/>
+              </a:ext>
+            </a:extLst>
+          </p:cNvPr>
+          <p:cNvSpPr/>
+          <p:nvPr/>
+        </p:nvSpPr>
+        <p:spPr>
+          <a:xfrm>
+            <a:off x="348848" y="1993900"/>
+            <a:ext cx="4489852" cy="2047603"/>
+          </a:xfrm>
+          <a:prstGeom prst="rect">
+            <a:avLst/>
+          </a:prstGeom>
+          <a:solidFill>
+            <a:schemeClr val="bg1"/>
+          </a:solidFill>
+        </p:spPr>
+        <p:style>
+          <a:lnRef idx="2">
+            <a:schemeClr val="accent1">
+              <a:shade val="15000"/>
+            </a:schemeClr>
+          </a:lnRef>
+          <a:fillRef idx="1">
+            <a:schemeClr val="accent1"/>
+          </a:fillRef>
+          <a:effectRef idx="0">
+            <a:schemeClr val="accent1"/>
+          </a:effectRef>
+          <a:fontRef idx="minor">
+            <a:schemeClr val="lt1"/>
+          </a:fontRef>
+        </p:style>
+        <p:txBody>
+          <a:bodyPr rtlCol="0" anchor="ctr"/>
+          <a:lstStyle/>
+          <a:p>
+            <a:r>
+              <a:rPr lang="ko-KR" altLang="en-US" dirty="0">
+                <a:solidFill>
+                  <a:srgbClr val="FF0000"/>
+                </a:solidFill>
+              </a:rPr>
+              <a:t>게시글 삭제 권한 </a:t>
+            </a:r>
+            <a:endParaRPr lang="en-US" altLang="ko-KR" dirty="0">
+              <a:solidFill>
+                <a:srgbClr val="FF0000"/>
+              </a:solidFill>
+            </a:endParaRPr>
+          </a:p>
+          <a:p>
+            <a:r>
+              <a:rPr lang="ko-KR" altLang="en-US" dirty="0">
+                <a:solidFill>
+                  <a:srgbClr val="FF0000"/>
+                </a:solidFill>
+              </a:rPr>
+              <a:t>사용자 삭제</a:t>
+            </a:r>
+            <a:r>
+              <a:rPr lang="en-US" altLang="ko-KR" dirty="0">
+                <a:solidFill>
+                  <a:srgbClr val="FF0000"/>
+                </a:solidFill>
+              </a:rPr>
+              <a:t>/</a:t>
+            </a:r>
+            <a:r>
+              <a:rPr lang="ko-KR" altLang="en-US" dirty="0">
+                <a:solidFill>
+                  <a:srgbClr val="FF0000"/>
+                </a:solidFill>
+              </a:rPr>
+              <a:t>정지 권한</a:t>
+            </a:r>
+            <a:endParaRPr lang="en-US" altLang="ko-KR" dirty="0">
+              <a:solidFill>
+                <a:srgbClr val="FF0000"/>
+              </a:solidFill>
+            </a:endParaRPr>
+          </a:p>
+          <a:p>
+            <a:r>
+              <a:rPr lang="ko-KR" altLang="en-US" dirty="0">
+                <a:solidFill>
+                  <a:srgbClr val="FF0000"/>
+                </a:solidFill>
+              </a:rPr>
+              <a:t>모임 삭제</a:t>
+            </a:r>
+            <a:r>
+              <a:rPr lang="en-US" altLang="ko-KR" dirty="0">
+                <a:solidFill>
+                  <a:srgbClr val="FF0000"/>
+                </a:solidFill>
+              </a:rPr>
+              <a:t>/</a:t>
+            </a:r>
+            <a:r>
+              <a:rPr lang="ko-KR" altLang="en-US" dirty="0">
+                <a:solidFill>
+                  <a:srgbClr val="FF0000"/>
+                </a:solidFill>
+              </a:rPr>
+              <a:t>정지 권한</a:t>
+            </a:r>
+            <a:endParaRPr lang="en-US" altLang="ko-KR" dirty="0">
+              <a:solidFill>
+                <a:srgbClr val="FF0000"/>
+              </a:solidFill>
+            </a:endParaRPr>
+          </a:p>
+          <a:p>
+            <a:r>
+              <a:rPr lang="ko-KR" altLang="en-US" dirty="0">
+                <a:solidFill>
+                  <a:srgbClr val="FF0000"/>
+                </a:solidFill>
+              </a:rPr>
+              <a:t>피드 삭제 권한</a:t>
+            </a:r>
+            <a:endParaRPr lang="en-US" altLang="ko-KR" dirty="0">
+              <a:solidFill>
+                <a:srgbClr val="FF0000"/>
+              </a:solidFill>
+            </a:endParaRPr>
+          </a:p>
+          <a:p>
+            <a:r>
+              <a:rPr lang="en-US" altLang="ko-KR" dirty="0">
+                <a:solidFill>
+                  <a:srgbClr val="FF0000"/>
+                </a:solidFill>
+              </a:rPr>
+              <a:t>*</a:t>
+            </a:r>
+          </a:p>
+          <a:p>
+            <a:r>
+              <a:rPr lang="en-US" altLang="ko-KR" dirty="0">
+                <a:solidFill>
+                  <a:srgbClr val="FF0000"/>
+                </a:solidFill>
+              </a:rPr>
+              <a:t>*</a:t>
+            </a:r>
+            <a:r>
+              <a:rPr lang="ko-KR" altLang="en-US" dirty="0">
+                <a:solidFill>
+                  <a:srgbClr val="FF0000"/>
+                </a:solidFill>
+              </a:rPr>
+              <a:t> </a:t>
+            </a:r>
+          </a:p>
+        </p:txBody>
+      </p:sp>
+      <p:sp>
+        <p:nvSpPr>
+          <p:cNvPr id="10" name="사각형: 둥근 모서리 9">
+            <a:extLst>
+              <a:ext uri="{FF2B5EF4-FFF2-40B4-BE49-F238E27FC236}">
+                <a16:creationId xmlns:a16="http://schemas.microsoft.com/office/drawing/2014/main" id="{89FB200D-26DC-6466-C41F-62700CAB7A69}"/>
+              </a:ext>
+            </a:extLst>
+          </p:cNvPr>
+          <p:cNvSpPr/>
+          <p:nvPr/>
+        </p:nvSpPr>
+        <p:spPr>
+          <a:xfrm>
+            <a:off x="3771900" y="4864100"/>
+            <a:ext cx="1066800" cy="457200"/>
+          </a:xfrm>
+          <a:prstGeom prst="roundRect">
+            <a:avLst/>
+          </a:prstGeom>
+          <a:solidFill>
+            <a:schemeClr val="accent3">
+              <a:lumMod val="40000"/>
+              <a:lumOff val="60000"/>
+            </a:schemeClr>
+          </a:solidFill>
+          <a:ln>
+            <a:solidFill>
+              <a:schemeClr val="tx1"/>
+            </a:solidFill>
+          </a:ln>
+        </p:spPr>
+        <p:style>
+          <a:lnRef idx="2">
+            <a:schemeClr val="accent1">
+              <a:shade val="15000"/>
+            </a:schemeClr>
+          </a:lnRef>
+          <a:fillRef idx="1">
+            <a:schemeClr val="accent1"/>
+          </a:fillRef>
+          <a:effectRef idx="0">
+            <a:schemeClr val="accent1"/>
+          </a:effectRef>
+          <a:fontRef idx="minor">
+            <a:schemeClr val="lt1"/>
+          </a:fontRef>
+        </p:style>
+        <p:txBody>
+          <a:bodyPr rtlCol="0" anchor="ctr"/>
+          <a:lstStyle/>
+          <a:p>
+            <a:pPr algn="ctr"/>
+            <a:r>
+              <a:rPr lang="ko-KR" altLang="en-US" dirty="0"/>
+              <a:t>저장</a:t>
+            </a:r>
+          </a:p>
+        </p:txBody>
+      </p:sp>
+      <p:pic>
+        <p:nvPicPr>
+          <p:cNvPr id="12" name="그림 11">
+            <a:extLst>
+              <a:ext uri="{FF2B5EF4-FFF2-40B4-BE49-F238E27FC236}">
+                <a16:creationId xmlns:a16="http://schemas.microsoft.com/office/drawing/2014/main" id="{FCB59E55-F605-6CC6-C3DE-F0CE2B01EB7D}"/>
+              </a:ext>
+            </a:extLst>
+          </p:cNvPr>
+          <p:cNvPicPr>
+            <a:picLocks noChangeAspect="1"/>
+          </p:cNvPicPr>
+          <p:nvPr/>
+        </p:nvPicPr>
+        <p:blipFill>
+          <a:blip r:embed="rId2"/>
+          <a:stretch>
+            <a:fillRect/>
+          </a:stretch>
+        </p:blipFill>
+        <p:spPr>
+          <a:xfrm>
+            <a:off x="2317750" y="2102041"/>
+            <a:ext cx="1621677" cy="329213"/>
+          </a:xfrm>
+          <a:prstGeom prst="rect">
+            <a:avLst/>
+          </a:prstGeom>
+        </p:spPr>
+      </p:pic>
+      <p:pic>
+        <p:nvPicPr>
+          <p:cNvPr id="17" name="그림 16">
+            <a:extLst>
+              <a:ext uri="{FF2B5EF4-FFF2-40B4-BE49-F238E27FC236}">
+                <a16:creationId xmlns:a16="http://schemas.microsoft.com/office/drawing/2014/main" id="{2920562E-EE84-6DCF-A912-AFC1AB2519D3}"/>
+              </a:ext>
+            </a:extLst>
+          </p:cNvPr>
+          <p:cNvPicPr>
+            <a:picLocks noChangeAspect="1"/>
+          </p:cNvPicPr>
+          <p:nvPr/>
+        </p:nvPicPr>
+        <p:blipFill>
+          <a:blip r:embed="rId2"/>
+          <a:stretch>
+            <a:fillRect/>
+          </a:stretch>
+        </p:blipFill>
+        <p:spPr>
+          <a:xfrm>
+            <a:off x="2683623" y="2420992"/>
+            <a:ext cx="1621677" cy="329213"/>
+          </a:xfrm>
+          <a:prstGeom prst="rect">
+            <a:avLst/>
+          </a:prstGeom>
+        </p:spPr>
+      </p:pic>
+      <p:pic>
+        <p:nvPicPr>
+          <p:cNvPr id="18" name="그림 17">
+            <a:extLst>
+              <a:ext uri="{FF2B5EF4-FFF2-40B4-BE49-F238E27FC236}">
+                <a16:creationId xmlns:a16="http://schemas.microsoft.com/office/drawing/2014/main" id="{043C5B21-3D2D-DD84-B91D-6180E538F0A0}"/>
+              </a:ext>
+            </a:extLst>
+          </p:cNvPr>
+          <p:cNvPicPr>
+            <a:picLocks noChangeAspect="1"/>
+          </p:cNvPicPr>
+          <p:nvPr/>
+        </p:nvPicPr>
+        <p:blipFill>
+          <a:blip r:embed="rId2"/>
+          <a:stretch>
+            <a:fillRect/>
+          </a:stretch>
+        </p:blipFill>
+        <p:spPr>
+          <a:xfrm>
+            <a:off x="2587364" y="2739943"/>
+            <a:ext cx="1621677" cy="329213"/>
+          </a:xfrm>
+          <a:prstGeom prst="rect">
+            <a:avLst/>
+          </a:prstGeom>
+        </p:spPr>
+      </p:pic>
+    </p:spTree>
+    <p:extLst>
+      <p:ext uri="{BB962C8B-B14F-4D97-AF65-F5344CB8AC3E}">
+        <p14:creationId xmlns:p14="http://schemas.microsoft.com/office/powerpoint/2010/main" val="2080870479"/>
+      </p:ext>
+    </p:extLst>
+  </p:cSld>
+  <p:clrMapOvr>
+    <a:masterClrMapping/>
+  </p:clrMapOvr>
+</p:sld>
+</file>
+
 <file path=ppt/slides/slide2.xml><?xml version="1.0" encoding="utf-8"?>
 <p:sld xmlns:a="http://schemas.openxmlformats.org/drawingml/2006/main" xmlns:r="http://schemas.openxmlformats.org/officeDocument/2006/relationships" xmlns:p="http://schemas.openxmlformats.org/presentationml/2006/main">
   <p:cSld>
@@ -4372,10 +5793,10 @@
       </p:sp>
       <p:sp>
         <p:nvSpPr>
-          <p:cNvPr id="2" name="사각형: 둥근 모서리 1">
+          <p:cNvPr id="5" name="사각형: 둥근 모서리 4">
             <a:extLst>
               <a:ext uri="{FF2B5EF4-FFF2-40B4-BE49-F238E27FC236}">
-                <a16:creationId xmlns:a16="http://schemas.microsoft.com/office/drawing/2014/main" id="{A5C6983B-DD15-FC30-DE33-C7F6387C6CE7}"/>
+                <a16:creationId xmlns:a16="http://schemas.microsoft.com/office/drawing/2014/main" id="{D202F992-A08F-2AEA-2CAA-ED5EB2509BB6}"/>
               </a:ext>
             </a:extLst>
           </p:cNvPr>
@@ -4384,55 +5805,8 @@
         </p:nvSpPr>
         <p:spPr>
           <a:xfrm>
-            <a:off x="369651" y="1245140"/>
-            <a:ext cx="1569926" cy="4601183"/>
-          </a:xfrm>
-          <a:prstGeom prst="roundRect">
-            <a:avLst/>
-          </a:prstGeom>
-          <a:noFill/>
-        </p:spPr>
-        <p:style>
-          <a:lnRef idx="2">
-            <a:schemeClr val="accent1">
-              <a:shade val="15000"/>
-            </a:schemeClr>
-          </a:lnRef>
-          <a:fillRef idx="1">
-            <a:schemeClr val="accent1"/>
-          </a:fillRef>
-          <a:effectRef idx="0">
-            <a:schemeClr val="accent1"/>
-          </a:effectRef>
-          <a:fontRef idx="minor">
-            <a:schemeClr val="lt1"/>
-          </a:fontRef>
-        </p:style>
-        <p:txBody>
-          <a:bodyPr rtlCol="0" anchor="ctr"/>
-          <a:lstStyle/>
-          <a:p>
-            <a:pPr algn="ctr"/>
-            <a:endParaRPr lang="ko-KR" altLang="en-US"/>
-          </a:p>
-        </p:txBody>
-      </p:sp>
-      <p:sp>
-        <p:nvSpPr>
-          <p:cNvPr id="3" name="사각형: 둥근 모서리 2">
-            <a:extLst>
-              <a:ext uri="{FF2B5EF4-FFF2-40B4-BE49-F238E27FC236}">
-                <a16:creationId xmlns:a16="http://schemas.microsoft.com/office/drawing/2014/main" id="{CDAE8996-3E0C-58E4-42D4-1B64BB84AE83}"/>
-              </a:ext>
-            </a:extLst>
-          </p:cNvPr>
-          <p:cNvSpPr/>
-          <p:nvPr/>
-        </p:nvSpPr>
-        <p:spPr>
-          <a:xfrm>
-            <a:off x="2228032" y="1488331"/>
-            <a:ext cx="1459149" cy="1309189"/>
+            <a:off x="6891847" y="1485210"/>
+            <a:ext cx="1793152" cy="1309188"/>
           </a:xfrm>
           <a:prstGeom prst="roundRect">
             <a:avLst/>
@@ -4461,154 +5835,7 @@
             <a:pPr algn="ctr"/>
             <a:r>
               <a:rPr lang="ko-KR" altLang="en-US" dirty="0"/>
-              <a:t>사용자 관리</a:t>
-            </a:r>
-          </a:p>
-        </p:txBody>
-      </p:sp>
-      <p:sp>
-        <p:nvSpPr>
-          <p:cNvPr id="4" name="사각형: 둥근 모서리 3">
-            <a:extLst>
-              <a:ext uri="{FF2B5EF4-FFF2-40B4-BE49-F238E27FC236}">
-                <a16:creationId xmlns:a16="http://schemas.microsoft.com/office/drawing/2014/main" id="{5338CECD-2673-603B-EBF4-32C5377A13AF}"/>
-              </a:ext>
-            </a:extLst>
-          </p:cNvPr>
-          <p:cNvSpPr/>
-          <p:nvPr/>
-        </p:nvSpPr>
-        <p:spPr>
-          <a:xfrm>
-            <a:off x="3936575" y="1488332"/>
-            <a:ext cx="1459149" cy="1309188"/>
-          </a:xfrm>
-          <a:prstGeom prst="roundRect">
-            <a:avLst/>
-          </a:prstGeom>
-        </p:spPr>
-        <p:style>
-          <a:lnRef idx="2">
-            <a:schemeClr val="accent1">
-              <a:shade val="15000"/>
-            </a:schemeClr>
-          </a:lnRef>
-          <a:fillRef idx="1">
-            <a:schemeClr val="accent1"/>
-          </a:fillRef>
-          <a:effectRef idx="0">
-            <a:schemeClr val="accent1"/>
-          </a:effectRef>
-          <a:fontRef idx="minor">
-            <a:schemeClr val="lt1"/>
-          </a:fontRef>
-        </p:style>
-        <p:txBody>
-          <a:bodyPr rtlCol="0" anchor="ctr"/>
-          <a:lstStyle/>
-          <a:p>
-            <a:pPr algn="ctr"/>
-            <a:r>
-              <a:rPr lang="ko-KR" altLang="en-US" dirty="0"/>
-              <a:t>피드 관리</a:t>
-            </a:r>
-          </a:p>
-        </p:txBody>
-      </p:sp>
-      <p:sp>
-        <p:nvSpPr>
-          <p:cNvPr id="5" name="사각형: 둥근 모서리 4">
-            <a:extLst>
-              <a:ext uri="{FF2B5EF4-FFF2-40B4-BE49-F238E27FC236}">
-                <a16:creationId xmlns:a16="http://schemas.microsoft.com/office/drawing/2014/main" id="{D202F992-A08F-2AEA-2CAA-ED5EB2509BB6}"/>
-              </a:ext>
-            </a:extLst>
-          </p:cNvPr>
-          <p:cNvSpPr/>
-          <p:nvPr/>
-        </p:nvSpPr>
-        <p:spPr>
-          <a:xfrm>
-            <a:off x="5645118" y="1488332"/>
-            <a:ext cx="1459149" cy="1309188"/>
-          </a:xfrm>
-          <a:prstGeom prst="roundRect">
-            <a:avLst/>
-          </a:prstGeom>
-        </p:spPr>
-        <p:style>
-          <a:lnRef idx="2">
-            <a:schemeClr val="accent1">
-              <a:shade val="15000"/>
-            </a:schemeClr>
-          </a:lnRef>
-          <a:fillRef idx="1">
-            <a:schemeClr val="accent1"/>
-          </a:fillRef>
-          <a:effectRef idx="0">
-            <a:schemeClr val="accent1"/>
-          </a:effectRef>
-          <a:fontRef idx="minor">
-            <a:schemeClr val="lt1"/>
-          </a:fontRef>
-        </p:style>
-        <p:txBody>
-          <a:bodyPr rtlCol="0" anchor="ctr"/>
-          <a:lstStyle/>
-          <a:p>
-            <a:pPr algn="ctr"/>
-            <a:r>
-              <a:rPr lang="ko-KR" altLang="en-US" dirty="0"/>
               <a:t>모임 관리</a:t>
-            </a:r>
-          </a:p>
-        </p:txBody>
-      </p:sp>
-      <p:sp>
-        <p:nvSpPr>
-          <p:cNvPr id="8" name="사각형: 둥근 모서리 7">
-            <a:extLst>
-              <a:ext uri="{FF2B5EF4-FFF2-40B4-BE49-F238E27FC236}">
-                <a16:creationId xmlns:a16="http://schemas.microsoft.com/office/drawing/2014/main" id="{E6BC271B-9D10-C7E2-C6C8-D28B552A7185}"/>
-              </a:ext>
-            </a:extLst>
-          </p:cNvPr>
-          <p:cNvSpPr/>
-          <p:nvPr/>
-        </p:nvSpPr>
-        <p:spPr>
-          <a:xfrm>
-            <a:off x="7353661" y="1488331"/>
-            <a:ext cx="1459149" cy="1309187"/>
-          </a:xfrm>
-          <a:prstGeom prst="roundRect">
-            <a:avLst/>
-          </a:prstGeom>
-        </p:spPr>
-        <p:style>
-          <a:lnRef idx="2">
-            <a:schemeClr val="accent1">
-              <a:shade val="15000"/>
-            </a:schemeClr>
-          </a:lnRef>
-          <a:fillRef idx="1">
-            <a:schemeClr val="accent1"/>
-          </a:fillRef>
-          <a:effectRef idx="0">
-            <a:schemeClr val="accent1"/>
-          </a:effectRef>
-          <a:fontRef idx="minor">
-            <a:schemeClr val="lt1"/>
-          </a:fontRef>
-        </p:style>
-        <p:txBody>
-          <a:bodyPr rtlCol="0" anchor="ctr"/>
-          <a:lstStyle/>
-          <a:p>
-            <a:pPr algn="ctr"/>
-            <a:r>
-              <a:rPr lang="ko-KR" altLang="en-US" dirty="0"/>
-              <a:t>권한관리</a:t>
             </a:r>
           </a:p>
         </p:txBody>
@@ -4627,7 +5854,7 @@
         </p:nvSpPr>
         <p:spPr>
           <a:xfrm>
-            <a:off x="184559" y="366119"/>
+            <a:off x="230166" y="297419"/>
             <a:ext cx="6094378" cy="369332"/>
           </a:xfrm>
           <a:prstGeom prst="rect">
@@ -4695,7 +5922,11 @@
           <a:lstStyle/>
           <a:p>
             <a:pPr algn="ctr"/>
-            <a:endParaRPr lang="ko-KR" altLang="en-US"/>
+            <a:r>
+              <a:rPr lang="en-US" altLang="ko-KR" dirty="0"/>
+              <a:t> </a:t>
+            </a:r>
+            <a:endParaRPr lang="ko-KR" altLang="en-US" dirty="0"/>
           </a:p>
         </p:txBody>
       </p:sp>
@@ -5302,7 +6533,7 @@
                     <a:lstStyle/>
                     <a:p>
                       <a:pPr latinLnBrk="1"/>
-                      <a:endParaRPr lang="ko-KR" altLang="en-US"/>
+                      <a:endParaRPr lang="ko-KR" altLang="en-US" dirty="0"/>
                     </a:p>
                   </a:txBody>
                   <a:tcPr>
@@ -5357,6 +6588,104 @@
           </a:graphicData>
         </a:graphic>
       </p:graphicFrame>
+      <p:sp>
+        <p:nvSpPr>
+          <p:cNvPr id="9" name="사각형: 둥근 모서리 8">
+            <a:extLst>
+              <a:ext uri="{FF2B5EF4-FFF2-40B4-BE49-F238E27FC236}">
+                <a16:creationId xmlns:a16="http://schemas.microsoft.com/office/drawing/2014/main" id="{74672C9A-57FF-5B5A-30E1-7AD83D5D723A}"/>
+              </a:ext>
+            </a:extLst>
+          </p:cNvPr>
+          <p:cNvSpPr/>
+          <p:nvPr/>
+        </p:nvSpPr>
+        <p:spPr>
+          <a:xfrm>
+            <a:off x="4714074" y="1475378"/>
+            <a:ext cx="1793152" cy="1309188"/>
+          </a:xfrm>
+          <a:prstGeom prst="roundRect">
+            <a:avLst/>
+          </a:prstGeom>
+        </p:spPr>
+        <p:style>
+          <a:lnRef idx="2">
+            <a:schemeClr val="accent1">
+              <a:shade val="15000"/>
+            </a:schemeClr>
+          </a:lnRef>
+          <a:fillRef idx="1">
+            <a:schemeClr val="accent1"/>
+          </a:fillRef>
+          <a:effectRef idx="0">
+            <a:schemeClr val="accent1"/>
+          </a:effectRef>
+          <a:fontRef idx="minor">
+            <a:schemeClr val="lt1"/>
+          </a:fontRef>
+        </p:style>
+        <p:txBody>
+          <a:bodyPr rtlCol="0" anchor="ctr"/>
+          <a:lstStyle/>
+          <a:p>
+            <a:pPr algn="ctr"/>
+            <a:r>
+              <a:rPr lang="ko-KR" altLang="en-US" dirty="0"/>
+              <a:t>피드 관리</a:t>
+            </a:r>
+          </a:p>
+        </p:txBody>
+      </p:sp>
+      <p:sp>
+        <p:nvSpPr>
+          <p:cNvPr id="11" name="사각형: 둥근 모서리 10">
+            <a:extLst>
+              <a:ext uri="{FF2B5EF4-FFF2-40B4-BE49-F238E27FC236}">
+                <a16:creationId xmlns:a16="http://schemas.microsoft.com/office/drawing/2014/main" id="{FAFDB168-8D04-C7EB-AEA7-4FBE01F79EC6}"/>
+              </a:ext>
+            </a:extLst>
+          </p:cNvPr>
+          <p:cNvSpPr/>
+          <p:nvPr/>
+        </p:nvSpPr>
+        <p:spPr>
+          <a:xfrm>
+            <a:off x="2452468" y="1475378"/>
+            <a:ext cx="1793152" cy="1309188"/>
+          </a:xfrm>
+          <a:prstGeom prst="roundRect">
+            <a:avLst/>
+          </a:prstGeom>
+        </p:spPr>
+        <p:style>
+          <a:lnRef idx="2">
+            <a:schemeClr val="accent1">
+              <a:shade val="15000"/>
+            </a:schemeClr>
+          </a:lnRef>
+          <a:fillRef idx="1">
+            <a:schemeClr val="accent1"/>
+          </a:fillRef>
+          <a:effectRef idx="0">
+            <a:schemeClr val="accent1"/>
+          </a:effectRef>
+          <a:fontRef idx="minor">
+            <a:schemeClr val="lt1"/>
+          </a:fontRef>
+        </p:style>
+        <p:txBody>
+          <a:bodyPr rtlCol="0" anchor="ctr"/>
+          <a:lstStyle/>
+          <a:p>
+            <a:pPr algn="ctr"/>
+            <a:r>
+              <a:rPr lang="ko-KR" altLang="en-US" dirty="0"/>
+              <a:t>사용자 관리</a:t>
+            </a:r>
+          </a:p>
+        </p:txBody>
+      </p:sp>
     </p:spTree>
     <p:extLst>
       <p:ext uri="{BB962C8B-B14F-4D97-AF65-F5344CB8AC3E}">
@@ -5526,6 +6855,796 @@
           </a:p>
         </p:txBody>
       </p:sp>
+      <p:graphicFrame>
+        <p:nvGraphicFramePr>
+          <p:cNvPr id="3" name="표 2">
+            <a:extLst>
+              <a:ext uri="{FF2B5EF4-FFF2-40B4-BE49-F238E27FC236}">
+                <a16:creationId xmlns:a16="http://schemas.microsoft.com/office/drawing/2014/main" id="{2984CA65-F5EF-A222-E190-273B5BB53EF1}"/>
+              </a:ext>
+            </a:extLst>
+          </p:cNvPr>
+          <p:cNvGraphicFramePr>
+            <a:graphicFrameLocks noGrp="1"/>
+          </p:cNvGraphicFramePr>
+          <p:nvPr>
+            <p:extLst>
+              <p:ext uri="{D42A27DB-BD31-4B8C-83A1-F6EECF244321}">
+                <p14:modId xmlns:p14="http://schemas.microsoft.com/office/powerpoint/2010/main" val="1060331611"/>
+              </p:ext>
+            </p:extLst>
+          </p:nvPr>
+        </p:nvGraphicFramePr>
+        <p:xfrm>
+          <a:off x="2266951" y="2864494"/>
+          <a:ext cx="5972377" cy="2277312"/>
+        </p:xfrm>
+        <a:graphic>
+          <a:graphicData uri="http://schemas.openxmlformats.org/drawingml/2006/table">
+            <a:tbl>
+              <a:tblPr firstRow="1" bandRow="1">
+                <a:tableStyleId>{5C22544A-7EE6-4342-B048-85BDC9FD1C3A}</a:tableStyleId>
+              </a:tblPr>
+              <a:tblGrid>
+                <a:gridCol w="1061694">
+                  <a:extLst>
+                    <a:ext uri="{9D8B030D-6E8A-4147-A177-3AD203B41FA5}">
+                      <a16:colId xmlns:a16="http://schemas.microsoft.com/office/drawing/2014/main" val="3458199729"/>
+                    </a:ext>
+                  </a:extLst>
+                </a:gridCol>
+                <a:gridCol w="924750">
+                  <a:extLst>
+                    <a:ext uri="{9D8B030D-6E8A-4147-A177-3AD203B41FA5}">
+                      <a16:colId xmlns:a16="http://schemas.microsoft.com/office/drawing/2014/main" val="1255691649"/>
+                    </a:ext>
+                  </a:extLst>
+                </a:gridCol>
+                <a:gridCol w="1396180">
+                  <a:extLst>
+                    <a:ext uri="{9D8B030D-6E8A-4147-A177-3AD203B41FA5}">
+                      <a16:colId xmlns:a16="http://schemas.microsoft.com/office/drawing/2014/main" val="3181022075"/>
+                    </a:ext>
+                  </a:extLst>
+                </a:gridCol>
+                <a:gridCol w="1081548">
+                  <a:extLst>
+                    <a:ext uri="{9D8B030D-6E8A-4147-A177-3AD203B41FA5}">
+                      <a16:colId xmlns:a16="http://schemas.microsoft.com/office/drawing/2014/main" val="960724525"/>
+                    </a:ext>
+                  </a:extLst>
+                </a:gridCol>
+                <a:gridCol w="1099643">
+                  <a:extLst>
+                    <a:ext uri="{9D8B030D-6E8A-4147-A177-3AD203B41FA5}">
+                      <a16:colId xmlns:a16="http://schemas.microsoft.com/office/drawing/2014/main" val="1950397931"/>
+                    </a:ext>
+                  </a:extLst>
+                </a:gridCol>
+                <a:gridCol w="408562">
+                  <a:extLst>
+                    <a:ext uri="{9D8B030D-6E8A-4147-A177-3AD203B41FA5}">
+                      <a16:colId xmlns:a16="http://schemas.microsoft.com/office/drawing/2014/main" val="2779364170"/>
+                    </a:ext>
+                  </a:extLst>
+                </a:gridCol>
+              </a:tblGrid>
+              <a:tr h="455028">
+                <a:tc>
+                  <a:txBody>
+                    <a:bodyPr/>
+                    <a:lstStyle/>
+                    <a:p>
+                      <a:pPr latinLnBrk="1"/>
+                      <a:r>
+                        <a:rPr lang="ko-KR" altLang="en-US" sz="1200" dirty="0"/>
+                        <a:t>시용자  </a:t>
+                      </a:r>
+                      <a:r>
+                        <a:rPr lang="en-US" altLang="ko-KR" sz="1200" dirty="0"/>
+                        <a:t>ID </a:t>
+                      </a:r>
+                      <a:endParaRPr lang="ko-KR" altLang="en-US" sz="1200" dirty="0"/>
+                    </a:p>
+                  </a:txBody>
+                  <a:tcPr>
+                    <a:solidFill>
+                      <a:schemeClr val="bg1">
+                        <a:lumMod val="85000"/>
+                      </a:schemeClr>
+                    </a:solidFill>
+                  </a:tcPr>
+                </a:tc>
+                <a:tc>
+                  <a:txBody>
+                    <a:bodyPr/>
+                    <a:lstStyle/>
+                    <a:p>
+                      <a:pPr latinLnBrk="1"/>
+                      <a:r>
+                        <a:rPr lang="ko-KR" altLang="en-US" sz="1200" dirty="0"/>
+                        <a:t>사용자명</a:t>
+                      </a:r>
+                    </a:p>
+                  </a:txBody>
+                  <a:tcPr>
+                    <a:solidFill>
+                      <a:schemeClr val="bg1">
+                        <a:lumMod val="85000"/>
+                      </a:schemeClr>
+                    </a:solidFill>
+                  </a:tcPr>
+                </a:tc>
+                <a:tc>
+                  <a:txBody>
+                    <a:bodyPr/>
+                    <a:lstStyle/>
+                    <a:p>
+                      <a:pPr latinLnBrk="1"/>
+                      <a:r>
+                        <a:rPr lang="ko-KR" altLang="en-US" sz="1200" dirty="0"/>
+                        <a:t>사용자 신고 건수</a:t>
+                      </a:r>
+                    </a:p>
+                  </a:txBody>
+                  <a:tcPr>
+                    <a:solidFill>
+                      <a:schemeClr val="bg1">
+                        <a:lumMod val="85000"/>
+                      </a:schemeClr>
+                    </a:solidFill>
+                  </a:tcPr>
+                </a:tc>
+                <a:tc>
+                  <a:txBody>
+                    <a:bodyPr/>
+                    <a:lstStyle/>
+                    <a:p>
+                      <a:pPr latinLnBrk="1"/>
+                      <a:r>
+                        <a:rPr lang="ko-KR" altLang="en-US" sz="1200" dirty="0"/>
+                        <a:t>사용자 정지여부 </a:t>
+                      </a:r>
+                    </a:p>
+                  </a:txBody>
+                  <a:tcPr>
+                    <a:solidFill>
+                      <a:schemeClr val="bg1">
+                        <a:lumMod val="85000"/>
+                      </a:schemeClr>
+                    </a:solidFill>
+                  </a:tcPr>
+                </a:tc>
+                <a:tc>
+                  <a:txBody>
+                    <a:bodyPr/>
+                    <a:lstStyle/>
+                    <a:p>
+                      <a:pPr latinLnBrk="1"/>
+                      <a:r>
+                        <a:rPr lang="ko-KR" altLang="en-US" sz="1200" dirty="0"/>
+                        <a:t>사용자 삭제 </a:t>
+                      </a:r>
+                    </a:p>
+                  </a:txBody>
+                  <a:tcPr>
+                    <a:solidFill>
+                      <a:schemeClr val="bg1">
+                        <a:lumMod val="85000"/>
+                      </a:schemeClr>
+                    </a:solidFill>
+                  </a:tcPr>
+                </a:tc>
+                <a:tc>
+                  <a:txBody>
+                    <a:bodyPr/>
+                    <a:lstStyle/>
+                    <a:p>
+                      <a:pPr latinLnBrk="1"/>
+                      <a:endParaRPr lang="ko-KR" altLang="en-US" sz="1200" dirty="0"/>
+                    </a:p>
+                  </a:txBody>
+                  <a:tcPr>
+                    <a:solidFill>
+                      <a:schemeClr val="bg1">
+                        <a:lumMod val="85000"/>
+                      </a:schemeClr>
+                    </a:solidFill>
+                  </a:tcPr>
+                </a:tc>
+                <a:extLst>
+                  <a:ext uri="{0D108BD9-81ED-4DB2-BD59-A6C34878D82A}">
+                    <a16:rowId xmlns:a16="http://schemas.microsoft.com/office/drawing/2014/main" val="2638491739"/>
+                  </a:ext>
+                </a:extLst>
+              </a:tr>
+              <a:tr h="455028">
+                <a:tc>
+                  <a:txBody>
+                    <a:bodyPr/>
+                    <a:lstStyle/>
+                    <a:p>
+                      <a:pPr latinLnBrk="1"/>
+                      <a:endParaRPr lang="ko-KR" altLang="en-US" sz="1200" dirty="0"/>
+                    </a:p>
+                  </a:txBody>
+                  <a:tcPr>
+                    <a:solidFill>
+                      <a:schemeClr val="bg1">
+                        <a:lumMod val="85000"/>
+                      </a:schemeClr>
+                    </a:solidFill>
+                  </a:tcPr>
+                </a:tc>
+                <a:tc>
+                  <a:txBody>
+                    <a:bodyPr/>
+                    <a:lstStyle/>
+                    <a:p>
+                      <a:pPr latinLnBrk="1"/>
+                      <a:endParaRPr lang="ko-KR" altLang="en-US" sz="1200" dirty="0"/>
+                    </a:p>
+                  </a:txBody>
+                  <a:tcPr>
+                    <a:solidFill>
+                      <a:schemeClr val="bg1">
+                        <a:lumMod val="85000"/>
+                      </a:schemeClr>
+                    </a:solidFill>
+                  </a:tcPr>
+                </a:tc>
+                <a:tc>
+                  <a:txBody>
+                    <a:bodyPr/>
+                    <a:lstStyle/>
+                    <a:p>
+                      <a:pPr latinLnBrk="1"/>
+                      <a:endParaRPr lang="ko-KR" altLang="en-US" sz="1200" dirty="0"/>
+                    </a:p>
+                  </a:txBody>
+                  <a:tcPr>
+                    <a:solidFill>
+                      <a:schemeClr val="bg1">
+                        <a:lumMod val="85000"/>
+                      </a:schemeClr>
+                    </a:solidFill>
+                  </a:tcPr>
+                </a:tc>
+                <a:tc>
+                  <a:txBody>
+                    <a:bodyPr/>
+                    <a:lstStyle/>
+                    <a:p>
+                      <a:pPr latinLnBrk="1"/>
+                      <a:endParaRPr lang="ko-KR" altLang="en-US" sz="1200" dirty="0"/>
+                    </a:p>
+                  </a:txBody>
+                  <a:tcPr>
+                    <a:solidFill>
+                      <a:schemeClr val="bg1">
+                        <a:lumMod val="85000"/>
+                      </a:schemeClr>
+                    </a:solidFill>
+                  </a:tcPr>
+                </a:tc>
+                <a:tc>
+                  <a:txBody>
+                    <a:bodyPr/>
+                    <a:lstStyle/>
+                    <a:p>
+                      <a:pPr latinLnBrk="1"/>
+                      <a:endParaRPr lang="ko-KR" altLang="en-US" sz="1200" dirty="0"/>
+                    </a:p>
+                  </a:txBody>
+                  <a:tcPr>
+                    <a:solidFill>
+                      <a:schemeClr val="bg1">
+                        <a:lumMod val="85000"/>
+                      </a:schemeClr>
+                    </a:solidFill>
+                  </a:tcPr>
+                </a:tc>
+                <a:tc>
+                  <a:txBody>
+                    <a:bodyPr/>
+                    <a:lstStyle/>
+                    <a:p>
+                      <a:pPr latinLnBrk="1"/>
+                      <a:endParaRPr lang="ko-KR" altLang="en-US" sz="1200" dirty="0"/>
+                    </a:p>
+                  </a:txBody>
+                  <a:tcPr>
+                    <a:solidFill>
+                      <a:schemeClr val="bg1">
+                        <a:lumMod val="85000"/>
+                      </a:schemeClr>
+                    </a:solidFill>
+                  </a:tcPr>
+                </a:tc>
+                <a:extLst>
+                  <a:ext uri="{0D108BD9-81ED-4DB2-BD59-A6C34878D82A}">
+                    <a16:rowId xmlns:a16="http://schemas.microsoft.com/office/drawing/2014/main" val="926575560"/>
+                  </a:ext>
+                </a:extLst>
+              </a:tr>
+              <a:tr h="455028">
+                <a:tc>
+                  <a:txBody>
+                    <a:bodyPr/>
+                    <a:lstStyle/>
+                    <a:p>
+                      <a:pPr latinLnBrk="1"/>
+                      <a:endParaRPr lang="ko-KR" altLang="en-US" sz="1200" dirty="0"/>
+                    </a:p>
+                  </a:txBody>
+                  <a:tcPr>
+                    <a:solidFill>
+                      <a:schemeClr val="bg1">
+                        <a:lumMod val="85000"/>
+                      </a:schemeClr>
+                    </a:solidFill>
+                  </a:tcPr>
+                </a:tc>
+                <a:tc>
+                  <a:txBody>
+                    <a:bodyPr/>
+                    <a:lstStyle/>
+                    <a:p>
+                      <a:pPr latinLnBrk="1"/>
+                      <a:endParaRPr lang="ko-KR" altLang="en-US" sz="1200" dirty="0"/>
+                    </a:p>
+                  </a:txBody>
+                  <a:tcPr>
+                    <a:solidFill>
+                      <a:schemeClr val="bg1">
+                        <a:lumMod val="85000"/>
+                      </a:schemeClr>
+                    </a:solidFill>
+                  </a:tcPr>
+                </a:tc>
+                <a:tc>
+                  <a:txBody>
+                    <a:bodyPr/>
+                    <a:lstStyle/>
+                    <a:p>
+                      <a:pPr latinLnBrk="1"/>
+                      <a:endParaRPr lang="ko-KR" altLang="en-US" sz="1200" dirty="0"/>
+                    </a:p>
+                  </a:txBody>
+                  <a:tcPr>
+                    <a:solidFill>
+                      <a:schemeClr val="bg1">
+                        <a:lumMod val="85000"/>
+                      </a:schemeClr>
+                    </a:solidFill>
+                  </a:tcPr>
+                </a:tc>
+                <a:tc>
+                  <a:txBody>
+                    <a:bodyPr/>
+                    <a:lstStyle/>
+                    <a:p>
+                      <a:pPr latinLnBrk="1"/>
+                      <a:endParaRPr lang="ko-KR" altLang="en-US" sz="1200" dirty="0"/>
+                    </a:p>
+                  </a:txBody>
+                  <a:tcPr>
+                    <a:solidFill>
+                      <a:schemeClr val="bg1">
+                        <a:lumMod val="85000"/>
+                      </a:schemeClr>
+                    </a:solidFill>
+                  </a:tcPr>
+                </a:tc>
+                <a:tc>
+                  <a:txBody>
+                    <a:bodyPr/>
+                    <a:lstStyle/>
+                    <a:p>
+                      <a:pPr latinLnBrk="1"/>
+                      <a:endParaRPr lang="ko-KR" altLang="en-US" sz="1200" dirty="0"/>
+                    </a:p>
+                  </a:txBody>
+                  <a:tcPr>
+                    <a:solidFill>
+                      <a:schemeClr val="bg1">
+                        <a:lumMod val="85000"/>
+                      </a:schemeClr>
+                    </a:solidFill>
+                  </a:tcPr>
+                </a:tc>
+                <a:tc>
+                  <a:txBody>
+                    <a:bodyPr/>
+                    <a:lstStyle/>
+                    <a:p>
+                      <a:pPr latinLnBrk="1"/>
+                      <a:endParaRPr lang="ko-KR" altLang="en-US" sz="1200" dirty="0"/>
+                    </a:p>
+                  </a:txBody>
+                  <a:tcPr>
+                    <a:solidFill>
+                      <a:schemeClr val="bg1">
+                        <a:lumMod val="85000"/>
+                      </a:schemeClr>
+                    </a:solidFill>
+                  </a:tcPr>
+                </a:tc>
+                <a:extLst>
+                  <a:ext uri="{0D108BD9-81ED-4DB2-BD59-A6C34878D82A}">
+                    <a16:rowId xmlns:a16="http://schemas.microsoft.com/office/drawing/2014/main" val="4206090399"/>
+                  </a:ext>
+                </a:extLst>
+              </a:tr>
+              <a:tr h="455028">
+                <a:tc>
+                  <a:txBody>
+                    <a:bodyPr/>
+                    <a:lstStyle/>
+                    <a:p>
+                      <a:pPr latinLnBrk="1"/>
+                      <a:endParaRPr lang="ko-KR" altLang="en-US" sz="1200" dirty="0"/>
+                    </a:p>
+                  </a:txBody>
+                  <a:tcPr>
+                    <a:solidFill>
+                      <a:schemeClr val="bg1">
+                        <a:lumMod val="85000"/>
+                      </a:schemeClr>
+                    </a:solidFill>
+                  </a:tcPr>
+                </a:tc>
+                <a:tc>
+                  <a:txBody>
+                    <a:bodyPr/>
+                    <a:lstStyle/>
+                    <a:p>
+                      <a:pPr latinLnBrk="1"/>
+                      <a:endParaRPr lang="ko-KR" altLang="en-US" sz="1200" dirty="0"/>
+                    </a:p>
+                  </a:txBody>
+                  <a:tcPr>
+                    <a:solidFill>
+                      <a:schemeClr val="bg1">
+                        <a:lumMod val="85000"/>
+                      </a:schemeClr>
+                    </a:solidFill>
+                  </a:tcPr>
+                </a:tc>
+                <a:tc>
+                  <a:txBody>
+                    <a:bodyPr/>
+                    <a:lstStyle/>
+                    <a:p>
+                      <a:pPr latinLnBrk="1"/>
+                      <a:endParaRPr lang="ko-KR" altLang="en-US" sz="1200" dirty="0"/>
+                    </a:p>
+                  </a:txBody>
+                  <a:tcPr>
+                    <a:solidFill>
+                      <a:schemeClr val="bg1">
+                        <a:lumMod val="85000"/>
+                      </a:schemeClr>
+                    </a:solidFill>
+                  </a:tcPr>
+                </a:tc>
+                <a:tc>
+                  <a:txBody>
+                    <a:bodyPr/>
+                    <a:lstStyle/>
+                    <a:p>
+                      <a:pPr latinLnBrk="1"/>
+                      <a:endParaRPr lang="ko-KR" altLang="en-US" sz="1200" dirty="0"/>
+                    </a:p>
+                  </a:txBody>
+                  <a:tcPr>
+                    <a:solidFill>
+                      <a:schemeClr val="bg1">
+                        <a:lumMod val="85000"/>
+                      </a:schemeClr>
+                    </a:solidFill>
+                  </a:tcPr>
+                </a:tc>
+                <a:tc>
+                  <a:txBody>
+                    <a:bodyPr/>
+                    <a:lstStyle/>
+                    <a:p>
+                      <a:pPr latinLnBrk="1"/>
+                      <a:endParaRPr lang="ko-KR" altLang="en-US" sz="1200" dirty="0"/>
+                    </a:p>
+                  </a:txBody>
+                  <a:tcPr>
+                    <a:solidFill>
+                      <a:schemeClr val="bg1">
+                        <a:lumMod val="85000"/>
+                      </a:schemeClr>
+                    </a:solidFill>
+                  </a:tcPr>
+                </a:tc>
+                <a:tc>
+                  <a:txBody>
+                    <a:bodyPr/>
+                    <a:lstStyle/>
+                    <a:p>
+                      <a:pPr latinLnBrk="1"/>
+                      <a:endParaRPr lang="ko-KR" altLang="en-US" sz="1200" dirty="0"/>
+                    </a:p>
+                  </a:txBody>
+                  <a:tcPr>
+                    <a:solidFill>
+                      <a:schemeClr val="bg1">
+                        <a:lumMod val="85000"/>
+                      </a:schemeClr>
+                    </a:solidFill>
+                  </a:tcPr>
+                </a:tc>
+                <a:extLst>
+                  <a:ext uri="{0D108BD9-81ED-4DB2-BD59-A6C34878D82A}">
+                    <a16:rowId xmlns:a16="http://schemas.microsoft.com/office/drawing/2014/main" val="2524170042"/>
+                  </a:ext>
+                </a:extLst>
+              </a:tr>
+              <a:tr h="455028">
+                <a:tc>
+                  <a:txBody>
+                    <a:bodyPr/>
+                    <a:lstStyle/>
+                    <a:p>
+                      <a:pPr latinLnBrk="1"/>
+                      <a:endParaRPr lang="ko-KR" altLang="en-US" sz="1200" dirty="0"/>
+                    </a:p>
+                  </a:txBody>
+                  <a:tcPr>
+                    <a:solidFill>
+                      <a:schemeClr val="bg1">
+                        <a:lumMod val="85000"/>
+                      </a:schemeClr>
+                    </a:solidFill>
+                  </a:tcPr>
+                </a:tc>
+                <a:tc>
+                  <a:txBody>
+                    <a:bodyPr/>
+                    <a:lstStyle/>
+                    <a:p>
+                      <a:pPr latinLnBrk="1"/>
+                      <a:endParaRPr lang="ko-KR" altLang="en-US" sz="1200" dirty="0"/>
+                    </a:p>
+                  </a:txBody>
+                  <a:tcPr>
+                    <a:solidFill>
+                      <a:schemeClr val="bg1">
+                        <a:lumMod val="85000"/>
+                      </a:schemeClr>
+                    </a:solidFill>
+                  </a:tcPr>
+                </a:tc>
+                <a:tc>
+                  <a:txBody>
+                    <a:bodyPr/>
+                    <a:lstStyle/>
+                    <a:p>
+                      <a:pPr latinLnBrk="1"/>
+                      <a:endParaRPr lang="ko-KR" altLang="en-US" sz="1200" dirty="0"/>
+                    </a:p>
+                  </a:txBody>
+                  <a:tcPr>
+                    <a:solidFill>
+                      <a:schemeClr val="bg1">
+                        <a:lumMod val="85000"/>
+                      </a:schemeClr>
+                    </a:solidFill>
+                  </a:tcPr>
+                </a:tc>
+                <a:tc>
+                  <a:txBody>
+                    <a:bodyPr/>
+                    <a:lstStyle/>
+                    <a:p>
+                      <a:pPr latinLnBrk="1"/>
+                      <a:endParaRPr lang="ko-KR" altLang="en-US" sz="1200" dirty="0"/>
+                    </a:p>
+                  </a:txBody>
+                  <a:tcPr>
+                    <a:solidFill>
+                      <a:schemeClr val="bg1">
+                        <a:lumMod val="85000"/>
+                      </a:schemeClr>
+                    </a:solidFill>
+                  </a:tcPr>
+                </a:tc>
+                <a:tc>
+                  <a:txBody>
+                    <a:bodyPr/>
+                    <a:lstStyle/>
+                    <a:p>
+                      <a:pPr latinLnBrk="1"/>
+                      <a:endParaRPr lang="ko-KR" altLang="en-US" sz="1200" dirty="0"/>
+                    </a:p>
+                  </a:txBody>
+                  <a:tcPr>
+                    <a:solidFill>
+                      <a:schemeClr val="bg1">
+                        <a:lumMod val="85000"/>
+                      </a:schemeClr>
+                    </a:solidFill>
+                  </a:tcPr>
+                </a:tc>
+                <a:tc>
+                  <a:txBody>
+                    <a:bodyPr/>
+                    <a:lstStyle/>
+                    <a:p>
+                      <a:pPr latinLnBrk="1"/>
+                      <a:endParaRPr lang="ko-KR" altLang="en-US" sz="1200" dirty="0"/>
+                    </a:p>
+                  </a:txBody>
+                  <a:tcPr>
+                    <a:solidFill>
+                      <a:schemeClr val="bg1">
+                        <a:lumMod val="85000"/>
+                      </a:schemeClr>
+                    </a:solidFill>
+                  </a:tcPr>
+                </a:tc>
+                <a:extLst>
+                  <a:ext uri="{0D108BD9-81ED-4DB2-BD59-A6C34878D82A}">
+                    <a16:rowId xmlns:a16="http://schemas.microsoft.com/office/drawing/2014/main" val="355759515"/>
+                  </a:ext>
+                </a:extLst>
+              </a:tr>
+            </a:tbl>
+          </a:graphicData>
+        </a:graphic>
+      </p:graphicFrame>
+      <p:sp>
+        <p:nvSpPr>
+          <p:cNvPr id="13" name="직사각형 12">
+            <a:extLst>
+              <a:ext uri="{FF2B5EF4-FFF2-40B4-BE49-F238E27FC236}">
+                <a16:creationId xmlns:a16="http://schemas.microsoft.com/office/drawing/2014/main" id="{5EE36985-E5D0-1329-337E-2AAC4BC156D8}"/>
+              </a:ext>
+            </a:extLst>
+          </p:cNvPr>
+          <p:cNvSpPr/>
+          <p:nvPr/>
+        </p:nvSpPr>
+        <p:spPr>
+          <a:xfrm>
+            <a:off x="2266951" y="2280736"/>
+            <a:ext cx="1526094" cy="325913"/>
+          </a:xfrm>
+          <a:prstGeom prst="rect">
+            <a:avLst/>
+          </a:prstGeom>
+        </p:spPr>
+        <p:style>
+          <a:lnRef idx="2">
+            <a:schemeClr val="accent1">
+              <a:shade val="15000"/>
+            </a:schemeClr>
+          </a:lnRef>
+          <a:fillRef idx="1">
+            <a:schemeClr val="accent1"/>
+          </a:fillRef>
+          <a:effectRef idx="0">
+            <a:schemeClr val="accent1"/>
+          </a:effectRef>
+          <a:fontRef idx="minor">
+            <a:schemeClr val="lt1"/>
+          </a:fontRef>
+        </p:style>
+        <p:txBody>
+          <a:bodyPr rtlCol="0" anchor="ctr"/>
+          <a:lstStyle/>
+          <a:p>
+            <a:pPr algn="ctr"/>
+            <a:r>
+              <a:rPr lang="ko-KR" altLang="en-US" sz="1200" dirty="0"/>
+              <a:t>사용자 신고건수</a:t>
+            </a:r>
+          </a:p>
+        </p:txBody>
+      </p:sp>
+      <p:sp>
+        <p:nvSpPr>
+          <p:cNvPr id="14" name="직사각형 13">
+            <a:extLst>
+              <a:ext uri="{FF2B5EF4-FFF2-40B4-BE49-F238E27FC236}">
+                <a16:creationId xmlns:a16="http://schemas.microsoft.com/office/drawing/2014/main" id="{17F4A4E4-779F-AA66-DF25-F4DF1D9FB9DD}"/>
+              </a:ext>
+            </a:extLst>
+          </p:cNvPr>
+          <p:cNvSpPr/>
+          <p:nvPr/>
+        </p:nvSpPr>
+        <p:spPr>
+          <a:xfrm>
+            <a:off x="4000576" y="2291292"/>
+            <a:ext cx="1526094" cy="325913"/>
+          </a:xfrm>
+          <a:prstGeom prst="rect">
+            <a:avLst/>
+          </a:prstGeom>
+        </p:spPr>
+        <p:style>
+          <a:lnRef idx="2">
+            <a:schemeClr val="accent1">
+              <a:shade val="15000"/>
+            </a:schemeClr>
+          </a:lnRef>
+          <a:fillRef idx="1">
+            <a:schemeClr val="accent1"/>
+          </a:fillRef>
+          <a:effectRef idx="0">
+            <a:schemeClr val="accent1"/>
+          </a:effectRef>
+          <a:fontRef idx="minor">
+            <a:schemeClr val="lt1"/>
+          </a:fontRef>
+        </p:style>
+        <p:txBody>
+          <a:bodyPr rtlCol="0" anchor="ctr"/>
+          <a:lstStyle/>
+          <a:p>
+            <a:pPr algn="ctr"/>
+            <a:r>
+              <a:rPr lang="ko-KR" altLang="en-US" sz="1200" dirty="0"/>
+              <a:t>사용자 정지여부</a:t>
+            </a:r>
+          </a:p>
+        </p:txBody>
+      </p:sp>
+      <p:sp>
+        <p:nvSpPr>
+          <p:cNvPr id="15" name="직사각형 14">
+            <a:extLst>
+              <a:ext uri="{FF2B5EF4-FFF2-40B4-BE49-F238E27FC236}">
+                <a16:creationId xmlns:a16="http://schemas.microsoft.com/office/drawing/2014/main" id="{8F589C5D-3AA0-7D98-73E4-B2E6E9A03AF8}"/>
+              </a:ext>
+            </a:extLst>
+          </p:cNvPr>
+          <p:cNvSpPr/>
+          <p:nvPr/>
+        </p:nvSpPr>
+        <p:spPr>
+          <a:xfrm>
+            <a:off x="6362776" y="2280735"/>
+            <a:ext cx="857174" cy="325913"/>
+          </a:xfrm>
+          <a:prstGeom prst="rect">
+            <a:avLst/>
+          </a:prstGeom>
+        </p:spPr>
+        <p:style>
+          <a:lnRef idx="2">
+            <a:schemeClr val="accent1">
+              <a:shade val="15000"/>
+            </a:schemeClr>
+          </a:lnRef>
+          <a:fillRef idx="1">
+            <a:schemeClr val="accent1"/>
+          </a:fillRef>
+          <a:effectRef idx="0">
+            <a:schemeClr val="accent1"/>
+          </a:effectRef>
+          <a:fontRef idx="minor">
+            <a:schemeClr val="lt1"/>
+          </a:fontRef>
+        </p:style>
+        <p:txBody>
+          <a:bodyPr rtlCol="0" anchor="ctr"/>
+          <a:lstStyle/>
+          <a:p>
+            <a:pPr algn="ctr"/>
+            <a:r>
+              <a:rPr lang="ko-KR" altLang="en-US" sz="1200" dirty="0"/>
+              <a:t>조회</a:t>
+            </a:r>
+          </a:p>
+        </p:txBody>
+      </p:sp>
     </p:spTree>
     <p:extLst>
       <p:ext uri="{BB962C8B-B14F-4D97-AF65-F5344CB8AC3E}">
@@ -5540,6 +7659,617 @@
 </file>
 
 <file path=ppt/slides/slide5.xml><?xml version="1.0" encoding="utf-8"?>
+<p:sld xmlns:a="http://schemas.openxmlformats.org/drawingml/2006/main" xmlns:r="http://schemas.openxmlformats.org/officeDocument/2006/relationships" xmlns:p="http://schemas.openxmlformats.org/presentationml/2006/main">
+  <p:cSld>
+    <p:spTree>
+      <p:nvGrpSpPr>
+        <p:cNvPr id="1" name="">
+          <a:extLst>
+            <a:ext uri="{FF2B5EF4-FFF2-40B4-BE49-F238E27FC236}">
+              <a16:creationId xmlns:a16="http://schemas.microsoft.com/office/drawing/2014/main" id="{CC191443-8CC9-9670-AAB4-77D0C99D8F5D}"/>
+            </a:ext>
+          </a:extLst>
+        </p:cNvPr>
+        <p:cNvGrpSpPr/>
+        <p:nvPr/>
+      </p:nvGrpSpPr>
+      <p:grpSpPr>
+        <a:xfrm>
+          <a:off x="0" y="0"/>
+          <a:ext cx="0" cy="0"/>
+          <a:chOff x="0" y="0"/>
+          <a:chExt cx="0" cy="0"/>
+        </a:xfrm>
+      </p:grpSpPr>
+      <p:sp>
+        <p:nvSpPr>
+          <p:cNvPr id="5" name="TextBox 4">
+            <a:extLst>
+              <a:ext uri="{FF2B5EF4-FFF2-40B4-BE49-F238E27FC236}">
+                <a16:creationId xmlns:a16="http://schemas.microsoft.com/office/drawing/2014/main" id="{F3011D51-D980-3884-0AB1-CB50E1ACED4F}"/>
+              </a:ext>
+            </a:extLst>
+          </p:cNvPr>
+          <p:cNvSpPr txBox="1"/>
+          <p:nvPr/>
+        </p:nvSpPr>
+        <p:spPr>
+          <a:xfrm>
+            <a:off x="184559" y="366119"/>
+            <a:ext cx="6094378" cy="369332"/>
+          </a:xfrm>
+          <a:prstGeom prst="rect">
+            <a:avLst/>
+          </a:prstGeom>
+          <a:noFill/>
+        </p:spPr>
+        <p:txBody>
+          <a:bodyPr wrap="square">
+            <a:spAutoFit/>
+          </a:bodyPr>
+          <a:lstStyle/>
+          <a:p>
+            <a:r>
+              <a:rPr lang="en-US" altLang="ko-KR" b="1" dirty="0"/>
+              <a:t>3. </a:t>
+            </a:r>
+            <a:r>
+              <a:rPr lang="ko-KR" altLang="en-US" b="1" dirty="0"/>
+              <a:t>사용자 관리 </a:t>
+            </a:r>
+            <a:r>
+              <a:rPr lang="en-US" altLang="ko-KR" b="1" dirty="0"/>
+              <a:t>– </a:t>
+            </a:r>
+            <a:r>
+              <a:rPr lang="ko-KR" altLang="en-US" b="1" dirty="0"/>
+              <a:t>상세 팝업 </a:t>
+            </a:r>
+          </a:p>
+        </p:txBody>
+      </p:sp>
+      <p:sp>
+        <p:nvSpPr>
+          <p:cNvPr id="6" name="직사각형 5">
+            <a:extLst>
+              <a:ext uri="{FF2B5EF4-FFF2-40B4-BE49-F238E27FC236}">
+                <a16:creationId xmlns:a16="http://schemas.microsoft.com/office/drawing/2014/main" id="{780E7E58-A2D9-2CBF-58E6-5A128EBB1FF5}"/>
+              </a:ext>
+            </a:extLst>
+          </p:cNvPr>
+          <p:cNvSpPr/>
+          <p:nvPr/>
+        </p:nvSpPr>
+        <p:spPr>
+          <a:xfrm>
+            <a:off x="184559" y="756587"/>
+            <a:ext cx="5016500" cy="4610100"/>
+          </a:xfrm>
+          <a:prstGeom prst="rect">
+            <a:avLst/>
+          </a:prstGeom>
+        </p:spPr>
+        <p:style>
+          <a:lnRef idx="2">
+            <a:schemeClr val="accent1">
+              <a:shade val="15000"/>
+            </a:schemeClr>
+          </a:lnRef>
+          <a:fillRef idx="1">
+            <a:schemeClr val="accent1"/>
+          </a:fillRef>
+          <a:effectRef idx="0">
+            <a:schemeClr val="accent1"/>
+          </a:effectRef>
+          <a:fontRef idx="minor">
+            <a:schemeClr val="lt1"/>
+          </a:fontRef>
+        </p:style>
+        <p:txBody>
+          <a:bodyPr rtlCol="0" anchor="ctr"/>
+          <a:lstStyle/>
+          <a:p>
+            <a:endParaRPr lang="en-US" altLang="ko-KR" dirty="0"/>
+          </a:p>
+          <a:p>
+            <a:r>
+              <a:rPr lang="ko-KR" altLang="en-US" dirty="0"/>
+              <a:t>사용자 </a:t>
+            </a:r>
+            <a:r>
+              <a:rPr lang="en-US" altLang="ko-KR" dirty="0"/>
+              <a:t>ID 		</a:t>
+            </a:r>
+          </a:p>
+          <a:p>
+            <a:r>
+              <a:rPr lang="ko-KR" altLang="en-US" dirty="0"/>
+              <a:t>사용자 이름</a:t>
+            </a:r>
+            <a:endParaRPr lang="en-US" altLang="ko-KR" dirty="0"/>
+          </a:p>
+          <a:p>
+            <a:r>
+              <a:rPr lang="ko-KR" altLang="en-US" dirty="0"/>
+              <a:t>사용자 정지  </a:t>
+            </a:r>
+            <a:endParaRPr lang="en-US" altLang="ko-KR" dirty="0"/>
+          </a:p>
+          <a:p>
+            <a:r>
+              <a:rPr lang="ko-KR" altLang="en-US" dirty="0"/>
+              <a:t>사용자 신고 내역 </a:t>
+            </a:r>
+            <a:endParaRPr lang="en-US" altLang="ko-KR" dirty="0"/>
+          </a:p>
+          <a:p>
+            <a:endParaRPr lang="en-US" altLang="ko-KR" dirty="0"/>
+          </a:p>
+          <a:p>
+            <a:endParaRPr lang="en-US" altLang="ko-KR" dirty="0"/>
+          </a:p>
+          <a:p>
+            <a:endParaRPr lang="en-US" altLang="ko-KR" dirty="0"/>
+          </a:p>
+          <a:p>
+            <a:endParaRPr lang="en-US" altLang="ko-KR" dirty="0"/>
+          </a:p>
+          <a:p>
+            <a:endParaRPr lang="en-US" altLang="ko-KR" dirty="0"/>
+          </a:p>
+          <a:p>
+            <a:endParaRPr lang="en-US" altLang="ko-KR" dirty="0"/>
+          </a:p>
+          <a:p>
+            <a:endParaRPr lang="en-US" altLang="ko-KR" dirty="0"/>
+          </a:p>
+          <a:p>
+            <a:endParaRPr lang="en-US" altLang="ko-KR" dirty="0"/>
+          </a:p>
+          <a:p>
+            <a:endParaRPr lang="en-US" altLang="ko-KR" dirty="0"/>
+          </a:p>
+          <a:p>
+            <a:endParaRPr lang="en-US" altLang="ko-KR" dirty="0"/>
+          </a:p>
+          <a:p>
+            <a:endParaRPr lang="en-US" altLang="ko-KR" dirty="0"/>
+          </a:p>
+          <a:p>
+            <a:endParaRPr lang="en-US" altLang="ko-KR" dirty="0"/>
+          </a:p>
+          <a:p>
+            <a:endParaRPr lang="en-US" altLang="ko-KR" dirty="0"/>
+          </a:p>
+        </p:txBody>
+      </p:sp>
+      <p:sp>
+        <p:nvSpPr>
+          <p:cNvPr id="7" name="직사각형 6">
+            <a:extLst>
+              <a:ext uri="{FF2B5EF4-FFF2-40B4-BE49-F238E27FC236}">
+                <a16:creationId xmlns:a16="http://schemas.microsoft.com/office/drawing/2014/main" id="{52C27D5E-06A6-2FF3-FF83-58C55157499A}"/>
+              </a:ext>
+            </a:extLst>
+          </p:cNvPr>
+          <p:cNvSpPr/>
+          <p:nvPr/>
+        </p:nvSpPr>
+        <p:spPr>
+          <a:xfrm>
+            <a:off x="1352099" y="895020"/>
+            <a:ext cx="1511300" cy="190500"/>
+          </a:xfrm>
+          <a:prstGeom prst="rect">
+            <a:avLst/>
+          </a:prstGeom>
+          <a:solidFill>
+            <a:schemeClr val="bg1"/>
+          </a:solidFill>
+        </p:spPr>
+        <p:style>
+          <a:lnRef idx="2">
+            <a:schemeClr val="accent1">
+              <a:shade val="15000"/>
+            </a:schemeClr>
+          </a:lnRef>
+          <a:fillRef idx="1">
+            <a:schemeClr val="accent1"/>
+          </a:fillRef>
+          <a:effectRef idx="0">
+            <a:schemeClr val="accent1"/>
+          </a:effectRef>
+          <a:fontRef idx="minor">
+            <a:schemeClr val="lt1"/>
+          </a:fontRef>
+        </p:style>
+        <p:txBody>
+          <a:bodyPr rtlCol="0" anchor="ctr"/>
+          <a:lstStyle/>
+          <a:p>
+            <a:pPr algn="ctr"/>
+            <a:endParaRPr lang="ko-KR" altLang="en-US"/>
+          </a:p>
+        </p:txBody>
+      </p:sp>
+      <p:sp>
+        <p:nvSpPr>
+          <p:cNvPr id="8" name="직사각형 7">
+            <a:extLst>
+              <a:ext uri="{FF2B5EF4-FFF2-40B4-BE49-F238E27FC236}">
+                <a16:creationId xmlns:a16="http://schemas.microsoft.com/office/drawing/2014/main" id="{E0CD802B-73EF-36DA-05C3-A1300725260C}"/>
+              </a:ext>
+            </a:extLst>
+          </p:cNvPr>
+          <p:cNvSpPr/>
+          <p:nvPr/>
+        </p:nvSpPr>
+        <p:spPr>
+          <a:xfrm>
+            <a:off x="264124" y="2041235"/>
+            <a:ext cx="4822225" cy="3016539"/>
+          </a:xfrm>
+          <a:prstGeom prst="rect">
+            <a:avLst/>
+          </a:prstGeom>
+          <a:solidFill>
+            <a:schemeClr val="bg1"/>
+          </a:solidFill>
+        </p:spPr>
+        <p:style>
+          <a:lnRef idx="2">
+            <a:schemeClr val="accent1">
+              <a:shade val="15000"/>
+            </a:schemeClr>
+          </a:lnRef>
+          <a:fillRef idx="1">
+            <a:schemeClr val="accent1"/>
+          </a:fillRef>
+          <a:effectRef idx="0">
+            <a:schemeClr val="accent1"/>
+          </a:effectRef>
+          <a:fontRef idx="minor">
+            <a:schemeClr val="lt1"/>
+          </a:fontRef>
+        </p:style>
+        <p:txBody>
+          <a:bodyPr rtlCol="0" anchor="ctr"/>
+          <a:lstStyle/>
+          <a:p>
+            <a:pPr algn="ctr"/>
+            <a:endParaRPr lang="ko-KR" altLang="en-US"/>
+          </a:p>
+        </p:txBody>
+      </p:sp>
+      <p:sp>
+        <p:nvSpPr>
+          <p:cNvPr id="4" name="직사각형 3">
+            <a:extLst>
+              <a:ext uri="{FF2B5EF4-FFF2-40B4-BE49-F238E27FC236}">
+                <a16:creationId xmlns:a16="http://schemas.microsoft.com/office/drawing/2014/main" id="{DE21345D-81B0-6C1D-79ED-50728D06E975}"/>
+              </a:ext>
+            </a:extLst>
+          </p:cNvPr>
+          <p:cNvSpPr/>
+          <p:nvPr/>
+        </p:nvSpPr>
+        <p:spPr>
+          <a:xfrm>
+            <a:off x="9297908" y="179748"/>
+            <a:ext cx="2709533" cy="6011501"/>
+          </a:xfrm>
+          <a:prstGeom prst="rect">
+            <a:avLst/>
+          </a:prstGeom>
+          <a:noFill/>
+        </p:spPr>
+        <p:style>
+          <a:lnRef idx="2">
+            <a:schemeClr val="accent1">
+              <a:shade val="15000"/>
+            </a:schemeClr>
+          </a:lnRef>
+          <a:fillRef idx="1">
+            <a:schemeClr val="accent1"/>
+          </a:fillRef>
+          <a:effectRef idx="0">
+            <a:schemeClr val="accent1"/>
+          </a:effectRef>
+          <a:fontRef idx="minor">
+            <a:schemeClr val="lt1"/>
+          </a:fontRef>
+        </p:style>
+        <p:txBody>
+          <a:bodyPr rtlCol="0" anchor="ctr"/>
+          <a:lstStyle/>
+          <a:p>
+            <a:pPr algn="ctr"/>
+            <a:endParaRPr lang="ko-KR" altLang="en-US"/>
+          </a:p>
+        </p:txBody>
+      </p:sp>
+      <p:sp>
+        <p:nvSpPr>
+          <p:cNvPr id="11" name="직사각형 10">
+            <a:extLst>
+              <a:ext uri="{FF2B5EF4-FFF2-40B4-BE49-F238E27FC236}">
+                <a16:creationId xmlns:a16="http://schemas.microsoft.com/office/drawing/2014/main" id="{A054A411-B1C9-7D55-CCC6-5CCB89D28992}"/>
+              </a:ext>
+            </a:extLst>
+          </p:cNvPr>
+          <p:cNvSpPr/>
+          <p:nvPr/>
+        </p:nvSpPr>
+        <p:spPr>
+          <a:xfrm>
+            <a:off x="1607719" y="1163785"/>
+            <a:ext cx="1511300" cy="190500"/>
+          </a:xfrm>
+          <a:prstGeom prst="rect">
+            <a:avLst/>
+          </a:prstGeom>
+          <a:solidFill>
+            <a:schemeClr val="bg1"/>
+          </a:solidFill>
+        </p:spPr>
+        <p:style>
+          <a:lnRef idx="2">
+            <a:schemeClr val="accent1">
+              <a:shade val="15000"/>
+            </a:schemeClr>
+          </a:lnRef>
+          <a:fillRef idx="1">
+            <a:schemeClr val="accent1"/>
+          </a:fillRef>
+          <a:effectRef idx="0">
+            <a:schemeClr val="accent1"/>
+          </a:effectRef>
+          <a:fontRef idx="minor">
+            <a:schemeClr val="lt1"/>
+          </a:fontRef>
+        </p:style>
+        <p:txBody>
+          <a:bodyPr rtlCol="0" anchor="ctr"/>
+          <a:lstStyle/>
+          <a:p>
+            <a:pPr algn="ctr"/>
+            <a:endParaRPr lang="ko-KR" altLang="en-US"/>
+          </a:p>
+        </p:txBody>
+      </p:sp>
+      <p:sp>
+        <p:nvSpPr>
+          <p:cNvPr id="12" name="직사각형 11">
+            <a:extLst>
+              <a:ext uri="{FF2B5EF4-FFF2-40B4-BE49-F238E27FC236}">
+                <a16:creationId xmlns:a16="http://schemas.microsoft.com/office/drawing/2014/main" id="{3905FF10-5F13-6A79-A568-3B0A08D956FA}"/>
+              </a:ext>
+            </a:extLst>
+          </p:cNvPr>
+          <p:cNvSpPr/>
+          <p:nvPr/>
+        </p:nvSpPr>
+        <p:spPr>
+          <a:xfrm>
+            <a:off x="4113592" y="922563"/>
+            <a:ext cx="857174" cy="325913"/>
+          </a:xfrm>
+          <a:prstGeom prst="rect">
+            <a:avLst/>
+          </a:prstGeom>
+        </p:spPr>
+        <p:style>
+          <a:lnRef idx="2">
+            <a:schemeClr val="accent1">
+              <a:shade val="15000"/>
+            </a:schemeClr>
+          </a:lnRef>
+          <a:fillRef idx="1">
+            <a:schemeClr val="accent1"/>
+          </a:fillRef>
+          <a:effectRef idx="0">
+            <a:schemeClr val="accent1"/>
+          </a:effectRef>
+          <a:fontRef idx="minor">
+            <a:schemeClr val="lt1"/>
+          </a:fontRef>
+        </p:style>
+        <p:txBody>
+          <a:bodyPr rtlCol="0" anchor="ctr"/>
+          <a:lstStyle/>
+          <a:p>
+            <a:pPr algn="ctr"/>
+            <a:r>
+              <a:rPr lang="ko-KR" altLang="en-US" sz="1200" dirty="0"/>
+              <a:t>저장</a:t>
+            </a:r>
+          </a:p>
+        </p:txBody>
+      </p:sp>
+      <p:sp>
+        <p:nvSpPr>
+          <p:cNvPr id="13" name="타원 12">
+            <a:extLst>
+              <a:ext uri="{FF2B5EF4-FFF2-40B4-BE49-F238E27FC236}">
+                <a16:creationId xmlns:a16="http://schemas.microsoft.com/office/drawing/2014/main" id="{B5235919-BB08-8CA2-01C7-EA3912880F47}"/>
+              </a:ext>
+            </a:extLst>
+          </p:cNvPr>
+          <p:cNvSpPr/>
+          <p:nvPr/>
+        </p:nvSpPr>
+        <p:spPr>
+          <a:xfrm>
+            <a:off x="2102112" y="1385925"/>
+            <a:ext cx="261257" cy="242596"/>
+          </a:xfrm>
+          <a:prstGeom prst="ellipse">
+            <a:avLst/>
+          </a:prstGeom>
+          <a:solidFill>
+            <a:schemeClr val="bg1"/>
+          </a:solidFill>
+        </p:spPr>
+        <p:style>
+          <a:lnRef idx="2">
+            <a:schemeClr val="accent1">
+              <a:shade val="15000"/>
+            </a:schemeClr>
+          </a:lnRef>
+          <a:fillRef idx="1">
+            <a:schemeClr val="accent1"/>
+          </a:fillRef>
+          <a:effectRef idx="0">
+            <a:schemeClr val="accent1"/>
+          </a:effectRef>
+          <a:fontRef idx="minor">
+            <a:schemeClr val="lt1"/>
+          </a:fontRef>
+        </p:style>
+        <p:txBody>
+          <a:bodyPr rtlCol="0" anchor="ctr"/>
+          <a:lstStyle/>
+          <a:p>
+            <a:pPr algn="ctr"/>
+            <a:endParaRPr lang="ko-KR" altLang="en-US"/>
+          </a:p>
+        </p:txBody>
+      </p:sp>
+      <p:sp>
+        <p:nvSpPr>
+          <p:cNvPr id="14" name="타원 13">
+            <a:extLst>
+              <a:ext uri="{FF2B5EF4-FFF2-40B4-BE49-F238E27FC236}">
+                <a16:creationId xmlns:a16="http://schemas.microsoft.com/office/drawing/2014/main" id="{852DD70B-ECE8-0373-3039-88A9C7D586A3}"/>
+              </a:ext>
+            </a:extLst>
+          </p:cNvPr>
+          <p:cNvSpPr/>
+          <p:nvPr/>
+        </p:nvSpPr>
+        <p:spPr>
+          <a:xfrm>
+            <a:off x="3030879" y="1376936"/>
+            <a:ext cx="261257" cy="242596"/>
+          </a:xfrm>
+          <a:prstGeom prst="ellipse">
+            <a:avLst/>
+          </a:prstGeom>
+          <a:solidFill>
+            <a:schemeClr val="bg1"/>
+          </a:solidFill>
+        </p:spPr>
+        <p:style>
+          <a:lnRef idx="2">
+            <a:schemeClr val="accent1">
+              <a:shade val="15000"/>
+            </a:schemeClr>
+          </a:lnRef>
+          <a:fillRef idx="1">
+            <a:schemeClr val="accent1"/>
+          </a:fillRef>
+          <a:effectRef idx="0">
+            <a:schemeClr val="accent1"/>
+          </a:effectRef>
+          <a:fontRef idx="minor">
+            <a:schemeClr val="lt1"/>
+          </a:fontRef>
+        </p:style>
+        <p:txBody>
+          <a:bodyPr rtlCol="0" anchor="ctr"/>
+          <a:lstStyle/>
+          <a:p>
+            <a:pPr algn="ctr"/>
+            <a:endParaRPr lang="ko-KR" altLang="en-US"/>
+          </a:p>
+        </p:txBody>
+      </p:sp>
+      <p:sp>
+        <p:nvSpPr>
+          <p:cNvPr id="16" name="TextBox 15">
+            <a:extLst>
+              <a:ext uri="{FF2B5EF4-FFF2-40B4-BE49-F238E27FC236}">
+                <a16:creationId xmlns:a16="http://schemas.microsoft.com/office/drawing/2014/main" id="{660447E2-B3E0-AF32-F9C6-34827D675BCE}"/>
+              </a:ext>
+            </a:extLst>
+          </p:cNvPr>
+          <p:cNvSpPr txBox="1"/>
+          <p:nvPr/>
+        </p:nvSpPr>
+        <p:spPr>
+          <a:xfrm>
+            <a:off x="1679509" y="1398634"/>
+            <a:ext cx="347565" cy="246221"/>
+          </a:xfrm>
+          <a:prstGeom prst="rect">
+            <a:avLst/>
+          </a:prstGeom>
+          <a:noFill/>
+        </p:spPr>
+        <p:txBody>
+          <a:bodyPr wrap="square">
+            <a:spAutoFit/>
+          </a:bodyPr>
+          <a:lstStyle/>
+          <a:p>
+            <a:pPr algn="ctr"/>
+            <a:r>
+              <a:rPr lang="ko-KR" altLang="en-US" sz="1000" dirty="0"/>
+              <a:t>예 </a:t>
+            </a:r>
+          </a:p>
+        </p:txBody>
+      </p:sp>
+      <p:sp>
+        <p:nvSpPr>
+          <p:cNvPr id="18" name="TextBox 17">
+            <a:extLst>
+              <a:ext uri="{FF2B5EF4-FFF2-40B4-BE49-F238E27FC236}">
+                <a16:creationId xmlns:a16="http://schemas.microsoft.com/office/drawing/2014/main" id="{9A4D5EAD-68BA-19D0-AEDF-CBC0B6F4EBAA}"/>
+              </a:ext>
+            </a:extLst>
+          </p:cNvPr>
+          <p:cNvSpPr txBox="1"/>
+          <p:nvPr/>
+        </p:nvSpPr>
+        <p:spPr>
+          <a:xfrm>
+            <a:off x="2360907" y="1370242"/>
+            <a:ext cx="758112" cy="276999"/>
+          </a:xfrm>
+          <a:prstGeom prst="rect">
+            <a:avLst/>
+          </a:prstGeom>
+          <a:noFill/>
+        </p:spPr>
+        <p:txBody>
+          <a:bodyPr wrap="square">
+            <a:spAutoFit/>
+          </a:bodyPr>
+          <a:lstStyle/>
+          <a:p>
+            <a:pPr algn="ctr"/>
+            <a:r>
+              <a:rPr lang="ko-KR" altLang="en-US" sz="1200" dirty="0"/>
+              <a:t>아니오</a:t>
+            </a:r>
+          </a:p>
+        </p:txBody>
+      </p:sp>
+    </p:spTree>
+    <p:extLst>
+      <p:ext uri="{BB962C8B-B14F-4D97-AF65-F5344CB8AC3E}">
+        <p14:creationId xmlns:p14="http://schemas.microsoft.com/office/powerpoint/2010/main" val="1614956550"/>
+      </p:ext>
+    </p:extLst>
+  </p:cSld>
+  <p:clrMapOvr>
+    <a:masterClrMapping/>
+  </p:clrMapOvr>
+</p:sld>
+</file>
+
+<file path=ppt/slides/slide6.xml><?xml version="1.0" encoding="utf-8"?>
 <p:sld xmlns:a="http://schemas.openxmlformats.org/drawingml/2006/main" xmlns:r="http://schemas.openxmlformats.org/officeDocument/2006/relationships" xmlns:p="http://schemas.openxmlformats.org/presentationml/2006/main">
   <p:cSld>
     <p:spTree>
@@ -5656,10 +8386,4116 @@
           </a:p>
         </p:txBody>
       </p:sp>
+      <p:sp>
+        <p:nvSpPr>
+          <p:cNvPr id="2" name="TextBox 1">
+            <a:extLst>
+              <a:ext uri="{FF2B5EF4-FFF2-40B4-BE49-F238E27FC236}">
+                <a16:creationId xmlns:a16="http://schemas.microsoft.com/office/drawing/2014/main" id="{8FC26DB5-1ACA-7BC4-0B63-CF8D661192EE}"/>
+              </a:ext>
+            </a:extLst>
+          </p:cNvPr>
+          <p:cNvSpPr txBox="1"/>
+          <p:nvPr/>
+        </p:nvSpPr>
+        <p:spPr>
+          <a:xfrm>
+            <a:off x="184559" y="366119"/>
+            <a:ext cx="6094378" cy="369332"/>
+          </a:xfrm>
+          <a:prstGeom prst="rect">
+            <a:avLst/>
+          </a:prstGeom>
+          <a:noFill/>
+        </p:spPr>
+        <p:txBody>
+          <a:bodyPr wrap="square">
+            <a:spAutoFit/>
+          </a:bodyPr>
+          <a:lstStyle/>
+          <a:p>
+            <a:r>
+              <a:rPr lang="en-US" altLang="ko-KR" b="1" dirty="0"/>
+              <a:t>4. </a:t>
+            </a:r>
+            <a:r>
+              <a:rPr lang="ko-KR" altLang="en-US" b="1" dirty="0"/>
+              <a:t>피드 관리</a:t>
+            </a:r>
+          </a:p>
+        </p:txBody>
+      </p:sp>
+      <p:graphicFrame>
+        <p:nvGraphicFramePr>
+          <p:cNvPr id="3" name="표 2">
+            <a:extLst>
+              <a:ext uri="{FF2B5EF4-FFF2-40B4-BE49-F238E27FC236}">
+                <a16:creationId xmlns:a16="http://schemas.microsoft.com/office/drawing/2014/main" id="{E82665DE-7B15-EFC0-25CA-D1A386CC189A}"/>
+              </a:ext>
+            </a:extLst>
+          </p:cNvPr>
+          <p:cNvGraphicFramePr>
+            <a:graphicFrameLocks noGrp="1"/>
+          </p:cNvGraphicFramePr>
+          <p:nvPr>
+            <p:extLst>
+              <p:ext uri="{D42A27DB-BD31-4B8C-83A1-F6EECF244321}">
+                <p14:modId xmlns:p14="http://schemas.microsoft.com/office/powerpoint/2010/main" val="1235544674"/>
+              </p:ext>
+            </p:extLst>
+          </p:nvPr>
+        </p:nvGraphicFramePr>
+        <p:xfrm>
+          <a:off x="2091189" y="2807135"/>
+          <a:ext cx="5474409" cy="2275140"/>
+        </p:xfrm>
+        <a:graphic>
+          <a:graphicData uri="http://schemas.openxmlformats.org/drawingml/2006/table">
+            <a:tbl>
+              <a:tblPr firstRow="1" bandRow="1">
+                <a:tableStyleId>{5C22544A-7EE6-4342-B048-85BDC9FD1C3A}</a:tableStyleId>
+              </a:tblPr>
+              <a:tblGrid>
+                <a:gridCol w="1061694">
+                  <a:extLst>
+                    <a:ext uri="{9D8B030D-6E8A-4147-A177-3AD203B41FA5}">
+                      <a16:colId xmlns:a16="http://schemas.microsoft.com/office/drawing/2014/main" val="3458199729"/>
+                    </a:ext>
+                  </a:extLst>
+                </a:gridCol>
+                <a:gridCol w="924750">
+                  <a:extLst>
+                    <a:ext uri="{9D8B030D-6E8A-4147-A177-3AD203B41FA5}">
+                      <a16:colId xmlns:a16="http://schemas.microsoft.com/office/drawing/2014/main" val="1255691649"/>
+                    </a:ext>
+                  </a:extLst>
+                </a:gridCol>
+                <a:gridCol w="1396180">
+                  <a:extLst>
+                    <a:ext uri="{9D8B030D-6E8A-4147-A177-3AD203B41FA5}">
+                      <a16:colId xmlns:a16="http://schemas.microsoft.com/office/drawing/2014/main" val="3181022075"/>
+                    </a:ext>
+                  </a:extLst>
+                </a:gridCol>
+                <a:gridCol w="1264917">
+                  <a:extLst>
+                    <a:ext uri="{9D8B030D-6E8A-4147-A177-3AD203B41FA5}">
+                      <a16:colId xmlns:a16="http://schemas.microsoft.com/office/drawing/2014/main" val="960724525"/>
+                    </a:ext>
+                  </a:extLst>
+                </a:gridCol>
+                <a:gridCol w="826868">
+                  <a:extLst>
+                    <a:ext uri="{9D8B030D-6E8A-4147-A177-3AD203B41FA5}">
+                      <a16:colId xmlns:a16="http://schemas.microsoft.com/office/drawing/2014/main" val="1950397931"/>
+                    </a:ext>
+                  </a:extLst>
+                </a:gridCol>
+              </a:tblGrid>
+              <a:tr h="455028">
+                <a:tc>
+                  <a:txBody>
+                    <a:bodyPr/>
+                    <a:lstStyle/>
+                    <a:p>
+                      <a:pPr latinLnBrk="1"/>
+                      <a:r>
+                        <a:rPr lang="en-US" altLang="ko-KR" sz="1200" dirty="0"/>
+                        <a:t>NUM  </a:t>
+                      </a:r>
+                      <a:endParaRPr lang="ko-KR" altLang="en-US" sz="1200" dirty="0"/>
+                    </a:p>
+                  </a:txBody>
+                  <a:tcPr>
+                    <a:solidFill>
+                      <a:schemeClr val="bg1">
+                        <a:lumMod val="85000"/>
+                      </a:schemeClr>
+                    </a:solidFill>
+                  </a:tcPr>
+                </a:tc>
+                <a:tc>
+                  <a:txBody>
+                    <a:bodyPr/>
+                    <a:lstStyle/>
+                    <a:p>
+                      <a:pPr latinLnBrk="1"/>
+                      <a:r>
+                        <a:rPr lang="ko-KR" altLang="en-US" sz="1200" dirty="0"/>
+                        <a:t>피드 제목</a:t>
+                      </a:r>
+                    </a:p>
+                  </a:txBody>
+                  <a:tcPr>
+                    <a:solidFill>
+                      <a:schemeClr val="bg1">
+                        <a:lumMod val="85000"/>
+                      </a:schemeClr>
+                    </a:solidFill>
+                  </a:tcPr>
+                </a:tc>
+                <a:tc>
+                  <a:txBody>
+                    <a:bodyPr/>
+                    <a:lstStyle/>
+                    <a:p>
+                      <a:pPr latinLnBrk="1"/>
+                      <a:r>
+                        <a:rPr lang="ko-KR" altLang="en-US" sz="1200" dirty="0"/>
+                        <a:t>피드 상세내용</a:t>
+                      </a:r>
+                    </a:p>
+                  </a:txBody>
+                  <a:tcPr>
+                    <a:solidFill>
+                      <a:schemeClr val="bg1">
+                        <a:lumMod val="85000"/>
+                      </a:schemeClr>
+                    </a:solidFill>
+                  </a:tcPr>
+                </a:tc>
+                <a:tc>
+                  <a:txBody>
+                    <a:bodyPr/>
+                    <a:lstStyle/>
+                    <a:p>
+                      <a:pPr latinLnBrk="1"/>
+                      <a:r>
+                        <a:rPr lang="ko-KR" altLang="en-US" sz="1200" dirty="0"/>
+                        <a:t>피드 신고건수</a:t>
+                      </a:r>
+                    </a:p>
+                  </a:txBody>
+                  <a:tcPr>
+                    <a:solidFill>
+                      <a:schemeClr val="bg1">
+                        <a:lumMod val="85000"/>
+                      </a:schemeClr>
+                    </a:solidFill>
+                  </a:tcPr>
+                </a:tc>
+                <a:tc>
+                  <a:txBody>
+                    <a:bodyPr/>
+                    <a:lstStyle/>
+                    <a:p>
+                      <a:pPr latinLnBrk="1"/>
+                      <a:r>
+                        <a:rPr lang="ko-KR" altLang="en-US" sz="1200" dirty="0"/>
+                        <a:t>삭제</a:t>
+                      </a:r>
+                    </a:p>
+                  </a:txBody>
+                  <a:tcPr>
+                    <a:solidFill>
+                      <a:schemeClr val="bg1">
+                        <a:lumMod val="85000"/>
+                      </a:schemeClr>
+                    </a:solidFill>
+                  </a:tcPr>
+                </a:tc>
+                <a:extLst>
+                  <a:ext uri="{0D108BD9-81ED-4DB2-BD59-A6C34878D82A}">
+                    <a16:rowId xmlns:a16="http://schemas.microsoft.com/office/drawing/2014/main" val="2638491739"/>
+                  </a:ext>
+                </a:extLst>
+              </a:tr>
+              <a:tr h="455028">
+                <a:tc>
+                  <a:txBody>
+                    <a:bodyPr/>
+                    <a:lstStyle/>
+                    <a:p>
+                      <a:pPr latinLnBrk="1"/>
+                      <a:endParaRPr lang="ko-KR" altLang="en-US" sz="1200" dirty="0"/>
+                    </a:p>
+                  </a:txBody>
+                  <a:tcPr>
+                    <a:solidFill>
+                      <a:schemeClr val="bg1">
+                        <a:lumMod val="85000"/>
+                      </a:schemeClr>
+                    </a:solidFill>
+                  </a:tcPr>
+                </a:tc>
+                <a:tc>
+                  <a:txBody>
+                    <a:bodyPr/>
+                    <a:lstStyle/>
+                    <a:p>
+                      <a:pPr latinLnBrk="1"/>
+                      <a:endParaRPr lang="ko-KR" altLang="en-US" sz="1200" dirty="0"/>
+                    </a:p>
+                  </a:txBody>
+                  <a:tcPr>
+                    <a:solidFill>
+                      <a:schemeClr val="bg1">
+                        <a:lumMod val="85000"/>
+                      </a:schemeClr>
+                    </a:solidFill>
+                  </a:tcPr>
+                </a:tc>
+                <a:tc>
+                  <a:txBody>
+                    <a:bodyPr/>
+                    <a:lstStyle/>
+                    <a:p>
+                      <a:pPr latinLnBrk="1"/>
+                      <a:endParaRPr lang="ko-KR" altLang="en-US" sz="1200" dirty="0"/>
+                    </a:p>
+                  </a:txBody>
+                  <a:tcPr>
+                    <a:solidFill>
+                      <a:schemeClr val="bg1">
+                        <a:lumMod val="85000"/>
+                      </a:schemeClr>
+                    </a:solidFill>
+                  </a:tcPr>
+                </a:tc>
+                <a:tc>
+                  <a:txBody>
+                    <a:bodyPr/>
+                    <a:lstStyle/>
+                    <a:p>
+                      <a:pPr latinLnBrk="1"/>
+                      <a:endParaRPr lang="ko-KR" altLang="en-US" sz="1200" dirty="0"/>
+                    </a:p>
+                  </a:txBody>
+                  <a:tcPr>
+                    <a:solidFill>
+                      <a:schemeClr val="bg1">
+                        <a:lumMod val="85000"/>
+                      </a:schemeClr>
+                    </a:solidFill>
+                  </a:tcPr>
+                </a:tc>
+                <a:tc>
+                  <a:txBody>
+                    <a:bodyPr/>
+                    <a:lstStyle/>
+                    <a:p>
+                      <a:pPr latinLnBrk="1"/>
+                      <a:endParaRPr lang="ko-KR" altLang="en-US" sz="1200" dirty="0"/>
+                    </a:p>
+                  </a:txBody>
+                  <a:tcPr>
+                    <a:solidFill>
+                      <a:schemeClr val="bg1">
+                        <a:lumMod val="85000"/>
+                      </a:schemeClr>
+                    </a:solidFill>
+                  </a:tcPr>
+                </a:tc>
+                <a:extLst>
+                  <a:ext uri="{0D108BD9-81ED-4DB2-BD59-A6C34878D82A}">
+                    <a16:rowId xmlns:a16="http://schemas.microsoft.com/office/drawing/2014/main" val="926575560"/>
+                  </a:ext>
+                </a:extLst>
+              </a:tr>
+              <a:tr h="455028">
+                <a:tc>
+                  <a:txBody>
+                    <a:bodyPr/>
+                    <a:lstStyle/>
+                    <a:p>
+                      <a:pPr latinLnBrk="1"/>
+                      <a:endParaRPr lang="ko-KR" altLang="en-US" sz="1200" dirty="0"/>
+                    </a:p>
+                  </a:txBody>
+                  <a:tcPr>
+                    <a:solidFill>
+                      <a:schemeClr val="bg1">
+                        <a:lumMod val="85000"/>
+                      </a:schemeClr>
+                    </a:solidFill>
+                  </a:tcPr>
+                </a:tc>
+                <a:tc>
+                  <a:txBody>
+                    <a:bodyPr/>
+                    <a:lstStyle/>
+                    <a:p>
+                      <a:pPr latinLnBrk="1"/>
+                      <a:endParaRPr lang="ko-KR" altLang="en-US" sz="1200" dirty="0"/>
+                    </a:p>
+                  </a:txBody>
+                  <a:tcPr>
+                    <a:solidFill>
+                      <a:schemeClr val="bg1">
+                        <a:lumMod val="85000"/>
+                      </a:schemeClr>
+                    </a:solidFill>
+                  </a:tcPr>
+                </a:tc>
+                <a:tc>
+                  <a:txBody>
+                    <a:bodyPr/>
+                    <a:lstStyle/>
+                    <a:p>
+                      <a:pPr latinLnBrk="1"/>
+                      <a:endParaRPr lang="ko-KR" altLang="en-US" sz="1200" dirty="0"/>
+                    </a:p>
+                  </a:txBody>
+                  <a:tcPr>
+                    <a:solidFill>
+                      <a:schemeClr val="bg1">
+                        <a:lumMod val="85000"/>
+                      </a:schemeClr>
+                    </a:solidFill>
+                  </a:tcPr>
+                </a:tc>
+                <a:tc>
+                  <a:txBody>
+                    <a:bodyPr/>
+                    <a:lstStyle/>
+                    <a:p>
+                      <a:pPr latinLnBrk="1"/>
+                      <a:endParaRPr lang="ko-KR" altLang="en-US" sz="1200" dirty="0"/>
+                    </a:p>
+                  </a:txBody>
+                  <a:tcPr>
+                    <a:solidFill>
+                      <a:schemeClr val="bg1">
+                        <a:lumMod val="85000"/>
+                      </a:schemeClr>
+                    </a:solidFill>
+                  </a:tcPr>
+                </a:tc>
+                <a:tc>
+                  <a:txBody>
+                    <a:bodyPr/>
+                    <a:lstStyle/>
+                    <a:p>
+                      <a:pPr latinLnBrk="1"/>
+                      <a:endParaRPr lang="ko-KR" altLang="en-US" sz="1200" dirty="0"/>
+                    </a:p>
+                  </a:txBody>
+                  <a:tcPr>
+                    <a:solidFill>
+                      <a:schemeClr val="bg1">
+                        <a:lumMod val="85000"/>
+                      </a:schemeClr>
+                    </a:solidFill>
+                  </a:tcPr>
+                </a:tc>
+                <a:extLst>
+                  <a:ext uri="{0D108BD9-81ED-4DB2-BD59-A6C34878D82A}">
+                    <a16:rowId xmlns:a16="http://schemas.microsoft.com/office/drawing/2014/main" val="4206090399"/>
+                  </a:ext>
+                </a:extLst>
+              </a:tr>
+              <a:tr h="455028">
+                <a:tc>
+                  <a:txBody>
+                    <a:bodyPr/>
+                    <a:lstStyle/>
+                    <a:p>
+                      <a:pPr latinLnBrk="1"/>
+                      <a:endParaRPr lang="ko-KR" altLang="en-US" sz="1200" dirty="0"/>
+                    </a:p>
+                  </a:txBody>
+                  <a:tcPr>
+                    <a:solidFill>
+                      <a:schemeClr val="bg1">
+                        <a:lumMod val="85000"/>
+                      </a:schemeClr>
+                    </a:solidFill>
+                  </a:tcPr>
+                </a:tc>
+                <a:tc>
+                  <a:txBody>
+                    <a:bodyPr/>
+                    <a:lstStyle/>
+                    <a:p>
+                      <a:pPr latinLnBrk="1"/>
+                      <a:endParaRPr lang="ko-KR" altLang="en-US" sz="1200" dirty="0"/>
+                    </a:p>
+                  </a:txBody>
+                  <a:tcPr>
+                    <a:solidFill>
+                      <a:schemeClr val="bg1">
+                        <a:lumMod val="85000"/>
+                      </a:schemeClr>
+                    </a:solidFill>
+                  </a:tcPr>
+                </a:tc>
+                <a:tc>
+                  <a:txBody>
+                    <a:bodyPr/>
+                    <a:lstStyle/>
+                    <a:p>
+                      <a:pPr latinLnBrk="1"/>
+                      <a:endParaRPr lang="ko-KR" altLang="en-US" sz="1200" dirty="0"/>
+                    </a:p>
+                  </a:txBody>
+                  <a:tcPr>
+                    <a:solidFill>
+                      <a:schemeClr val="bg1">
+                        <a:lumMod val="85000"/>
+                      </a:schemeClr>
+                    </a:solidFill>
+                  </a:tcPr>
+                </a:tc>
+                <a:tc>
+                  <a:txBody>
+                    <a:bodyPr/>
+                    <a:lstStyle/>
+                    <a:p>
+                      <a:pPr latinLnBrk="1"/>
+                      <a:endParaRPr lang="ko-KR" altLang="en-US" sz="1200" dirty="0"/>
+                    </a:p>
+                  </a:txBody>
+                  <a:tcPr>
+                    <a:solidFill>
+                      <a:schemeClr val="bg1">
+                        <a:lumMod val="85000"/>
+                      </a:schemeClr>
+                    </a:solidFill>
+                  </a:tcPr>
+                </a:tc>
+                <a:tc>
+                  <a:txBody>
+                    <a:bodyPr/>
+                    <a:lstStyle/>
+                    <a:p>
+                      <a:pPr latinLnBrk="1"/>
+                      <a:endParaRPr lang="ko-KR" altLang="en-US" sz="1200" dirty="0"/>
+                    </a:p>
+                  </a:txBody>
+                  <a:tcPr>
+                    <a:solidFill>
+                      <a:schemeClr val="bg1">
+                        <a:lumMod val="85000"/>
+                      </a:schemeClr>
+                    </a:solidFill>
+                  </a:tcPr>
+                </a:tc>
+                <a:extLst>
+                  <a:ext uri="{0D108BD9-81ED-4DB2-BD59-A6C34878D82A}">
+                    <a16:rowId xmlns:a16="http://schemas.microsoft.com/office/drawing/2014/main" val="2524170042"/>
+                  </a:ext>
+                </a:extLst>
+              </a:tr>
+              <a:tr h="455028">
+                <a:tc>
+                  <a:txBody>
+                    <a:bodyPr/>
+                    <a:lstStyle/>
+                    <a:p>
+                      <a:pPr latinLnBrk="1"/>
+                      <a:endParaRPr lang="ko-KR" altLang="en-US" sz="1200" dirty="0"/>
+                    </a:p>
+                  </a:txBody>
+                  <a:tcPr>
+                    <a:solidFill>
+                      <a:schemeClr val="bg1">
+                        <a:lumMod val="85000"/>
+                      </a:schemeClr>
+                    </a:solidFill>
+                  </a:tcPr>
+                </a:tc>
+                <a:tc>
+                  <a:txBody>
+                    <a:bodyPr/>
+                    <a:lstStyle/>
+                    <a:p>
+                      <a:pPr latinLnBrk="1"/>
+                      <a:endParaRPr lang="ko-KR" altLang="en-US" sz="1200" dirty="0"/>
+                    </a:p>
+                  </a:txBody>
+                  <a:tcPr>
+                    <a:solidFill>
+                      <a:schemeClr val="bg1">
+                        <a:lumMod val="85000"/>
+                      </a:schemeClr>
+                    </a:solidFill>
+                  </a:tcPr>
+                </a:tc>
+                <a:tc>
+                  <a:txBody>
+                    <a:bodyPr/>
+                    <a:lstStyle/>
+                    <a:p>
+                      <a:pPr latinLnBrk="1"/>
+                      <a:endParaRPr lang="ko-KR" altLang="en-US" sz="1200" dirty="0"/>
+                    </a:p>
+                  </a:txBody>
+                  <a:tcPr>
+                    <a:solidFill>
+                      <a:schemeClr val="bg1">
+                        <a:lumMod val="85000"/>
+                      </a:schemeClr>
+                    </a:solidFill>
+                  </a:tcPr>
+                </a:tc>
+                <a:tc>
+                  <a:txBody>
+                    <a:bodyPr/>
+                    <a:lstStyle/>
+                    <a:p>
+                      <a:pPr latinLnBrk="1"/>
+                      <a:endParaRPr lang="ko-KR" altLang="en-US" sz="1200" dirty="0"/>
+                    </a:p>
+                  </a:txBody>
+                  <a:tcPr>
+                    <a:solidFill>
+                      <a:schemeClr val="bg1">
+                        <a:lumMod val="85000"/>
+                      </a:schemeClr>
+                    </a:solidFill>
+                  </a:tcPr>
+                </a:tc>
+                <a:tc>
+                  <a:txBody>
+                    <a:bodyPr/>
+                    <a:lstStyle/>
+                    <a:p>
+                      <a:pPr latinLnBrk="1"/>
+                      <a:endParaRPr lang="ko-KR" altLang="en-US" sz="1200" dirty="0"/>
+                    </a:p>
+                  </a:txBody>
+                  <a:tcPr>
+                    <a:solidFill>
+                      <a:schemeClr val="bg1">
+                        <a:lumMod val="85000"/>
+                      </a:schemeClr>
+                    </a:solidFill>
+                  </a:tcPr>
+                </a:tc>
+                <a:extLst>
+                  <a:ext uri="{0D108BD9-81ED-4DB2-BD59-A6C34878D82A}">
+                    <a16:rowId xmlns:a16="http://schemas.microsoft.com/office/drawing/2014/main" val="355759515"/>
+                  </a:ext>
+                </a:extLst>
+              </a:tr>
+            </a:tbl>
+          </a:graphicData>
+        </a:graphic>
+      </p:graphicFrame>
+      <p:sp>
+        <p:nvSpPr>
+          <p:cNvPr id="4" name="직사각형 3">
+            <a:extLst>
+              <a:ext uri="{FF2B5EF4-FFF2-40B4-BE49-F238E27FC236}">
+                <a16:creationId xmlns:a16="http://schemas.microsoft.com/office/drawing/2014/main" id="{B926E61A-4A98-67B7-B1DB-144721C20CDB}"/>
+              </a:ext>
+            </a:extLst>
+          </p:cNvPr>
+          <p:cNvSpPr/>
+          <p:nvPr/>
+        </p:nvSpPr>
+        <p:spPr>
+          <a:xfrm>
+            <a:off x="2266951" y="2280736"/>
+            <a:ext cx="1526094" cy="325913"/>
+          </a:xfrm>
+          <a:prstGeom prst="rect">
+            <a:avLst/>
+          </a:prstGeom>
+        </p:spPr>
+        <p:style>
+          <a:lnRef idx="2">
+            <a:schemeClr val="accent1">
+              <a:shade val="15000"/>
+            </a:schemeClr>
+          </a:lnRef>
+          <a:fillRef idx="1">
+            <a:schemeClr val="accent1"/>
+          </a:fillRef>
+          <a:effectRef idx="0">
+            <a:schemeClr val="accent1"/>
+          </a:effectRef>
+          <a:fontRef idx="minor">
+            <a:schemeClr val="lt1"/>
+          </a:fontRef>
+        </p:style>
+        <p:txBody>
+          <a:bodyPr rtlCol="0" anchor="ctr"/>
+          <a:lstStyle/>
+          <a:p>
+            <a:pPr algn="ctr"/>
+            <a:r>
+              <a:rPr lang="ko-KR" altLang="en-US" sz="1200" dirty="0"/>
+              <a:t>피드 제목</a:t>
+            </a:r>
+          </a:p>
+        </p:txBody>
+      </p:sp>
+      <p:sp>
+        <p:nvSpPr>
+          <p:cNvPr id="5" name="직사각형 4">
+            <a:extLst>
+              <a:ext uri="{FF2B5EF4-FFF2-40B4-BE49-F238E27FC236}">
+                <a16:creationId xmlns:a16="http://schemas.microsoft.com/office/drawing/2014/main" id="{89C8FA30-3DD0-3D8E-0741-C084FAA96846}"/>
+              </a:ext>
+            </a:extLst>
+          </p:cNvPr>
+          <p:cNvSpPr/>
+          <p:nvPr/>
+        </p:nvSpPr>
+        <p:spPr>
+          <a:xfrm>
+            <a:off x="4000576" y="2291292"/>
+            <a:ext cx="1526094" cy="325913"/>
+          </a:xfrm>
+          <a:prstGeom prst="rect">
+            <a:avLst/>
+          </a:prstGeom>
+        </p:spPr>
+        <p:style>
+          <a:lnRef idx="2">
+            <a:schemeClr val="accent1">
+              <a:shade val="15000"/>
+            </a:schemeClr>
+          </a:lnRef>
+          <a:fillRef idx="1">
+            <a:schemeClr val="accent1"/>
+          </a:fillRef>
+          <a:effectRef idx="0">
+            <a:schemeClr val="accent1"/>
+          </a:effectRef>
+          <a:fontRef idx="minor">
+            <a:schemeClr val="lt1"/>
+          </a:fontRef>
+        </p:style>
+        <p:txBody>
+          <a:bodyPr rtlCol="0" anchor="ctr"/>
+          <a:lstStyle/>
+          <a:p>
+            <a:pPr algn="ctr"/>
+            <a:r>
+              <a:rPr lang="ko-KR" altLang="en-US" sz="1200" dirty="0"/>
+              <a:t>피드 상세내용 </a:t>
+            </a:r>
+          </a:p>
+        </p:txBody>
+      </p:sp>
+      <p:sp>
+        <p:nvSpPr>
+          <p:cNvPr id="8" name="직사각형 7">
+            <a:extLst>
+              <a:ext uri="{FF2B5EF4-FFF2-40B4-BE49-F238E27FC236}">
+                <a16:creationId xmlns:a16="http://schemas.microsoft.com/office/drawing/2014/main" id="{5C2B542F-E364-DDB1-1E50-BAC95AC0AB00}"/>
+              </a:ext>
+            </a:extLst>
+          </p:cNvPr>
+          <p:cNvSpPr/>
+          <p:nvPr/>
+        </p:nvSpPr>
+        <p:spPr>
+          <a:xfrm>
+            <a:off x="6362776" y="2280735"/>
+            <a:ext cx="857174" cy="325913"/>
+          </a:xfrm>
+          <a:prstGeom prst="rect">
+            <a:avLst/>
+          </a:prstGeom>
+        </p:spPr>
+        <p:style>
+          <a:lnRef idx="2">
+            <a:schemeClr val="accent1">
+              <a:shade val="15000"/>
+            </a:schemeClr>
+          </a:lnRef>
+          <a:fillRef idx="1">
+            <a:schemeClr val="accent1"/>
+          </a:fillRef>
+          <a:effectRef idx="0">
+            <a:schemeClr val="accent1"/>
+          </a:effectRef>
+          <a:fontRef idx="minor">
+            <a:schemeClr val="lt1"/>
+          </a:fontRef>
+        </p:style>
+        <p:txBody>
+          <a:bodyPr rtlCol="0" anchor="ctr"/>
+          <a:lstStyle/>
+          <a:p>
+            <a:pPr algn="ctr"/>
+            <a:r>
+              <a:rPr lang="ko-KR" altLang="en-US" sz="1200" dirty="0"/>
+              <a:t>조회</a:t>
+            </a:r>
+          </a:p>
+        </p:txBody>
+      </p:sp>
     </p:spTree>
     <p:extLst>
       <p:ext uri="{BB962C8B-B14F-4D97-AF65-F5344CB8AC3E}">
         <p14:creationId xmlns:p14="http://schemas.microsoft.com/office/powerpoint/2010/main" val="840681455"/>
+      </p:ext>
+    </p:extLst>
+  </p:cSld>
+  <p:clrMapOvr>
+    <a:masterClrMapping/>
+  </p:clrMapOvr>
+</p:sld>
+</file>
+
+<file path=ppt/slides/slide7.xml><?xml version="1.0" encoding="utf-8"?>
+<p:sld xmlns:a="http://schemas.openxmlformats.org/drawingml/2006/main" xmlns:r="http://schemas.openxmlformats.org/officeDocument/2006/relationships" xmlns:p="http://schemas.openxmlformats.org/presentationml/2006/main">
+  <p:cSld>
+    <p:spTree>
+      <p:nvGrpSpPr>
+        <p:cNvPr id="1" name="">
+          <a:extLst>
+            <a:ext uri="{FF2B5EF4-FFF2-40B4-BE49-F238E27FC236}">
+              <a16:creationId xmlns:a16="http://schemas.microsoft.com/office/drawing/2014/main" id="{3B0F0777-E2A0-B633-A462-F9312FB744E8}"/>
+            </a:ext>
+          </a:extLst>
+        </p:cNvPr>
+        <p:cNvGrpSpPr/>
+        <p:nvPr/>
+      </p:nvGrpSpPr>
+      <p:grpSpPr>
+        <a:xfrm>
+          <a:off x="0" y="0"/>
+          <a:ext cx="0" cy="0"/>
+          <a:chOff x="0" y="0"/>
+          <a:chExt cx="0" cy="0"/>
+        </a:xfrm>
+      </p:grpSpPr>
+      <p:sp>
+        <p:nvSpPr>
+          <p:cNvPr id="6" name="직사각형 5">
+            <a:extLst>
+              <a:ext uri="{FF2B5EF4-FFF2-40B4-BE49-F238E27FC236}">
+                <a16:creationId xmlns:a16="http://schemas.microsoft.com/office/drawing/2014/main" id="{93E47818-4930-534F-EA21-665C5DA6CC46}"/>
+              </a:ext>
+            </a:extLst>
+          </p:cNvPr>
+          <p:cNvSpPr/>
+          <p:nvPr/>
+        </p:nvSpPr>
+        <p:spPr>
+          <a:xfrm>
+            <a:off x="184559" y="905347"/>
+            <a:ext cx="9059030" cy="5285902"/>
+          </a:xfrm>
+          <a:prstGeom prst="rect">
+            <a:avLst/>
+          </a:prstGeom>
+          <a:noFill/>
+        </p:spPr>
+        <p:style>
+          <a:lnRef idx="2">
+            <a:schemeClr val="accent1">
+              <a:shade val="15000"/>
+            </a:schemeClr>
+          </a:lnRef>
+          <a:fillRef idx="1">
+            <a:schemeClr val="accent1"/>
+          </a:fillRef>
+          <a:effectRef idx="0">
+            <a:schemeClr val="accent1"/>
+          </a:effectRef>
+          <a:fontRef idx="minor">
+            <a:schemeClr val="lt1"/>
+          </a:fontRef>
+        </p:style>
+        <p:txBody>
+          <a:bodyPr rtlCol="0" anchor="ctr"/>
+          <a:lstStyle/>
+          <a:p>
+            <a:pPr algn="ctr"/>
+            <a:endParaRPr lang="ko-KR" altLang="en-US"/>
+          </a:p>
+        </p:txBody>
+      </p:sp>
+      <p:sp>
+        <p:nvSpPr>
+          <p:cNvPr id="7" name="직사각형 6">
+            <a:extLst>
+              <a:ext uri="{FF2B5EF4-FFF2-40B4-BE49-F238E27FC236}">
+                <a16:creationId xmlns:a16="http://schemas.microsoft.com/office/drawing/2014/main" id="{536A0020-4B8A-C165-3586-FC4C56FEDB16}"/>
+              </a:ext>
+            </a:extLst>
+          </p:cNvPr>
+          <p:cNvSpPr/>
+          <p:nvPr/>
+        </p:nvSpPr>
+        <p:spPr>
+          <a:xfrm>
+            <a:off x="9297908" y="179748"/>
+            <a:ext cx="2709533" cy="6011501"/>
+          </a:xfrm>
+          <a:prstGeom prst="rect">
+            <a:avLst/>
+          </a:prstGeom>
+          <a:noFill/>
+        </p:spPr>
+        <p:style>
+          <a:lnRef idx="2">
+            <a:schemeClr val="accent1">
+              <a:shade val="15000"/>
+            </a:schemeClr>
+          </a:lnRef>
+          <a:fillRef idx="1">
+            <a:schemeClr val="accent1"/>
+          </a:fillRef>
+          <a:effectRef idx="0">
+            <a:schemeClr val="accent1"/>
+          </a:effectRef>
+          <a:fontRef idx="minor">
+            <a:schemeClr val="lt1"/>
+          </a:fontRef>
+        </p:style>
+        <p:txBody>
+          <a:bodyPr rtlCol="0" anchor="ctr"/>
+          <a:lstStyle/>
+          <a:p>
+            <a:pPr algn="ctr"/>
+            <a:endParaRPr lang="ko-KR" altLang="en-US"/>
+          </a:p>
+        </p:txBody>
+      </p:sp>
+      <p:sp>
+        <p:nvSpPr>
+          <p:cNvPr id="2" name="TextBox 1">
+            <a:extLst>
+              <a:ext uri="{FF2B5EF4-FFF2-40B4-BE49-F238E27FC236}">
+                <a16:creationId xmlns:a16="http://schemas.microsoft.com/office/drawing/2014/main" id="{9C0F03B3-A7D3-D5A5-D46D-16C014638D83}"/>
+              </a:ext>
+            </a:extLst>
+          </p:cNvPr>
+          <p:cNvSpPr txBox="1"/>
+          <p:nvPr/>
+        </p:nvSpPr>
+        <p:spPr>
+          <a:xfrm>
+            <a:off x="184559" y="366119"/>
+            <a:ext cx="6094378" cy="369332"/>
+          </a:xfrm>
+          <a:prstGeom prst="rect">
+            <a:avLst/>
+          </a:prstGeom>
+          <a:noFill/>
+        </p:spPr>
+        <p:txBody>
+          <a:bodyPr wrap="square">
+            <a:spAutoFit/>
+          </a:bodyPr>
+          <a:lstStyle/>
+          <a:p>
+            <a:r>
+              <a:rPr lang="en-US" altLang="ko-KR" b="1" dirty="0"/>
+              <a:t>5. </a:t>
+            </a:r>
+            <a:r>
+              <a:rPr lang="ko-KR" altLang="en-US" b="1" dirty="0"/>
+              <a:t>모임 관리 </a:t>
+            </a:r>
+            <a:r>
+              <a:rPr lang="en-US" altLang="ko-KR" b="1" dirty="0"/>
+              <a:t>- </a:t>
+            </a:r>
+            <a:r>
+              <a:rPr lang="ko-KR" altLang="en-US" b="1" dirty="0"/>
+              <a:t>모임목록</a:t>
+            </a:r>
+          </a:p>
+        </p:txBody>
+      </p:sp>
+      <p:graphicFrame>
+        <p:nvGraphicFramePr>
+          <p:cNvPr id="3" name="표 2">
+            <a:extLst>
+              <a:ext uri="{FF2B5EF4-FFF2-40B4-BE49-F238E27FC236}">
+                <a16:creationId xmlns:a16="http://schemas.microsoft.com/office/drawing/2014/main" id="{1EE2E77F-5D47-FA42-C30F-50B96CA9F68D}"/>
+              </a:ext>
+            </a:extLst>
+          </p:cNvPr>
+          <p:cNvGraphicFramePr>
+            <a:graphicFrameLocks noGrp="1"/>
+          </p:cNvGraphicFramePr>
+          <p:nvPr>
+            <p:extLst>
+              <p:ext uri="{D42A27DB-BD31-4B8C-83A1-F6EECF244321}">
+                <p14:modId xmlns:p14="http://schemas.microsoft.com/office/powerpoint/2010/main" val="4131850086"/>
+              </p:ext>
+            </p:extLst>
+          </p:nvPr>
+        </p:nvGraphicFramePr>
+        <p:xfrm>
+          <a:off x="2162770" y="1663188"/>
+          <a:ext cx="6812373" cy="2275140"/>
+        </p:xfrm>
+        <a:graphic>
+          <a:graphicData uri="http://schemas.openxmlformats.org/drawingml/2006/table">
+            <a:tbl>
+              <a:tblPr firstRow="1" bandRow="1">
+                <a:tableStyleId>{5C22544A-7EE6-4342-B048-85BDC9FD1C3A}</a:tableStyleId>
+              </a:tblPr>
+              <a:tblGrid>
+                <a:gridCol w="1061694">
+                  <a:extLst>
+                    <a:ext uri="{9D8B030D-6E8A-4147-A177-3AD203B41FA5}">
+                      <a16:colId xmlns:a16="http://schemas.microsoft.com/office/drawing/2014/main" val="3458199729"/>
+                    </a:ext>
+                  </a:extLst>
+                </a:gridCol>
+                <a:gridCol w="1227221">
+                  <a:extLst>
+                    <a:ext uri="{9D8B030D-6E8A-4147-A177-3AD203B41FA5}">
+                      <a16:colId xmlns:a16="http://schemas.microsoft.com/office/drawing/2014/main" val="1255691649"/>
+                    </a:ext>
+                  </a:extLst>
+                </a:gridCol>
+                <a:gridCol w="1286642">
+                  <a:extLst>
+                    <a:ext uri="{9D8B030D-6E8A-4147-A177-3AD203B41FA5}">
+                      <a16:colId xmlns:a16="http://schemas.microsoft.com/office/drawing/2014/main" val="3181022075"/>
+                    </a:ext>
+                  </a:extLst>
+                </a:gridCol>
+                <a:gridCol w="1384369">
+                  <a:extLst>
+                    <a:ext uri="{9D8B030D-6E8A-4147-A177-3AD203B41FA5}">
+                      <a16:colId xmlns:a16="http://schemas.microsoft.com/office/drawing/2014/main" val="960724525"/>
+                    </a:ext>
+                  </a:extLst>
+                </a:gridCol>
+                <a:gridCol w="842210">
+                  <a:extLst>
+                    <a:ext uri="{9D8B030D-6E8A-4147-A177-3AD203B41FA5}">
+                      <a16:colId xmlns:a16="http://schemas.microsoft.com/office/drawing/2014/main" val="600202605"/>
+                    </a:ext>
+                  </a:extLst>
+                </a:gridCol>
+                <a:gridCol w="1010237">
+                  <a:extLst>
+                    <a:ext uri="{9D8B030D-6E8A-4147-A177-3AD203B41FA5}">
+                      <a16:colId xmlns:a16="http://schemas.microsoft.com/office/drawing/2014/main" val="1950397931"/>
+                    </a:ext>
+                  </a:extLst>
+                </a:gridCol>
+              </a:tblGrid>
+              <a:tr h="455028">
+                <a:tc>
+                  <a:txBody>
+                    <a:bodyPr/>
+                    <a:lstStyle/>
+                    <a:p>
+                      <a:pPr latinLnBrk="1"/>
+                      <a:r>
+                        <a:rPr lang="en-US" altLang="ko-KR" sz="1200" dirty="0"/>
+                        <a:t>num</a:t>
+                      </a:r>
+                      <a:endParaRPr lang="ko-KR" altLang="en-US" sz="1200" dirty="0"/>
+                    </a:p>
+                  </a:txBody>
+                  <a:tcPr>
+                    <a:solidFill>
+                      <a:schemeClr val="bg1">
+                        <a:lumMod val="85000"/>
+                      </a:schemeClr>
+                    </a:solidFill>
+                  </a:tcPr>
+                </a:tc>
+                <a:tc>
+                  <a:txBody>
+                    <a:bodyPr/>
+                    <a:lstStyle/>
+                    <a:p>
+                      <a:pPr latinLnBrk="1"/>
+                      <a:r>
+                        <a:rPr lang="ko-KR" altLang="en-US" sz="1200" dirty="0"/>
+                        <a:t>모임 명</a:t>
+                      </a:r>
+                    </a:p>
+                  </a:txBody>
+                  <a:tcPr>
+                    <a:solidFill>
+                      <a:schemeClr val="bg1">
+                        <a:lumMod val="85000"/>
+                      </a:schemeClr>
+                    </a:solidFill>
+                  </a:tcPr>
+                </a:tc>
+                <a:tc>
+                  <a:txBody>
+                    <a:bodyPr/>
+                    <a:lstStyle/>
+                    <a:p>
+                      <a:pPr latinLnBrk="1"/>
+                      <a:r>
+                        <a:rPr lang="ko-KR" altLang="en-US" sz="1200" dirty="0"/>
+                        <a:t>모임 인원</a:t>
+                      </a:r>
+                    </a:p>
+                  </a:txBody>
+                  <a:tcPr>
+                    <a:solidFill>
+                      <a:schemeClr val="bg1">
+                        <a:lumMod val="85000"/>
+                      </a:schemeClr>
+                    </a:solidFill>
+                  </a:tcPr>
+                </a:tc>
+                <a:tc>
+                  <a:txBody>
+                    <a:bodyPr/>
+                    <a:lstStyle/>
+                    <a:p>
+                      <a:pPr latinLnBrk="1"/>
+                      <a:r>
+                        <a:rPr lang="ko-KR" altLang="en-US" sz="1200" dirty="0"/>
+                        <a:t>모인 신고 건수</a:t>
+                      </a:r>
+                    </a:p>
+                  </a:txBody>
+                  <a:tcPr>
+                    <a:solidFill>
+                      <a:schemeClr val="bg1">
+                        <a:lumMod val="85000"/>
+                      </a:schemeClr>
+                    </a:solidFill>
+                  </a:tcPr>
+                </a:tc>
+                <a:tc>
+                  <a:txBody>
+                    <a:bodyPr/>
+                    <a:lstStyle/>
+                    <a:p>
+                      <a:pPr latinLnBrk="1"/>
+                      <a:r>
+                        <a:rPr lang="ko-KR" altLang="en-US" sz="1200" dirty="0"/>
+                        <a:t>모임 정지</a:t>
+                      </a:r>
+                    </a:p>
+                  </a:txBody>
+                  <a:tcPr>
+                    <a:solidFill>
+                      <a:schemeClr val="bg1">
+                        <a:lumMod val="85000"/>
+                      </a:schemeClr>
+                    </a:solidFill>
+                  </a:tcPr>
+                </a:tc>
+                <a:tc>
+                  <a:txBody>
+                    <a:bodyPr/>
+                    <a:lstStyle/>
+                    <a:p>
+                      <a:pPr latinLnBrk="1"/>
+                      <a:r>
+                        <a:rPr lang="ko-KR" altLang="en-US" sz="1200" dirty="0"/>
+                        <a:t>모임 삭제</a:t>
+                      </a:r>
+                    </a:p>
+                  </a:txBody>
+                  <a:tcPr>
+                    <a:solidFill>
+                      <a:schemeClr val="bg1">
+                        <a:lumMod val="85000"/>
+                      </a:schemeClr>
+                    </a:solidFill>
+                  </a:tcPr>
+                </a:tc>
+                <a:extLst>
+                  <a:ext uri="{0D108BD9-81ED-4DB2-BD59-A6C34878D82A}">
+                    <a16:rowId xmlns:a16="http://schemas.microsoft.com/office/drawing/2014/main" val="2638491739"/>
+                  </a:ext>
+                </a:extLst>
+              </a:tr>
+              <a:tr h="455028">
+                <a:tc>
+                  <a:txBody>
+                    <a:bodyPr/>
+                    <a:lstStyle/>
+                    <a:p>
+                      <a:pPr latinLnBrk="1"/>
+                      <a:endParaRPr lang="ko-KR" altLang="en-US" sz="1200"/>
+                    </a:p>
+                  </a:txBody>
+                  <a:tcPr>
+                    <a:solidFill>
+                      <a:schemeClr val="bg1">
+                        <a:lumMod val="85000"/>
+                      </a:schemeClr>
+                    </a:solidFill>
+                  </a:tcPr>
+                </a:tc>
+                <a:tc>
+                  <a:txBody>
+                    <a:bodyPr/>
+                    <a:lstStyle/>
+                    <a:p>
+                      <a:pPr latinLnBrk="1"/>
+                      <a:endParaRPr lang="ko-KR" altLang="en-US" sz="1200" dirty="0"/>
+                    </a:p>
+                  </a:txBody>
+                  <a:tcPr>
+                    <a:solidFill>
+                      <a:schemeClr val="bg1">
+                        <a:lumMod val="85000"/>
+                      </a:schemeClr>
+                    </a:solidFill>
+                  </a:tcPr>
+                </a:tc>
+                <a:tc>
+                  <a:txBody>
+                    <a:bodyPr/>
+                    <a:lstStyle/>
+                    <a:p>
+                      <a:pPr latinLnBrk="1"/>
+                      <a:endParaRPr lang="ko-KR" altLang="en-US" sz="1200" dirty="0"/>
+                    </a:p>
+                  </a:txBody>
+                  <a:tcPr>
+                    <a:solidFill>
+                      <a:schemeClr val="bg1">
+                        <a:lumMod val="85000"/>
+                      </a:schemeClr>
+                    </a:solidFill>
+                  </a:tcPr>
+                </a:tc>
+                <a:tc>
+                  <a:txBody>
+                    <a:bodyPr/>
+                    <a:lstStyle/>
+                    <a:p>
+                      <a:pPr latinLnBrk="1"/>
+                      <a:endParaRPr lang="ko-KR" altLang="en-US" sz="1200" dirty="0"/>
+                    </a:p>
+                  </a:txBody>
+                  <a:tcPr>
+                    <a:solidFill>
+                      <a:schemeClr val="bg1">
+                        <a:lumMod val="85000"/>
+                      </a:schemeClr>
+                    </a:solidFill>
+                  </a:tcPr>
+                </a:tc>
+                <a:tc>
+                  <a:txBody>
+                    <a:bodyPr/>
+                    <a:lstStyle/>
+                    <a:p>
+                      <a:pPr latinLnBrk="1"/>
+                      <a:endParaRPr lang="ko-KR" altLang="en-US" sz="1200" dirty="0"/>
+                    </a:p>
+                  </a:txBody>
+                  <a:tcPr>
+                    <a:solidFill>
+                      <a:schemeClr val="bg1">
+                        <a:lumMod val="85000"/>
+                      </a:schemeClr>
+                    </a:solidFill>
+                  </a:tcPr>
+                </a:tc>
+                <a:tc>
+                  <a:txBody>
+                    <a:bodyPr/>
+                    <a:lstStyle/>
+                    <a:p>
+                      <a:pPr latinLnBrk="1"/>
+                      <a:endParaRPr lang="ko-KR" altLang="en-US" sz="1200" dirty="0"/>
+                    </a:p>
+                  </a:txBody>
+                  <a:tcPr>
+                    <a:solidFill>
+                      <a:schemeClr val="bg1">
+                        <a:lumMod val="85000"/>
+                      </a:schemeClr>
+                    </a:solidFill>
+                  </a:tcPr>
+                </a:tc>
+                <a:extLst>
+                  <a:ext uri="{0D108BD9-81ED-4DB2-BD59-A6C34878D82A}">
+                    <a16:rowId xmlns:a16="http://schemas.microsoft.com/office/drawing/2014/main" val="926575560"/>
+                  </a:ext>
+                </a:extLst>
+              </a:tr>
+              <a:tr h="455028">
+                <a:tc>
+                  <a:txBody>
+                    <a:bodyPr/>
+                    <a:lstStyle/>
+                    <a:p>
+                      <a:pPr latinLnBrk="1"/>
+                      <a:endParaRPr lang="ko-KR" altLang="en-US" sz="1200"/>
+                    </a:p>
+                  </a:txBody>
+                  <a:tcPr>
+                    <a:solidFill>
+                      <a:schemeClr val="bg1">
+                        <a:lumMod val="85000"/>
+                      </a:schemeClr>
+                    </a:solidFill>
+                  </a:tcPr>
+                </a:tc>
+                <a:tc>
+                  <a:txBody>
+                    <a:bodyPr/>
+                    <a:lstStyle/>
+                    <a:p>
+                      <a:pPr latinLnBrk="1"/>
+                      <a:endParaRPr lang="ko-KR" altLang="en-US" sz="1200" dirty="0"/>
+                    </a:p>
+                  </a:txBody>
+                  <a:tcPr>
+                    <a:solidFill>
+                      <a:schemeClr val="bg1">
+                        <a:lumMod val="85000"/>
+                      </a:schemeClr>
+                    </a:solidFill>
+                  </a:tcPr>
+                </a:tc>
+                <a:tc>
+                  <a:txBody>
+                    <a:bodyPr/>
+                    <a:lstStyle/>
+                    <a:p>
+                      <a:pPr latinLnBrk="1"/>
+                      <a:endParaRPr lang="ko-KR" altLang="en-US" sz="1200" dirty="0"/>
+                    </a:p>
+                  </a:txBody>
+                  <a:tcPr>
+                    <a:solidFill>
+                      <a:schemeClr val="bg1">
+                        <a:lumMod val="85000"/>
+                      </a:schemeClr>
+                    </a:solidFill>
+                  </a:tcPr>
+                </a:tc>
+                <a:tc>
+                  <a:txBody>
+                    <a:bodyPr/>
+                    <a:lstStyle/>
+                    <a:p>
+                      <a:pPr latinLnBrk="1"/>
+                      <a:endParaRPr lang="ko-KR" altLang="en-US" sz="1200" dirty="0"/>
+                    </a:p>
+                  </a:txBody>
+                  <a:tcPr>
+                    <a:solidFill>
+                      <a:schemeClr val="bg1">
+                        <a:lumMod val="85000"/>
+                      </a:schemeClr>
+                    </a:solidFill>
+                  </a:tcPr>
+                </a:tc>
+                <a:tc>
+                  <a:txBody>
+                    <a:bodyPr/>
+                    <a:lstStyle/>
+                    <a:p>
+                      <a:pPr latinLnBrk="1"/>
+                      <a:endParaRPr lang="ko-KR" altLang="en-US" sz="1200" dirty="0"/>
+                    </a:p>
+                  </a:txBody>
+                  <a:tcPr>
+                    <a:solidFill>
+                      <a:schemeClr val="bg1">
+                        <a:lumMod val="85000"/>
+                      </a:schemeClr>
+                    </a:solidFill>
+                  </a:tcPr>
+                </a:tc>
+                <a:tc>
+                  <a:txBody>
+                    <a:bodyPr/>
+                    <a:lstStyle/>
+                    <a:p>
+                      <a:pPr latinLnBrk="1"/>
+                      <a:endParaRPr lang="ko-KR" altLang="en-US" sz="1200" dirty="0"/>
+                    </a:p>
+                  </a:txBody>
+                  <a:tcPr>
+                    <a:solidFill>
+                      <a:schemeClr val="bg1">
+                        <a:lumMod val="85000"/>
+                      </a:schemeClr>
+                    </a:solidFill>
+                  </a:tcPr>
+                </a:tc>
+                <a:extLst>
+                  <a:ext uri="{0D108BD9-81ED-4DB2-BD59-A6C34878D82A}">
+                    <a16:rowId xmlns:a16="http://schemas.microsoft.com/office/drawing/2014/main" val="4206090399"/>
+                  </a:ext>
+                </a:extLst>
+              </a:tr>
+              <a:tr h="455028">
+                <a:tc>
+                  <a:txBody>
+                    <a:bodyPr/>
+                    <a:lstStyle/>
+                    <a:p>
+                      <a:pPr latinLnBrk="1"/>
+                      <a:endParaRPr lang="ko-KR" altLang="en-US" sz="1200"/>
+                    </a:p>
+                  </a:txBody>
+                  <a:tcPr>
+                    <a:solidFill>
+                      <a:schemeClr val="bg1">
+                        <a:lumMod val="85000"/>
+                      </a:schemeClr>
+                    </a:solidFill>
+                  </a:tcPr>
+                </a:tc>
+                <a:tc>
+                  <a:txBody>
+                    <a:bodyPr/>
+                    <a:lstStyle/>
+                    <a:p>
+                      <a:pPr latinLnBrk="1"/>
+                      <a:endParaRPr lang="ko-KR" altLang="en-US" sz="1200" dirty="0"/>
+                    </a:p>
+                  </a:txBody>
+                  <a:tcPr>
+                    <a:solidFill>
+                      <a:schemeClr val="bg1">
+                        <a:lumMod val="85000"/>
+                      </a:schemeClr>
+                    </a:solidFill>
+                  </a:tcPr>
+                </a:tc>
+                <a:tc>
+                  <a:txBody>
+                    <a:bodyPr/>
+                    <a:lstStyle/>
+                    <a:p>
+                      <a:pPr latinLnBrk="1"/>
+                      <a:endParaRPr lang="ko-KR" altLang="en-US" sz="1200" dirty="0"/>
+                    </a:p>
+                  </a:txBody>
+                  <a:tcPr>
+                    <a:solidFill>
+                      <a:schemeClr val="bg1">
+                        <a:lumMod val="85000"/>
+                      </a:schemeClr>
+                    </a:solidFill>
+                  </a:tcPr>
+                </a:tc>
+                <a:tc>
+                  <a:txBody>
+                    <a:bodyPr/>
+                    <a:lstStyle/>
+                    <a:p>
+                      <a:pPr latinLnBrk="1"/>
+                      <a:endParaRPr lang="ko-KR" altLang="en-US" sz="1200" dirty="0"/>
+                    </a:p>
+                  </a:txBody>
+                  <a:tcPr>
+                    <a:solidFill>
+                      <a:schemeClr val="bg1">
+                        <a:lumMod val="85000"/>
+                      </a:schemeClr>
+                    </a:solidFill>
+                  </a:tcPr>
+                </a:tc>
+                <a:tc>
+                  <a:txBody>
+                    <a:bodyPr/>
+                    <a:lstStyle/>
+                    <a:p>
+                      <a:pPr latinLnBrk="1"/>
+                      <a:endParaRPr lang="ko-KR" altLang="en-US" sz="1200" dirty="0"/>
+                    </a:p>
+                  </a:txBody>
+                  <a:tcPr>
+                    <a:solidFill>
+                      <a:schemeClr val="bg1">
+                        <a:lumMod val="85000"/>
+                      </a:schemeClr>
+                    </a:solidFill>
+                  </a:tcPr>
+                </a:tc>
+                <a:tc>
+                  <a:txBody>
+                    <a:bodyPr/>
+                    <a:lstStyle/>
+                    <a:p>
+                      <a:pPr latinLnBrk="1"/>
+                      <a:endParaRPr lang="ko-KR" altLang="en-US" sz="1200" dirty="0"/>
+                    </a:p>
+                  </a:txBody>
+                  <a:tcPr>
+                    <a:solidFill>
+                      <a:schemeClr val="bg1">
+                        <a:lumMod val="85000"/>
+                      </a:schemeClr>
+                    </a:solidFill>
+                  </a:tcPr>
+                </a:tc>
+                <a:extLst>
+                  <a:ext uri="{0D108BD9-81ED-4DB2-BD59-A6C34878D82A}">
+                    <a16:rowId xmlns:a16="http://schemas.microsoft.com/office/drawing/2014/main" val="2524170042"/>
+                  </a:ext>
+                </a:extLst>
+              </a:tr>
+              <a:tr h="455028">
+                <a:tc>
+                  <a:txBody>
+                    <a:bodyPr/>
+                    <a:lstStyle/>
+                    <a:p>
+                      <a:pPr latinLnBrk="1"/>
+                      <a:endParaRPr lang="ko-KR" altLang="en-US" sz="1200" dirty="0"/>
+                    </a:p>
+                  </a:txBody>
+                  <a:tcPr>
+                    <a:solidFill>
+                      <a:schemeClr val="bg1">
+                        <a:lumMod val="85000"/>
+                      </a:schemeClr>
+                    </a:solidFill>
+                  </a:tcPr>
+                </a:tc>
+                <a:tc>
+                  <a:txBody>
+                    <a:bodyPr/>
+                    <a:lstStyle/>
+                    <a:p>
+                      <a:pPr latinLnBrk="1"/>
+                      <a:endParaRPr lang="ko-KR" altLang="en-US" sz="1200" dirty="0"/>
+                    </a:p>
+                  </a:txBody>
+                  <a:tcPr>
+                    <a:solidFill>
+                      <a:schemeClr val="bg1">
+                        <a:lumMod val="85000"/>
+                      </a:schemeClr>
+                    </a:solidFill>
+                  </a:tcPr>
+                </a:tc>
+                <a:tc>
+                  <a:txBody>
+                    <a:bodyPr/>
+                    <a:lstStyle/>
+                    <a:p>
+                      <a:pPr latinLnBrk="1"/>
+                      <a:endParaRPr lang="ko-KR" altLang="en-US" sz="1200" dirty="0"/>
+                    </a:p>
+                  </a:txBody>
+                  <a:tcPr>
+                    <a:solidFill>
+                      <a:schemeClr val="bg1">
+                        <a:lumMod val="85000"/>
+                      </a:schemeClr>
+                    </a:solidFill>
+                  </a:tcPr>
+                </a:tc>
+                <a:tc>
+                  <a:txBody>
+                    <a:bodyPr/>
+                    <a:lstStyle/>
+                    <a:p>
+                      <a:pPr latinLnBrk="1"/>
+                      <a:endParaRPr lang="ko-KR" altLang="en-US" sz="1200" dirty="0"/>
+                    </a:p>
+                  </a:txBody>
+                  <a:tcPr>
+                    <a:solidFill>
+                      <a:schemeClr val="bg1">
+                        <a:lumMod val="85000"/>
+                      </a:schemeClr>
+                    </a:solidFill>
+                  </a:tcPr>
+                </a:tc>
+                <a:tc>
+                  <a:txBody>
+                    <a:bodyPr/>
+                    <a:lstStyle/>
+                    <a:p>
+                      <a:pPr latinLnBrk="1"/>
+                      <a:endParaRPr lang="ko-KR" altLang="en-US" sz="1200" dirty="0"/>
+                    </a:p>
+                  </a:txBody>
+                  <a:tcPr>
+                    <a:solidFill>
+                      <a:schemeClr val="bg1">
+                        <a:lumMod val="85000"/>
+                      </a:schemeClr>
+                    </a:solidFill>
+                  </a:tcPr>
+                </a:tc>
+                <a:tc>
+                  <a:txBody>
+                    <a:bodyPr/>
+                    <a:lstStyle/>
+                    <a:p>
+                      <a:pPr latinLnBrk="1"/>
+                      <a:endParaRPr lang="ko-KR" altLang="en-US" sz="1200" dirty="0"/>
+                    </a:p>
+                  </a:txBody>
+                  <a:tcPr>
+                    <a:solidFill>
+                      <a:schemeClr val="bg1">
+                        <a:lumMod val="85000"/>
+                      </a:schemeClr>
+                    </a:solidFill>
+                  </a:tcPr>
+                </a:tc>
+                <a:extLst>
+                  <a:ext uri="{0D108BD9-81ED-4DB2-BD59-A6C34878D82A}">
+                    <a16:rowId xmlns:a16="http://schemas.microsoft.com/office/drawing/2014/main" val="355759515"/>
+                  </a:ext>
+                </a:extLst>
+              </a:tr>
+            </a:tbl>
+          </a:graphicData>
+        </a:graphic>
+      </p:graphicFrame>
+      <p:sp>
+        <p:nvSpPr>
+          <p:cNvPr id="4" name="사각형: 둥근 모서리 3">
+            <a:extLst>
+              <a:ext uri="{FF2B5EF4-FFF2-40B4-BE49-F238E27FC236}">
+                <a16:creationId xmlns:a16="http://schemas.microsoft.com/office/drawing/2014/main" id="{59D7544D-2970-B635-054E-4A40AF425FA2}"/>
+              </a:ext>
+            </a:extLst>
+          </p:cNvPr>
+          <p:cNvSpPr/>
+          <p:nvPr/>
+        </p:nvSpPr>
+        <p:spPr>
+          <a:xfrm>
+            <a:off x="2162770" y="1175510"/>
+            <a:ext cx="1530926" cy="457200"/>
+          </a:xfrm>
+          <a:prstGeom prst="roundRect">
+            <a:avLst/>
+          </a:prstGeom>
+          <a:solidFill>
+            <a:schemeClr val="accent3">
+              <a:lumMod val="40000"/>
+              <a:lumOff val="60000"/>
+            </a:schemeClr>
+          </a:solidFill>
+          <a:ln>
+            <a:solidFill>
+              <a:schemeClr val="tx1"/>
+            </a:solidFill>
+          </a:ln>
+        </p:spPr>
+        <p:style>
+          <a:lnRef idx="2">
+            <a:schemeClr val="accent1">
+              <a:shade val="15000"/>
+            </a:schemeClr>
+          </a:lnRef>
+          <a:fillRef idx="1">
+            <a:schemeClr val="accent1"/>
+          </a:fillRef>
+          <a:effectRef idx="0">
+            <a:schemeClr val="accent1"/>
+          </a:effectRef>
+          <a:fontRef idx="minor">
+            <a:schemeClr val="lt1"/>
+          </a:fontRef>
+        </p:style>
+        <p:txBody>
+          <a:bodyPr rtlCol="0" anchor="ctr"/>
+          <a:lstStyle/>
+          <a:p>
+            <a:pPr algn="ctr"/>
+            <a:r>
+              <a:rPr lang="ko-KR" altLang="en-US" sz="1200" dirty="0"/>
+              <a:t>모임 목록</a:t>
+            </a:r>
+          </a:p>
+        </p:txBody>
+      </p:sp>
+      <p:sp>
+        <p:nvSpPr>
+          <p:cNvPr id="5" name="TextBox 4">
+            <a:extLst>
+              <a:ext uri="{FF2B5EF4-FFF2-40B4-BE49-F238E27FC236}">
+                <a16:creationId xmlns:a16="http://schemas.microsoft.com/office/drawing/2014/main" id="{F635040C-8A93-2DEA-D347-FAFFE3FD2E79}"/>
+              </a:ext>
+            </a:extLst>
+          </p:cNvPr>
+          <p:cNvSpPr txBox="1"/>
+          <p:nvPr/>
+        </p:nvSpPr>
+        <p:spPr>
+          <a:xfrm>
+            <a:off x="9445557" y="403932"/>
+            <a:ext cx="2651688" cy="1477328"/>
+          </a:xfrm>
+          <a:prstGeom prst="rect">
+            <a:avLst/>
+          </a:prstGeom>
+          <a:noFill/>
+        </p:spPr>
+        <p:txBody>
+          <a:bodyPr wrap="none" rtlCol="0">
+            <a:spAutoFit/>
+          </a:bodyPr>
+          <a:lstStyle/>
+          <a:p>
+            <a:r>
+              <a:rPr lang="ko-KR" altLang="en-US" dirty="0"/>
+              <a:t>모임 삭제나 정지 버튼을</a:t>
+            </a:r>
+            <a:br>
+              <a:rPr lang="en-US" altLang="ko-KR" dirty="0"/>
+            </a:br>
+            <a:r>
+              <a:rPr lang="ko-KR" altLang="en-US" dirty="0" err="1"/>
+              <a:t>클릭시</a:t>
+            </a:r>
+            <a:r>
+              <a:rPr lang="en-US" altLang="ko-KR" dirty="0"/>
+              <a:t>, </a:t>
+            </a:r>
+          </a:p>
+          <a:p>
+            <a:r>
+              <a:rPr lang="en-US" altLang="ko-KR" dirty="0"/>
+              <a:t>ALRET </a:t>
+            </a:r>
+            <a:r>
+              <a:rPr lang="ko-KR" altLang="en-US" dirty="0"/>
+              <a:t>띄워주고 </a:t>
+            </a:r>
+            <a:endParaRPr lang="en-US" altLang="ko-KR" dirty="0"/>
+          </a:p>
+          <a:p>
+            <a:r>
+              <a:rPr lang="en-US" altLang="ko-KR" dirty="0"/>
+              <a:t>‘ </a:t>
+            </a:r>
+            <a:r>
+              <a:rPr lang="ko-KR" altLang="en-US" dirty="0"/>
+              <a:t>예</a:t>
+            </a:r>
+            <a:r>
+              <a:rPr lang="en-US" altLang="ko-KR" dirty="0"/>
+              <a:t>’ </a:t>
+            </a:r>
+            <a:r>
+              <a:rPr lang="ko-KR" altLang="en-US" dirty="0"/>
+              <a:t>버튼 클릭하면 바로 </a:t>
+            </a:r>
+            <a:endParaRPr lang="en-US" altLang="ko-KR"/>
+          </a:p>
+          <a:p>
+            <a:r>
+              <a:rPr lang="ko-KR" altLang="en-US"/>
+              <a:t>창 닫기 </a:t>
+            </a:r>
+            <a:endParaRPr lang="en-US" altLang="ko-KR" dirty="0"/>
+          </a:p>
+        </p:txBody>
+      </p:sp>
+      <p:sp>
+        <p:nvSpPr>
+          <p:cNvPr id="8" name="사각형: 둥근 모서리 7">
+            <a:extLst>
+              <a:ext uri="{FF2B5EF4-FFF2-40B4-BE49-F238E27FC236}">
+                <a16:creationId xmlns:a16="http://schemas.microsoft.com/office/drawing/2014/main" id="{E9E9B513-7E3F-D913-8B75-CC7583B9DFBD}"/>
+              </a:ext>
+            </a:extLst>
+          </p:cNvPr>
+          <p:cNvSpPr/>
+          <p:nvPr/>
+        </p:nvSpPr>
+        <p:spPr>
+          <a:xfrm>
+            <a:off x="5224622" y="1169250"/>
+            <a:ext cx="1530926" cy="457200"/>
+          </a:xfrm>
+          <a:prstGeom prst="roundRect">
+            <a:avLst/>
+          </a:prstGeom>
+          <a:solidFill>
+            <a:schemeClr val="bg1"/>
+          </a:solidFill>
+          <a:ln>
+            <a:solidFill>
+              <a:schemeClr val="tx1"/>
+            </a:solidFill>
+          </a:ln>
+        </p:spPr>
+        <p:style>
+          <a:lnRef idx="2">
+            <a:schemeClr val="accent1">
+              <a:shade val="15000"/>
+            </a:schemeClr>
+          </a:lnRef>
+          <a:fillRef idx="1">
+            <a:schemeClr val="accent1"/>
+          </a:fillRef>
+          <a:effectRef idx="0">
+            <a:schemeClr val="accent1"/>
+          </a:effectRef>
+          <a:fontRef idx="minor">
+            <a:schemeClr val="lt1"/>
+          </a:fontRef>
+        </p:style>
+        <p:txBody>
+          <a:bodyPr rtlCol="0" anchor="ctr"/>
+          <a:lstStyle/>
+          <a:p>
+            <a:pPr algn="ctr"/>
+            <a:r>
+              <a:rPr lang="ko-KR" altLang="en-US" sz="1200" dirty="0">
+                <a:solidFill>
+                  <a:schemeClr val="tx1"/>
+                </a:solidFill>
+              </a:rPr>
+              <a:t>클래스 요청 목록</a:t>
+            </a:r>
+          </a:p>
+        </p:txBody>
+      </p:sp>
+      <p:sp>
+        <p:nvSpPr>
+          <p:cNvPr id="9" name="사각형: 둥근 모서리 8">
+            <a:extLst>
+              <a:ext uri="{FF2B5EF4-FFF2-40B4-BE49-F238E27FC236}">
+                <a16:creationId xmlns:a16="http://schemas.microsoft.com/office/drawing/2014/main" id="{80AD8CBB-E784-F693-A58B-B5B5E615EB8E}"/>
+              </a:ext>
+            </a:extLst>
+          </p:cNvPr>
+          <p:cNvSpPr/>
+          <p:nvPr/>
+        </p:nvSpPr>
+        <p:spPr>
+          <a:xfrm>
+            <a:off x="3693696" y="1169250"/>
+            <a:ext cx="1530926" cy="457200"/>
+          </a:xfrm>
+          <a:prstGeom prst="roundRect">
+            <a:avLst/>
+          </a:prstGeom>
+          <a:solidFill>
+            <a:schemeClr val="bg1"/>
+          </a:solidFill>
+          <a:ln>
+            <a:solidFill>
+              <a:schemeClr val="tx1"/>
+            </a:solidFill>
+          </a:ln>
+        </p:spPr>
+        <p:style>
+          <a:lnRef idx="2">
+            <a:schemeClr val="accent1">
+              <a:shade val="15000"/>
+            </a:schemeClr>
+          </a:lnRef>
+          <a:fillRef idx="1">
+            <a:schemeClr val="accent1"/>
+          </a:fillRef>
+          <a:effectRef idx="0">
+            <a:schemeClr val="accent1"/>
+          </a:effectRef>
+          <a:fontRef idx="minor">
+            <a:schemeClr val="lt1"/>
+          </a:fontRef>
+        </p:style>
+        <p:txBody>
+          <a:bodyPr rtlCol="0" anchor="ctr"/>
+          <a:lstStyle/>
+          <a:p>
+            <a:pPr algn="ctr"/>
+            <a:r>
+              <a:rPr lang="ko-KR" altLang="en-US" sz="1200" dirty="0">
+                <a:solidFill>
+                  <a:schemeClr val="tx1"/>
+                </a:solidFill>
+              </a:rPr>
+              <a:t>클래스 목록</a:t>
+            </a:r>
+          </a:p>
+        </p:txBody>
+      </p:sp>
+    </p:spTree>
+    <p:extLst>
+      <p:ext uri="{BB962C8B-B14F-4D97-AF65-F5344CB8AC3E}">
+        <p14:creationId xmlns:p14="http://schemas.microsoft.com/office/powerpoint/2010/main" val="798387034"/>
+      </p:ext>
+    </p:extLst>
+  </p:cSld>
+  <p:clrMapOvr>
+    <a:masterClrMapping/>
+  </p:clrMapOvr>
+</p:sld>
+</file>
+
+<file path=ppt/slides/slide8.xml><?xml version="1.0" encoding="utf-8"?>
+<p:sld xmlns:a="http://schemas.openxmlformats.org/drawingml/2006/main" xmlns:r="http://schemas.openxmlformats.org/officeDocument/2006/relationships" xmlns:p="http://schemas.openxmlformats.org/presentationml/2006/main">
+  <p:cSld>
+    <p:spTree>
+      <p:nvGrpSpPr>
+        <p:cNvPr id="1" name="">
+          <a:extLst>
+            <a:ext uri="{FF2B5EF4-FFF2-40B4-BE49-F238E27FC236}">
+              <a16:creationId xmlns:a16="http://schemas.microsoft.com/office/drawing/2014/main" id="{DC685429-0152-FEC7-DCCB-ED5A9D120991}"/>
+            </a:ext>
+          </a:extLst>
+        </p:cNvPr>
+        <p:cNvGrpSpPr/>
+        <p:nvPr/>
+      </p:nvGrpSpPr>
+      <p:grpSpPr>
+        <a:xfrm>
+          <a:off x="0" y="0"/>
+          <a:ext cx="0" cy="0"/>
+          <a:chOff x="0" y="0"/>
+          <a:chExt cx="0" cy="0"/>
+        </a:xfrm>
+      </p:grpSpPr>
+      <p:sp>
+        <p:nvSpPr>
+          <p:cNvPr id="6" name="직사각형 5">
+            <a:extLst>
+              <a:ext uri="{FF2B5EF4-FFF2-40B4-BE49-F238E27FC236}">
+                <a16:creationId xmlns:a16="http://schemas.microsoft.com/office/drawing/2014/main" id="{410C6FF1-C364-3704-2B89-6A415F158EFF}"/>
+              </a:ext>
+            </a:extLst>
+          </p:cNvPr>
+          <p:cNvSpPr/>
+          <p:nvPr/>
+        </p:nvSpPr>
+        <p:spPr>
+          <a:xfrm>
+            <a:off x="184559" y="905347"/>
+            <a:ext cx="9059030" cy="5285902"/>
+          </a:xfrm>
+          <a:prstGeom prst="rect">
+            <a:avLst/>
+          </a:prstGeom>
+          <a:noFill/>
+        </p:spPr>
+        <p:style>
+          <a:lnRef idx="2">
+            <a:schemeClr val="accent1">
+              <a:shade val="15000"/>
+            </a:schemeClr>
+          </a:lnRef>
+          <a:fillRef idx="1">
+            <a:schemeClr val="accent1"/>
+          </a:fillRef>
+          <a:effectRef idx="0">
+            <a:schemeClr val="accent1"/>
+          </a:effectRef>
+          <a:fontRef idx="minor">
+            <a:schemeClr val="lt1"/>
+          </a:fontRef>
+        </p:style>
+        <p:txBody>
+          <a:bodyPr rtlCol="0" anchor="ctr"/>
+          <a:lstStyle/>
+          <a:p>
+            <a:pPr algn="ctr"/>
+            <a:endParaRPr lang="ko-KR" altLang="en-US"/>
+          </a:p>
+        </p:txBody>
+      </p:sp>
+      <p:sp>
+        <p:nvSpPr>
+          <p:cNvPr id="7" name="직사각형 6">
+            <a:extLst>
+              <a:ext uri="{FF2B5EF4-FFF2-40B4-BE49-F238E27FC236}">
+                <a16:creationId xmlns:a16="http://schemas.microsoft.com/office/drawing/2014/main" id="{EA816444-A8A5-8061-1959-BF2B39772C55}"/>
+              </a:ext>
+            </a:extLst>
+          </p:cNvPr>
+          <p:cNvSpPr/>
+          <p:nvPr/>
+        </p:nvSpPr>
+        <p:spPr>
+          <a:xfrm>
+            <a:off x="9297908" y="179748"/>
+            <a:ext cx="2709533" cy="6011501"/>
+          </a:xfrm>
+          <a:prstGeom prst="rect">
+            <a:avLst/>
+          </a:prstGeom>
+          <a:noFill/>
+        </p:spPr>
+        <p:style>
+          <a:lnRef idx="2">
+            <a:schemeClr val="accent1">
+              <a:shade val="15000"/>
+            </a:schemeClr>
+          </a:lnRef>
+          <a:fillRef idx="1">
+            <a:schemeClr val="accent1"/>
+          </a:fillRef>
+          <a:effectRef idx="0">
+            <a:schemeClr val="accent1"/>
+          </a:effectRef>
+          <a:fontRef idx="minor">
+            <a:schemeClr val="lt1"/>
+          </a:fontRef>
+        </p:style>
+        <p:txBody>
+          <a:bodyPr rtlCol="0" anchor="ctr"/>
+          <a:lstStyle/>
+          <a:p>
+            <a:pPr algn="ctr"/>
+            <a:endParaRPr lang="ko-KR" altLang="en-US"/>
+          </a:p>
+        </p:txBody>
+      </p:sp>
+      <p:sp>
+        <p:nvSpPr>
+          <p:cNvPr id="2" name="TextBox 1">
+            <a:extLst>
+              <a:ext uri="{FF2B5EF4-FFF2-40B4-BE49-F238E27FC236}">
+                <a16:creationId xmlns:a16="http://schemas.microsoft.com/office/drawing/2014/main" id="{B8886222-CFB8-9493-FBDA-4EEA64640657}"/>
+              </a:ext>
+            </a:extLst>
+          </p:cNvPr>
+          <p:cNvSpPr txBox="1"/>
+          <p:nvPr/>
+        </p:nvSpPr>
+        <p:spPr>
+          <a:xfrm>
+            <a:off x="184559" y="366119"/>
+            <a:ext cx="6094378" cy="369332"/>
+          </a:xfrm>
+          <a:prstGeom prst="rect">
+            <a:avLst/>
+          </a:prstGeom>
+          <a:noFill/>
+        </p:spPr>
+        <p:txBody>
+          <a:bodyPr wrap="square">
+            <a:spAutoFit/>
+          </a:bodyPr>
+          <a:lstStyle/>
+          <a:p>
+            <a:r>
+              <a:rPr lang="en-US" altLang="ko-KR" b="1" dirty="0"/>
+              <a:t>5. </a:t>
+            </a:r>
+            <a:r>
+              <a:rPr lang="ko-KR" altLang="en-US" b="1" dirty="0"/>
+              <a:t>모임 관리 </a:t>
+            </a:r>
+            <a:r>
+              <a:rPr lang="en-US" altLang="ko-KR" b="1" dirty="0"/>
+              <a:t>– </a:t>
+            </a:r>
+            <a:r>
+              <a:rPr lang="ko-KR" altLang="en-US" b="1" dirty="0"/>
+              <a:t>클래스 목록 </a:t>
+            </a:r>
+          </a:p>
+        </p:txBody>
+      </p:sp>
+      <p:graphicFrame>
+        <p:nvGraphicFramePr>
+          <p:cNvPr id="3" name="표 2">
+            <a:extLst>
+              <a:ext uri="{FF2B5EF4-FFF2-40B4-BE49-F238E27FC236}">
+                <a16:creationId xmlns:a16="http://schemas.microsoft.com/office/drawing/2014/main" id="{DAA0404C-39E0-E56F-DC69-AFCB14DACBCD}"/>
+              </a:ext>
+            </a:extLst>
+          </p:cNvPr>
+          <p:cNvGraphicFramePr>
+            <a:graphicFrameLocks noGrp="1"/>
+          </p:cNvGraphicFramePr>
+          <p:nvPr>
+            <p:extLst>
+              <p:ext uri="{D42A27DB-BD31-4B8C-83A1-F6EECF244321}">
+                <p14:modId xmlns:p14="http://schemas.microsoft.com/office/powerpoint/2010/main" val="910826609"/>
+              </p:ext>
+            </p:extLst>
+          </p:nvPr>
+        </p:nvGraphicFramePr>
+        <p:xfrm>
+          <a:off x="2150738" y="1643524"/>
+          <a:ext cx="6812374" cy="2275140"/>
+        </p:xfrm>
+        <a:graphic>
+          <a:graphicData uri="http://schemas.openxmlformats.org/drawingml/2006/table">
+            <a:tbl>
+              <a:tblPr firstRow="1" bandRow="1">
+                <a:tableStyleId>{5C22544A-7EE6-4342-B048-85BDC9FD1C3A}</a:tableStyleId>
+              </a:tblPr>
+              <a:tblGrid>
+                <a:gridCol w="573801">
+                  <a:extLst>
+                    <a:ext uri="{9D8B030D-6E8A-4147-A177-3AD203B41FA5}">
+                      <a16:colId xmlns:a16="http://schemas.microsoft.com/office/drawing/2014/main" val="3458199729"/>
+                    </a:ext>
+                  </a:extLst>
+                </a:gridCol>
+                <a:gridCol w="877077">
+                  <a:extLst>
+                    <a:ext uri="{9D8B030D-6E8A-4147-A177-3AD203B41FA5}">
+                      <a16:colId xmlns:a16="http://schemas.microsoft.com/office/drawing/2014/main" val="1255691649"/>
+                    </a:ext>
+                  </a:extLst>
+                </a:gridCol>
+                <a:gridCol w="1446245">
+                  <a:extLst>
+                    <a:ext uri="{9D8B030D-6E8A-4147-A177-3AD203B41FA5}">
+                      <a16:colId xmlns:a16="http://schemas.microsoft.com/office/drawing/2014/main" val="3181022075"/>
+                    </a:ext>
+                  </a:extLst>
+                </a:gridCol>
+                <a:gridCol w="1193913">
+                  <a:extLst>
+                    <a:ext uri="{9D8B030D-6E8A-4147-A177-3AD203B41FA5}">
+                      <a16:colId xmlns:a16="http://schemas.microsoft.com/office/drawing/2014/main" val="960724525"/>
+                    </a:ext>
+                  </a:extLst>
+                </a:gridCol>
+                <a:gridCol w="1302026">
+                  <a:extLst>
+                    <a:ext uri="{9D8B030D-6E8A-4147-A177-3AD203B41FA5}">
+                      <a16:colId xmlns:a16="http://schemas.microsoft.com/office/drawing/2014/main" val="1180017506"/>
+                    </a:ext>
+                  </a:extLst>
+                </a:gridCol>
+                <a:gridCol w="1419312">
+                  <a:extLst>
+                    <a:ext uri="{9D8B030D-6E8A-4147-A177-3AD203B41FA5}">
+                      <a16:colId xmlns:a16="http://schemas.microsoft.com/office/drawing/2014/main" val="600202605"/>
+                    </a:ext>
+                  </a:extLst>
+                </a:gridCol>
+              </a:tblGrid>
+              <a:tr h="455028">
+                <a:tc>
+                  <a:txBody>
+                    <a:bodyPr/>
+                    <a:lstStyle/>
+                    <a:p>
+                      <a:pPr latinLnBrk="1"/>
+                      <a:r>
+                        <a:rPr lang="en-US" altLang="ko-KR" sz="1200" dirty="0"/>
+                        <a:t>NUM</a:t>
+                      </a:r>
+                      <a:endParaRPr lang="ko-KR" altLang="en-US" sz="1200" dirty="0"/>
+                    </a:p>
+                  </a:txBody>
+                  <a:tcPr>
+                    <a:solidFill>
+                      <a:schemeClr val="bg1">
+                        <a:lumMod val="85000"/>
+                      </a:schemeClr>
+                    </a:solidFill>
+                  </a:tcPr>
+                </a:tc>
+                <a:tc>
+                  <a:txBody>
+                    <a:bodyPr/>
+                    <a:lstStyle/>
+                    <a:p>
+                      <a:pPr latinLnBrk="1"/>
+                      <a:r>
+                        <a:rPr lang="ko-KR" altLang="en-US" sz="1200" dirty="0"/>
+                        <a:t>클래스 명</a:t>
+                      </a:r>
+                    </a:p>
+                  </a:txBody>
+                  <a:tcPr>
+                    <a:solidFill>
+                      <a:schemeClr val="bg1">
+                        <a:lumMod val="85000"/>
+                      </a:schemeClr>
+                    </a:solidFill>
+                  </a:tcPr>
+                </a:tc>
+                <a:tc>
+                  <a:txBody>
+                    <a:bodyPr/>
+                    <a:lstStyle/>
+                    <a:p>
+                      <a:pPr latinLnBrk="1"/>
+                      <a:r>
+                        <a:rPr lang="ko-KR" altLang="en-US" sz="1200" dirty="0"/>
+                        <a:t>클래스 </a:t>
+                      </a:r>
+                    </a:p>
+                  </a:txBody>
+                  <a:tcPr>
+                    <a:solidFill>
+                      <a:schemeClr val="bg1">
+                        <a:lumMod val="85000"/>
+                      </a:schemeClr>
+                    </a:solidFill>
+                  </a:tcPr>
+                </a:tc>
+                <a:tc>
+                  <a:txBody>
+                    <a:bodyPr/>
+                    <a:lstStyle/>
+                    <a:p>
+                      <a:pPr latinLnBrk="1"/>
+                      <a:r>
+                        <a:rPr lang="ko-KR" altLang="en-US" sz="1200" dirty="0"/>
+                        <a:t>상세 내용 </a:t>
+                      </a:r>
+                    </a:p>
+                  </a:txBody>
+                  <a:tcPr>
+                    <a:solidFill>
+                      <a:schemeClr val="bg1">
+                        <a:lumMod val="85000"/>
+                      </a:schemeClr>
+                    </a:solidFill>
+                  </a:tcPr>
+                </a:tc>
+                <a:tc>
+                  <a:txBody>
+                    <a:bodyPr/>
+                    <a:lstStyle/>
+                    <a:p>
+                      <a:pPr latinLnBrk="1"/>
+                      <a:r>
+                        <a:rPr lang="ko-KR" altLang="en-US" sz="1200" dirty="0"/>
+                        <a:t>등록 날짜</a:t>
+                      </a:r>
+                    </a:p>
+                  </a:txBody>
+                  <a:tcPr>
+                    <a:solidFill>
+                      <a:schemeClr val="bg1">
+                        <a:lumMod val="85000"/>
+                      </a:schemeClr>
+                    </a:solidFill>
+                  </a:tcPr>
+                </a:tc>
+                <a:tc>
+                  <a:txBody>
+                    <a:bodyPr/>
+                    <a:lstStyle/>
+                    <a:p>
+                      <a:pPr latinLnBrk="1"/>
+                      <a:r>
+                        <a:rPr lang="ko-KR" altLang="en-US" sz="1200" dirty="0"/>
+                        <a:t>마감 날짜 </a:t>
+                      </a:r>
+                    </a:p>
+                  </a:txBody>
+                  <a:tcPr>
+                    <a:solidFill>
+                      <a:schemeClr val="bg1">
+                        <a:lumMod val="85000"/>
+                      </a:schemeClr>
+                    </a:solidFill>
+                  </a:tcPr>
+                </a:tc>
+                <a:extLst>
+                  <a:ext uri="{0D108BD9-81ED-4DB2-BD59-A6C34878D82A}">
+                    <a16:rowId xmlns:a16="http://schemas.microsoft.com/office/drawing/2014/main" val="2638491739"/>
+                  </a:ext>
+                </a:extLst>
+              </a:tr>
+              <a:tr h="455028">
+                <a:tc>
+                  <a:txBody>
+                    <a:bodyPr/>
+                    <a:lstStyle/>
+                    <a:p>
+                      <a:pPr latinLnBrk="1"/>
+                      <a:r>
+                        <a:rPr lang="en-US" altLang="ko-KR" sz="1200" dirty="0"/>
+                        <a:t>1</a:t>
+                      </a:r>
+                      <a:endParaRPr lang="ko-KR" altLang="en-US" sz="1200" dirty="0"/>
+                    </a:p>
+                  </a:txBody>
+                  <a:tcPr>
+                    <a:solidFill>
+                      <a:schemeClr val="bg1">
+                        <a:lumMod val="85000"/>
+                      </a:schemeClr>
+                    </a:solidFill>
+                  </a:tcPr>
+                </a:tc>
+                <a:tc>
+                  <a:txBody>
+                    <a:bodyPr/>
+                    <a:lstStyle/>
+                    <a:p>
+                      <a:pPr latinLnBrk="1"/>
+                      <a:endParaRPr lang="ko-KR" altLang="en-US" sz="1200" dirty="0"/>
+                    </a:p>
+                  </a:txBody>
+                  <a:tcPr>
+                    <a:solidFill>
+                      <a:schemeClr val="bg1">
+                        <a:lumMod val="85000"/>
+                      </a:schemeClr>
+                    </a:solidFill>
+                  </a:tcPr>
+                </a:tc>
+                <a:tc>
+                  <a:txBody>
+                    <a:bodyPr/>
+                    <a:lstStyle/>
+                    <a:p>
+                      <a:pPr latinLnBrk="1"/>
+                      <a:endParaRPr lang="ko-KR" altLang="en-US" sz="1200" dirty="0"/>
+                    </a:p>
+                  </a:txBody>
+                  <a:tcPr>
+                    <a:solidFill>
+                      <a:schemeClr val="bg1">
+                        <a:lumMod val="85000"/>
+                      </a:schemeClr>
+                    </a:solidFill>
+                  </a:tcPr>
+                </a:tc>
+                <a:tc>
+                  <a:txBody>
+                    <a:bodyPr/>
+                    <a:lstStyle/>
+                    <a:p>
+                      <a:pPr latinLnBrk="1"/>
+                      <a:r>
+                        <a:rPr lang="en-US" altLang="ko-KR" sz="1200" dirty="0">
+                          <a:solidFill>
+                            <a:srgbClr val="FF0000"/>
+                          </a:solidFill>
+                        </a:rPr>
+                        <a:t>PDF </a:t>
+                      </a:r>
+                      <a:r>
+                        <a:rPr lang="ko-KR" altLang="en-US" sz="1200" dirty="0">
+                          <a:solidFill>
+                            <a:srgbClr val="FF0000"/>
+                          </a:solidFill>
+                        </a:rPr>
+                        <a:t>만 지원 </a:t>
+                      </a:r>
+                    </a:p>
+                  </a:txBody>
+                  <a:tcPr>
+                    <a:solidFill>
+                      <a:schemeClr val="bg1">
+                        <a:lumMod val="85000"/>
+                      </a:schemeClr>
+                    </a:solidFill>
+                  </a:tcPr>
+                </a:tc>
+                <a:tc>
+                  <a:txBody>
+                    <a:bodyPr/>
+                    <a:lstStyle/>
+                    <a:p>
+                      <a:pPr latinLnBrk="1"/>
+                      <a:endParaRPr lang="ko-KR" altLang="en-US" sz="1200" dirty="0"/>
+                    </a:p>
+                  </a:txBody>
+                  <a:tcPr>
+                    <a:solidFill>
+                      <a:schemeClr val="bg1">
+                        <a:lumMod val="85000"/>
+                      </a:schemeClr>
+                    </a:solidFill>
+                  </a:tcPr>
+                </a:tc>
+                <a:tc>
+                  <a:txBody>
+                    <a:bodyPr/>
+                    <a:lstStyle/>
+                    <a:p>
+                      <a:pPr latinLnBrk="1"/>
+                      <a:endParaRPr lang="ko-KR" altLang="en-US" sz="1200" dirty="0"/>
+                    </a:p>
+                  </a:txBody>
+                  <a:tcPr>
+                    <a:solidFill>
+                      <a:schemeClr val="bg1">
+                        <a:lumMod val="85000"/>
+                      </a:schemeClr>
+                    </a:solidFill>
+                  </a:tcPr>
+                </a:tc>
+                <a:extLst>
+                  <a:ext uri="{0D108BD9-81ED-4DB2-BD59-A6C34878D82A}">
+                    <a16:rowId xmlns:a16="http://schemas.microsoft.com/office/drawing/2014/main" val="926575560"/>
+                  </a:ext>
+                </a:extLst>
+              </a:tr>
+              <a:tr h="455028">
+                <a:tc>
+                  <a:txBody>
+                    <a:bodyPr/>
+                    <a:lstStyle/>
+                    <a:p>
+                      <a:pPr latinLnBrk="1"/>
+                      <a:r>
+                        <a:rPr lang="en-US" altLang="ko-KR" sz="1200" dirty="0"/>
+                        <a:t>2</a:t>
+                      </a:r>
+                      <a:endParaRPr lang="ko-KR" altLang="en-US" sz="1200" dirty="0"/>
+                    </a:p>
+                  </a:txBody>
+                  <a:tcPr>
+                    <a:solidFill>
+                      <a:schemeClr val="bg1">
+                        <a:lumMod val="85000"/>
+                      </a:schemeClr>
+                    </a:solidFill>
+                  </a:tcPr>
+                </a:tc>
+                <a:tc>
+                  <a:txBody>
+                    <a:bodyPr/>
+                    <a:lstStyle/>
+                    <a:p>
+                      <a:pPr latinLnBrk="1"/>
+                      <a:endParaRPr lang="ko-KR" altLang="en-US" sz="1200" dirty="0"/>
+                    </a:p>
+                  </a:txBody>
+                  <a:tcPr>
+                    <a:solidFill>
+                      <a:schemeClr val="bg1">
+                        <a:lumMod val="85000"/>
+                      </a:schemeClr>
+                    </a:solidFill>
+                  </a:tcPr>
+                </a:tc>
+                <a:tc>
+                  <a:txBody>
+                    <a:bodyPr/>
+                    <a:lstStyle/>
+                    <a:p>
+                      <a:pPr latinLnBrk="1"/>
+                      <a:endParaRPr lang="ko-KR" altLang="en-US" sz="1200" dirty="0"/>
+                    </a:p>
+                  </a:txBody>
+                  <a:tcPr>
+                    <a:solidFill>
+                      <a:schemeClr val="bg1">
+                        <a:lumMod val="85000"/>
+                      </a:schemeClr>
+                    </a:solidFill>
+                  </a:tcPr>
+                </a:tc>
+                <a:tc>
+                  <a:txBody>
+                    <a:bodyPr/>
+                    <a:lstStyle/>
+                    <a:p>
+                      <a:pPr latinLnBrk="1"/>
+                      <a:endParaRPr lang="ko-KR" altLang="en-US" sz="1200" dirty="0"/>
+                    </a:p>
+                  </a:txBody>
+                  <a:tcPr>
+                    <a:solidFill>
+                      <a:schemeClr val="bg1">
+                        <a:lumMod val="85000"/>
+                      </a:schemeClr>
+                    </a:solidFill>
+                  </a:tcPr>
+                </a:tc>
+                <a:tc>
+                  <a:txBody>
+                    <a:bodyPr/>
+                    <a:lstStyle/>
+                    <a:p>
+                      <a:pPr latinLnBrk="1"/>
+                      <a:endParaRPr lang="ko-KR" altLang="en-US" sz="1200" dirty="0"/>
+                    </a:p>
+                  </a:txBody>
+                  <a:tcPr>
+                    <a:solidFill>
+                      <a:schemeClr val="bg1">
+                        <a:lumMod val="85000"/>
+                      </a:schemeClr>
+                    </a:solidFill>
+                  </a:tcPr>
+                </a:tc>
+                <a:tc>
+                  <a:txBody>
+                    <a:bodyPr/>
+                    <a:lstStyle/>
+                    <a:p>
+                      <a:pPr latinLnBrk="1"/>
+                      <a:endParaRPr lang="ko-KR" altLang="en-US" sz="1200" dirty="0"/>
+                    </a:p>
+                  </a:txBody>
+                  <a:tcPr>
+                    <a:solidFill>
+                      <a:schemeClr val="bg1">
+                        <a:lumMod val="85000"/>
+                      </a:schemeClr>
+                    </a:solidFill>
+                  </a:tcPr>
+                </a:tc>
+                <a:extLst>
+                  <a:ext uri="{0D108BD9-81ED-4DB2-BD59-A6C34878D82A}">
+                    <a16:rowId xmlns:a16="http://schemas.microsoft.com/office/drawing/2014/main" val="4206090399"/>
+                  </a:ext>
+                </a:extLst>
+              </a:tr>
+              <a:tr h="455028">
+                <a:tc>
+                  <a:txBody>
+                    <a:bodyPr/>
+                    <a:lstStyle/>
+                    <a:p>
+                      <a:pPr latinLnBrk="1"/>
+                      <a:r>
+                        <a:rPr lang="en-US" altLang="ko-KR" sz="1200" dirty="0"/>
+                        <a:t>3</a:t>
+                      </a:r>
+                      <a:endParaRPr lang="ko-KR" altLang="en-US" sz="1200" dirty="0"/>
+                    </a:p>
+                  </a:txBody>
+                  <a:tcPr>
+                    <a:solidFill>
+                      <a:schemeClr val="bg1">
+                        <a:lumMod val="85000"/>
+                      </a:schemeClr>
+                    </a:solidFill>
+                  </a:tcPr>
+                </a:tc>
+                <a:tc>
+                  <a:txBody>
+                    <a:bodyPr/>
+                    <a:lstStyle/>
+                    <a:p>
+                      <a:pPr latinLnBrk="1"/>
+                      <a:endParaRPr lang="ko-KR" altLang="en-US" sz="1200" dirty="0"/>
+                    </a:p>
+                  </a:txBody>
+                  <a:tcPr>
+                    <a:solidFill>
+                      <a:schemeClr val="bg1">
+                        <a:lumMod val="85000"/>
+                      </a:schemeClr>
+                    </a:solidFill>
+                  </a:tcPr>
+                </a:tc>
+                <a:tc>
+                  <a:txBody>
+                    <a:bodyPr/>
+                    <a:lstStyle/>
+                    <a:p>
+                      <a:pPr latinLnBrk="1"/>
+                      <a:endParaRPr lang="ko-KR" altLang="en-US" sz="1200" dirty="0"/>
+                    </a:p>
+                  </a:txBody>
+                  <a:tcPr>
+                    <a:solidFill>
+                      <a:schemeClr val="bg1">
+                        <a:lumMod val="85000"/>
+                      </a:schemeClr>
+                    </a:solidFill>
+                  </a:tcPr>
+                </a:tc>
+                <a:tc>
+                  <a:txBody>
+                    <a:bodyPr/>
+                    <a:lstStyle/>
+                    <a:p>
+                      <a:pPr latinLnBrk="1"/>
+                      <a:endParaRPr lang="ko-KR" altLang="en-US" sz="1200" dirty="0"/>
+                    </a:p>
+                  </a:txBody>
+                  <a:tcPr>
+                    <a:solidFill>
+                      <a:schemeClr val="bg1">
+                        <a:lumMod val="85000"/>
+                      </a:schemeClr>
+                    </a:solidFill>
+                  </a:tcPr>
+                </a:tc>
+                <a:tc>
+                  <a:txBody>
+                    <a:bodyPr/>
+                    <a:lstStyle/>
+                    <a:p>
+                      <a:pPr latinLnBrk="1"/>
+                      <a:endParaRPr lang="ko-KR" altLang="en-US" sz="1200" dirty="0"/>
+                    </a:p>
+                  </a:txBody>
+                  <a:tcPr>
+                    <a:solidFill>
+                      <a:schemeClr val="bg1">
+                        <a:lumMod val="85000"/>
+                      </a:schemeClr>
+                    </a:solidFill>
+                  </a:tcPr>
+                </a:tc>
+                <a:tc>
+                  <a:txBody>
+                    <a:bodyPr/>
+                    <a:lstStyle/>
+                    <a:p>
+                      <a:pPr latinLnBrk="1"/>
+                      <a:endParaRPr lang="ko-KR" altLang="en-US" sz="1200" dirty="0"/>
+                    </a:p>
+                  </a:txBody>
+                  <a:tcPr>
+                    <a:solidFill>
+                      <a:schemeClr val="bg1">
+                        <a:lumMod val="85000"/>
+                      </a:schemeClr>
+                    </a:solidFill>
+                  </a:tcPr>
+                </a:tc>
+                <a:extLst>
+                  <a:ext uri="{0D108BD9-81ED-4DB2-BD59-A6C34878D82A}">
+                    <a16:rowId xmlns:a16="http://schemas.microsoft.com/office/drawing/2014/main" val="2524170042"/>
+                  </a:ext>
+                </a:extLst>
+              </a:tr>
+              <a:tr h="455028">
+                <a:tc>
+                  <a:txBody>
+                    <a:bodyPr/>
+                    <a:lstStyle/>
+                    <a:p>
+                      <a:pPr latinLnBrk="1"/>
+                      <a:r>
+                        <a:rPr lang="en-US" altLang="ko-KR" sz="1200" dirty="0"/>
+                        <a:t>4</a:t>
+                      </a:r>
+                      <a:endParaRPr lang="ko-KR" altLang="en-US" sz="1200" dirty="0"/>
+                    </a:p>
+                  </a:txBody>
+                  <a:tcPr>
+                    <a:solidFill>
+                      <a:schemeClr val="bg1">
+                        <a:lumMod val="85000"/>
+                      </a:schemeClr>
+                    </a:solidFill>
+                  </a:tcPr>
+                </a:tc>
+                <a:tc>
+                  <a:txBody>
+                    <a:bodyPr/>
+                    <a:lstStyle/>
+                    <a:p>
+                      <a:pPr latinLnBrk="1"/>
+                      <a:endParaRPr lang="ko-KR" altLang="en-US" sz="1200" dirty="0"/>
+                    </a:p>
+                  </a:txBody>
+                  <a:tcPr>
+                    <a:solidFill>
+                      <a:schemeClr val="bg1">
+                        <a:lumMod val="85000"/>
+                      </a:schemeClr>
+                    </a:solidFill>
+                  </a:tcPr>
+                </a:tc>
+                <a:tc>
+                  <a:txBody>
+                    <a:bodyPr/>
+                    <a:lstStyle/>
+                    <a:p>
+                      <a:pPr latinLnBrk="1"/>
+                      <a:endParaRPr lang="ko-KR" altLang="en-US" sz="1200" dirty="0"/>
+                    </a:p>
+                  </a:txBody>
+                  <a:tcPr>
+                    <a:solidFill>
+                      <a:schemeClr val="bg1">
+                        <a:lumMod val="85000"/>
+                      </a:schemeClr>
+                    </a:solidFill>
+                  </a:tcPr>
+                </a:tc>
+                <a:tc>
+                  <a:txBody>
+                    <a:bodyPr/>
+                    <a:lstStyle/>
+                    <a:p>
+                      <a:pPr latinLnBrk="1"/>
+                      <a:endParaRPr lang="ko-KR" altLang="en-US" sz="1200" dirty="0"/>
+                    </a:p>
+                  </a:txBody>
+                  <a:tcPr>
+                    <a:solidFill>
+                      <a:schemeClr val="bg1">
+                        <a:lumMod val="85000"/>
+                      </a:schemeClr>
+                    </a:solidFill>
+                  </a:tcPr>
+                </a:tc>
+                <a:tc>
+                  <a:txBody>
+                    <a:bodyPr/>
+                    <a:lstStyle/>
+                    <a:p>
+                      <a:pPr latinLnBrk="1"/>
+                      <a:endParaRPr lang="ko-KR" altLang="en-US" sz="1200" dirty="0"/>
+                    </a:p>
+                  </a:txBody>
+                  <a:tcPr>
+                    <a:solidFill>
+                      <a:schemeClr val="bg1">
+                        <a:lumMod val="85000"/>
+                      </a:schemeClr>
+                    </a:solidFill>
+                  </a:tcPr>
+                </a:tc>
+                <a:tc>
+                  <a:txBody>
+                    <a:bodyPr/>
+                    <a:lstStyle/>
+                    <a:p>
+                      <a:pPr latinLnBrk="1"/>
+                      <a:endParaRPr lang="ko-KR" altLang="en-US" sz="1200" dirty="0"/>
+                    </a:p>
+                  </a:txBody>
+                  <a:tcPr>
+                    <a:solidFill>
+                      <a:schemeClr val="bg1">
+                        <a:lumMod val="85000"/>
+                      </a:schemeClr>
+                    </a:solidFill>
+                  </a:tcPr>
+                </a:tc>
+                <a:extLst>
+                  <a:ext uri="{0D108BD9-81ED-4DB2-BD59-A6C34878D82A}">
+                    <a16:rowId xmlns:a16="http://schemas.microsoft.com/office/drawing/2014/main" val="355759515"/>
+                  </a:ext>
+                </a:extLst>
+              </a:tr>
+            </a:tbl>
+          </a:graphicData>
+        </a:graphic>
+      </p:graphicFrame>
+      <p:sp>
+        <p:nvSpPr>
+          <p:cNvPr id="4" name="사각형: 둥근 모서리 3">
+            <a:extLst>
+              <a:ext uri="{FF2B5EF4-FFF2-40B4-BE49-F238E27FC236}">
+                <a16:creationId xmlns:a16="http://schemas.microsoft.com/office/drawing/2014/main" id="{6648464C-BB50-1054-AA9A-D05D669D52A8}"/>
+              </a:ext>
+            </a:extLst>
+          </p:cNvPr>
+          <p:cNvSpPr/>
+          <p:nvPr/>
+        </p:nvSpPr>
+        <p:spPr>
+          <a:xfrm>
+            <a:off x="2162770" y="1175510"/>
+            <a:ext cx="1530926" cy="457200"/>
+          </a:xfrm>
+          <a:prstGeom prst="roundRect">
+            <a:avLst/>
+          </a:prstGeom>
+          <a:solidFill>
+            <a:schemeClr val="bg1"/>
+          </a:solidFill>
+          <a:ln>
+            <a:solidFill>
+              <a:schemeClr val="tx1"/>
+            </a:solidFill>
+          </a:ln>
+        </p:spPr>
+        <p:style>
+          <a:lnRef idx="2">
+            <a:schemeClr val="accent1">
+              <a:shade val="15000"/>
+            </a:schemeClr>
+          </a:lnRef>
+          <a:fillRef idx="1">
+            <a:schemeClr val="accent1"/>
+          </a:fillRef>
+          <a:effectRef idx="0">
+            <a:schemeClr val="accent1"/>
+          </a:effectRef>
+          <a:fontRef idx="minor">
+            <a:schemeClr val="lt1"/>
+          </a:fontRef>
+        </p:style>
+        <p:txBody>
+          <a:bodyPr rtlCol="0" anchor="ctr"/>
+          <a:lstStyle/>
+          <a:p>
+            <a:pPr algn="ctr"/>
+            <a:r>
+              <a:rPr lang="ko-KR" altLang="en-US" sz="1200" dirty="0">
+                <a:solidFill>
+                  <a:schemeClr val="tx1"/>
+                </a:solidFill>
+              </a:rPr>
+              <a:t>모임 목록</a:t>
+            </a:r>
+          </a:p>
+        </p:txBody>
+      </p:sp>
+      <p:sp>
+        <p:nvSpPr>
+          <p:cNvPr id="5" name="TextBox 4">
+            <a:extLst>
+              <a:ext uri="{FF2B5EF4-FFF2-40B4-BE49-F238E27FC236}">
+                <a16:creationId xmlns:a16="http://schemas.microsoft.com/office/drawing/2014/main" id="{58744E53-E1A4-22B5-0CFE-DBE1157013FB}"/>
+              </a:ext>
+            </a:extLst>
+          </p:cNvPr>
+          <p:cNvSpPr txBox="1"/>
+          <p:nvPr/>
+        </p:nvSpPr>
+        <p:spPr>
+          <a:xfrm>
+            <a:off x="9445557" y="403932"/>
+            <a:ext cx="2704587" cy="923330"/>
+          </a:xfrm>
+          <a:prstGeom prst="rect">
+            <a:avLst/>
+          </a:prstGeom>
+          <a:noFill/>
+        </p:spPr>
+        <p:txBody>
+          <a:bodyPr wrap="none" rtlCol="0">
+            <a:spAutoFit/>
+          </a:bodyPr>
+          <a:lstStyle/>
+          <a:p>
+            <a:r>
+              <a:rPr lang="en-US" altLang="ko-KR" dirty="0"/>
+              <a:t>Q</a:t>
+            </a:r>
+          </a:p>
+          <a:p>
+            <a:r>
+              <a:rPr lang="ko-KR" altLang="en-US" dirty="0"/>
+              <a:t>모임</a:t>
+            </a:r>
+            <a:r>
+              <a:rPr lang="en-US" altLang="ko-KR" dirty="0"/>
+              <a:t> </a:t>
+            </a:r>
+            <a:r>
+              <a:rPr lang="ko-KR" altLang="en-US" dirty="0"/>
+              <a:t>요청 목록의 경우엔 </a:t>
+            </a:r>
+            <a:endParaRPr lang="en-US" altLang="ko-KR" dirty="0"/>
+          </a:p>
+          <a:p>
+            <a:r>
+              <a:rPr lang="ko-KR" altLang="en-US" dirty="0"/>
+              <a:t>사업자만 신청 가능 </a:t>
+            </a:r>
+            <a:endParaRPr lang="en-US" altLang="ko-KR" dirty="0"/>
+          </a:p>
+        </p:txBody>
+      </p:sp>
+      <p:sp>
+        <p:nvSpPr>
+          <p:cNvPr id="8" name="사각형: 둥근 모서리 7">
+            <a:extLst>
+              <a:ext uri="{FF2B5EF4-FFF2-40B4-BE49-F238E27FC236}">
+                <a16:creationId xmlns:a16="http://schemas.microsoft.com/office/drawing/2014/main" id="{6A3E78CC-BD3F-0CEB-351E-88BB5FE99D3F}"/>
+              </a:ext>
+            </a:extLst>
+          </p:cNvPr>
+          <p:cNvSpPr/>
+          <p:nvPr/>
+        </p:nvSpPr>
+        <p:spPr>
+          <a:xfrm>
+            <a:off x="3693696" y="1185943"/>
+            <a:ext cx="1530926" cy="457200"/>
+          </a:xfrm>
+          <a:prstGeom prst="roundRect">
+            <a:avLst/>
+          </a:prstGeom>
+          <a:solidFill>
+            <a:schemeClr val="accent2">
+              <a:lumMod val="40000"/>
+              <a:lumOff val="60000"/>
+            </a:schemeClr>
+          </a:solidFill>
+          <a:ln>
+            <a:solidFill>
+              <a:schemeClr val="tx1"/>
+            </a:solidFill>
+          </a:ln>
+        </p:spPr>
+        <p:style>
+          <a:lnRef idx="2">
+            <a:schemeClr val="accent1">
+              <a:shade val="15000"/>
+            </a:schemeClr>
+          </a:lnRef>
+          <a:fillRef idx="1">
+            <a:schemeClr val="accent1"/>
+          </a:fillRef>
+          <a:effectRef idx="0">
+            <a:schemeClr val="accent1"/>
+          </a:effectRef>
+          <a:fontRef idx="minor">
+            <a:schemeClr val="lt1"/>
+          </a:fontRef>
+        </p:style>
+        <p:txBody>
+          <a:bodyPr rtlCol="0" anchor="ctr"/>
+          <a:lstStyle/>
+          <a:p>
+            <a:pPr algn="ctr"/>
+            <a:r>
+              <a:rPr lang="ko-KR" altLang="en-US" sz="1200" dirty="0">
+                <a:solidFill>
+                  <a:schemeClr val="bg1"/>
+                </a:solidFill>
+              </a:rPr>
+              <a:t>클래스 목록</a:t>
+            </a:r>
+          </a:p>
+        </p:txBody>
+      </p:sp>
+      <p:sp>
+        <p:nvSpPr>
+          <p:cNvPr id="9" name="사각형: 둥근 모서리 8">
+            <a:extLst>
+              <a:ext uri="{FF2B5EF4-FFF2-40B4-BE49-F238E27FC236}">
+                <a16:creationId xmlns:a16="http://schemas.microsoft.com/office/drawing/2014/main" id="{75A857BC-C3A4-C2F5-2DD4-2D21933C8D37}"/>
+              </a:ext>
+            </a:extLst>
+          </p:cNvPr>
+          <p:cNvSpPr/>
+          <p:nvPr/>
+        </p:nvSpPr>
+        <p:spPr>
+          <a:xfrm>
+            <a:off x="5181741" y="1185943"/>
+            <a:ext cx="1530926" cy="457200"/>
+          </a:xfrm>
+          <a:prstGeom prst="roundRect">
+            <a:avLst/>
+          </a:prstGeom>
+          <a:solidFill>
+            <a:schemeClr val="bg1"/>
+          </a:solidFill>
+          <a:ln>
+            <a:solidFill>
+              <a:schemeClr val="tx1"/>
+            </a:solidFill>
+          </a:ln>
+        </p:spPr>
+        <p:style>
+          <a:lnRef idx="2">
+            <a:schemeClr val="accent1">
+              <a:shade val="15000"/>
+            </a:schemeClr>
+          </a:lnRef>
+          <a:fillRef idx="1">
+            <a:schemeClr val="accent1"/>
+          </a:fillRef>
+          <a:effectRef idx="0">
+            <a:schemeClr val="accent1"/>
+          </a:effectRef>
+          <a:fontRef idx="minor">
+            <a:schemeClr val="lt1"/>
+          </a:fontRef>
+        </p:style>
+        <p:txBody>
+          <a:bodyPr rtlCol="0" anchor="ctr"/>
+          <a:lstStyle/>
+          <a:p>
+            <a:pPr algn="ctr"/>
+            <a:r>
+              <a:rPr lang="ko-KR" altLang="en-US" sz="1200" dirty="0">
+                <a:solidFill>
+                  <a:schemeClr val="tx1"/>
+                </a:solidFill>
+              </a:rPr>
+              <a:t>클래스 요청 목록</a:t>
+            </a:r>
+          </a:p>
+        </p:txBody>
+      </p:sp>
+    </p:spTree>
+    <p:extLst>
+      <p:ext uri="{BB962C8B-B14F-4D97-AF65-F5344CB8AC3E}">
+        <p14:creationId xmlns:p14="http://schemas.microsoft.com/office/powerpoint/2010/main" val="259187678"/>
+      </p:ext>
+    </p:extLst>
+  </p:cSld>
+  <p:clrMapOvr>
+    <a:masterClrMapping/>
+  </p:clrMapOvr>
+</p:sld>
+</file>
+
+<file path=ppt/slides/slide9.xml><?xml version="1.0" encoding="utf-8"?>
+<p:sld xmlns:a="http://schemas.openxmlformats.org/drawingml/2006/main" xmlns:r="http://schemas.openxmlformats.org/officeDocument/2006/relationships" xmlns:p="http://schemas.openxmlformats.org/presentationml/2006/main">
+  <p:cSld>
+    <p:spTree>
+      <p:nvGrpSpPr>
+        <p:cNvPr id="1" name="">
+          <a:extLst>
+            <a:ext uri="{FF2B5EF4-FFF2-40B4-BE49-F238E27FC236}">
+              <a16:creationId xmlns:a16="http://schemas.microsoft.com/office/drawing/2014/main" id="{3E3BE1FC-FC93-3DDA-97B1-7916643AB443}"/>
+            </a:ext>
+          </a:extLst>
+        </p:cNvPr>
+        <p:cNvGrpSpPr/>
+        <p:nvPr/>
+      </p:nvGrpSpPr>
+      <p:grpSpPr>
+        <a:xfrm>
+          <a:off x="0" y="0"/>
+          <a:ext cx="0" cy="0"/>
+          <a:chOff x="0" y="0"/>
+          <a:chExt cx="0" cy="0"/>
+        </a:xfrm>
+      </p:grpSpPr>
+      <p:sp>
+        <p:nvSpPr>
+          <p:cNvPr id="6" name="직사각형 5">
+            <a:extLst>
+              <a:ext uri="{FF2B5EF4-FFF2-40B4-BE49-F238E27FC236}">
+                <a16:creationId xmlns:a16="http://schemas.microsoft.com/office/drawing/2014/main" id="{25B89222-657D-6B21-3176-33D88C279C73}"/>
+              </a:ext>
+            </a:extLst>
+          </p:cNvPr>
+          <p:cNvSpPr/>
+          <p:nvPr/>
+        </p:nvSpPr>
+        <p:spPr>
+          <a:xfrm>
+            <a:off x="184559" y="905347"/>
+            <a:ext cx="9059030" cy="5285902"/>
+          </a:xfrm>
+          <a:prstGeom prst="rect">
+            <a:avLst/>
+          </a:prstGeom>
+          <a:noFill/>
+        </p:spPr>
+        <p:style>
+          <a:lnRef idx="2">
+            <a:schemeClr val="accent1">
+              <a:shade val="15000"/>
+            </a:schemeClr>
+          </a:lnRef>
+          <a:fillRef idx="1">
+            <a:schemeClr val="accent1"/>
+          </a:fillRef>
+          <a:effectRef idx="0">
+            <a:schemeClr val="accent1"/>
+          </a:effectRef>
+          <a:fontRef idx="minor">
+            <a:schemeClr val="lt1"/>
+          </a:fontRef>
+        </p:style>
+        <p:txBody>
+          <a:bodyPr rtlCol="0" anchor="ctr"/>
+          <a:lstStyle/>
+          <a:p>
+            <a:pPr algn="ctr"/>
+            <a:endParaRPr lang="ko-KR" altLang="en-US"/>
+          </a:p>
+        </p:txBody>
+      </p:sp>
+      <p:sp>
+        <p:nvSpPr>
+          <p:cNvPr id="7" name="직사각형 6">
+            <a:extLst>
+              <a:ext uri="{FF2B5EF4-FFF2-40B4-BE49-F238E27FC236}">
+                <a16:creationId xmlns:a16="http://schemas.microsoft.com/office/drawing/2014/main" id="{FAA69BB1-1DFF-D07E-F67A-8BFF4E46EFE8}"/>
+              </a:ext>
+            </a:extLst>
+          </p:cNvPr>
+          <p:cNvSpPr/>
+          <p:nvPr/>
+        </p:nvSpPr>
+        <p:spPr>
+          <a:xfrm>
+            <a:off x="9297908" y="179748"/>
+            <a:ext cx="2709533" cy="6011501"/>
+          </a:xfrm>
+          <a:prstGeom prst="rect">
+            <a:avLst/>
+          </a:prstGeom>
+          <a:noFill/>
+        </p:spPr>
+        <p:style>
+          <a:lnRef idx="2">
+            <a:schemeClr val="accent1">
+              <a:shade val="15000"/>
+            </a:schemeClr>
+          </a:lnRef>
+          <a:fillRef idx="1">
+            <a:schemeClr val="accent1"/>
+          </a:fillRef>
+          <a:effectRef idx="0">
+            <a:schemeClr val="accent1"/>
+          </a:effectRef>
+          <a:fontRef idx="minor">
+            <a:schemeClr val="lt1"/>
+          </a:fontRef>
+        </p:style>
+        <p:txBody>
+          <a:bodyPr rtlCol="0" anchor="ctr"/>
+          <a:lstStyle/>
+          <a:p>
+            <a:pPr algn="ctr"/>
+            <a:endParaRPr lang="ko-KR" altLang="en-US"/>
+          </a:p>
+        </p:txBody>
+      </p:sp>
+      <p:sp>
+        <p:nvSpPr>
+          <p:cNvPr id="2" name="TextBox 1">
+            <a:extLst>
+              <a:ext uri="{FF2B5EF4-FFF2-40B4-BE49-F238E27FC236}">
+                <a16:creationId xmlns:a16="http://schemas.microsoft.com/office/drawing/2014/main" id="{5CF62E7B-1246-4353-5C9F-5F31985C8F5B}"/>
+              </a:ext>
+            </a:extLst>
+          </p:cNvPr>
+          <p:cNvSpPr txBox="1"/>
+          <p:nvPr/>
+        </p:nvSpPr>
+        <p:spPr>
+          <a:xfrm>
+            <a:off x="184559" y="366119"/>
+            <a:ext cx="6094378" cy="369332"/>
+          </a:xfrm>
+          <a:prstGeom prst="rect">
+            <a:avLst/>
+          </a:prstGeom>
+          <a:noFill/>
+        </p:spPr>
+        <p:txBody>
+          <a:bodyPr wrap="square">
+            <a:spAutoFit/>
+          </a:bodyPr>
+          <a:lstStyle/>
+          <a:p>
+            <a:r>
+              <a:rPr lang="en-US" altLang="ko-KR" b="1" dirty="0"/>
+              <a:t>5. </a:t>
+            </a:r>
+            <a:r>
+              <a:rPr lang="ko-KR" altLang="en-US" b="1" dirty="0"/>
+              <a:t>모임 관리 </a:t>
+            </a:r>
+            <a:r>
+              <a:rPr lang="en-US" altLang="ko-KR" b="1" dirty="0"/>
+              <a:t>– </a:t>
+            </a:r>
+            <a:r>
+              <a:rPr lang="ko-KR" altLang="en-US" b="1" dirty="0"/>
+              <a:t>클래스 요청 목록 </a:t>
+            </a:r>
+          </a:p>
+        </p:txBody>
+      </p:sp>
+      <p:graphicFrame>
+        <p:nvGraphicFramePr>
+          <p:cNvPr id="3" name="표 2">
+            <a:extLst>
+              <a:ext uri="{FF2B5EF4-FFF2-40B4-BE49-F238E27FC236}">
+                <a16:creationId xmlns:a16="http://schemas.microsoft.com/office/drawing/2014/main" id="{A740C251-6F6F-DE96-D275-1F3EFFA74716}"/>
+              </a:ext>
+            </a:extLst>
+          </p:cNvPr>
+          <p:cNvGraphicFramePr>
+            <a:graphicFrameLocks noGrp="1"/>
+          </p:cNvGraphicFramePr>
+          <p:nvPr>
+            <p:extLst>
+              <p:ext uri="{D42A27DB-BD31-4B8C-83A1-F6EECF244321}">
+                <p14:modId xmlns:p14="http://schemas.microsoft.com/office/powerpoint/2010/main" val="2243894190"/>
+              </p:ext>
+            </p:extLst>
+          </p:nvPr>
+        </p:nvGraphicFramePr>
+        <p:xfrm>
+          <a:off x="2150738" y="1643524"/>
+          <a:ext cx="6812374" cy="2275140"/>
+        </p:xfrm>
+        <a:graphic>
+          <a:graphicData uri="http://schemas.openxmlformats.org/drawingml/2006/table">
+            <a:tbl>
+              <a:tblPr firstRow="1" bandRow="1">
+                <a:tableStyleId>{5C22544A-7EE6-4342-B048-85BDC9FD1C3A}</a:tableStyleId>
+              </a:tblPr>
+              <a:tblGrid>
+                <a:gridCol w="573801">
+                  <a:extLst>
+                    <a:ext uri="{9D8B030D-6E8A-4147-A177-3AD203B41FA5}">
+                      <a16:colId xmlns:a16="http://schemas.microsoft.com/office/drawing/2014/main" val="3458199729"/>
+                    </a:ext>
+                  </a:extLst>
+                </a:gridCol>
+                <a:gridCol w="877077">
+                  <a:extLst>
+                    <a:ext uri="{9D8B030D-6E8A-4147-A177-3AD203B41FA5}">
+                      <a16:colId xmlns:a16="http://schemas.microsoft.com/office/drawing/2014/main" val="1255691649"/>
+                    </a:ext>
+                  </a:extLst>
+                </a:gridCol>
+                <a:gridCol w="1446245">
+                  <a:extLst>
+                    <a:ext uri="{9D8B030D-6E8A-4147-A177-3AD203B41FA5}">
+                      <a16:colId xmlns:a16="http://schemas.microsoft.com/office/drawing/2014/main" val="3181022075"/>
+                    </a:ext>
+                  </a:extLst>
+                </a:gridCol>
+                <a:gridCol w="1395050">
+                  <a:extLst>
+                    <a:ext uri="{9D8B030D-6E8A-4147-A177-3AD203B41FA5}">
+                      <a16:colId xmlns:a16="http://schemas.microsoft.com/office/drawing/2014/main" val="960724525"/>
+                    </a:ext>
+                  </a:extLst>
+                </a:gridCol>
+                <a:gridCol w="667754">
+                  <a:extLst>
+                    <a:ext uri="{9D8B030D-6E8A-4147-A177-3AD203B41FA5}">
+                      <a16:colId xmlns:a16="http://schemas.microsoft.com/office/drawing/2014/main" val="1180017506"/>
+                    </a:ext>
+                  </a:extLst>
+                </a:gridCol>
+                <a:gridCol w="842210">
+                  <a:extLst>
+                    <a:ext uri="{9D8B030D-6E8A-4147-A177-3AD203B41FA5}">
+                      <a16:colId xmlns:a16="http://schemas.microsoft.com/office/drawing/2014/main" val="600202605"/>
+                    </a:ext>
+                  </a:extLst>
+                </a:gridCol>
+                <a:gridCol w="1010237">
+                  <a:extLst>
+                    <a:ext uri="{9D8B030D-6E8A-4147-A177-3AD203B41FA5}">
+                      <a16:colId xmlns:a16="http://schemas.microsoft.com/office/drawing/2014/main" val="1950397931"/>
+                    </a:ext>
+                  </a:extLst>
+                </a:gridCol>
+              </a:tblGrid>
+              <a:tr h="455028">
+                <a:tc>
+                  <a:txBody>
+                    <a:bodyPr/>
+                    <a:lstStyle/>
+                    <a:p>
+                      <a:pPr latinLnBrk="1"/>
+                      <a:r>
+                        <a:rPr lang="en-US" altLang="ko-KR" sz="1200" dirty="0"/>
+                        <a:t>NUM</a:t>
+                      </a:r>
+                      <a:endParaRPr lang="ko-KR" altLang="en-US" sz="1200" dirty="0"/>
+                    </a:p>
+                  </a:txBody>
+                  <a:tcPr>
+                    <a:solidFill>
+                      <a:schemeClr val="bg1">
+                        <a:lumMod val="85000"/>
+                      </a:schemeClr>
+                    </a:solidFill>
+                  </a:tcPr>
+                </a:tc>
+                <a:tc>
+                  <a:txBody>
+                    <a:bodyPr/>
+                    <a:lstStyle/>
+                    <a:p>
+                      <a:pPr latinLnBrk="1"/>
+                      <a:r>
+                        <a:rPr lang="ko-KR" altLang="en-US" sz="1200" dirty="0"/>
+                        <a:t>클래스 명</a:t>
+                      </a:r>
+                    </a:p>
+                  </a:txBody>
+                  <a:tcPr>
+                    <a:solidFill>
+                      <a:schemeClr val="bg1">
+                        <a:lumMod val="85000"/>
+                      </a:schemeClr>
+                    </a:solidFill>
+                  </a:tcPr>
+                </a:tc>
+                <a:tc>
+                  <a:txBody>
+                    <a:bodyPr/>
+                    <a:lstStyle/>
+                    <a:p>
+                      <a:pPr latinLnBrk="1"/>
+                      <a:r>
+                        <a:rPr lang="ko-KR" altLang="en-US" sz="1200" dirty="0"/>
+                        <a:t>클래스 신청</a:t>
+                      </a:r>
+                      <a:r>
+                        <a:rPr lang="en-US" altLang="ko-KR" sz="1200" dirty="0"/>
+                        <a:t> </a:t>
+                      </a:r>
+                      <a:r>
+                        <a:rPr lang="ko-KR" altLang="en-US" sz="1200" dirty="0"/>
+                        <a:t>제목</a:t>
+                      </a:r>
+                    </a:p>
+                  </a:txBody>
+                  <a:tcPr>
+                    <a:solidFill>
+                      <a:schemeClr val="bg1">
+                        <a:lumMod val="85000"/>
+                      </a:schemeClr>
+                    </a:solidFill>
+                  </a:tcPr>
+                </a:tc>
+                <a:tc>
+                  <a:txBody>
+                    <a:bodyPr/>
+                    <a:lstStyle/>
+                    <a:p>
+                      <a:pPr latinLnBrk="1"/>
+                      <a:r>
+                        <a:rPr lang="ko-KR" altLang="en-US" sz="1200" dirty="0"/>
+                        <a:t>상세 내용 </a:t>
+                      </a:r>
+                    </a:p>
+                  </a:txBody>
+                  <a:tcPr>
+                    <a:solidFill>
+                      <a:schemeClr val="bg1">
+                        <a:lumMod val="85000"/>
+                      </a:schemeClr>
+                    </a:solidFill>
+                  </a:tcPr>
+                </a:tc>
+                <a:tc>
+                  <a:txBody>
+                    <a:bodyPr/>
+                    <a:lstStyle/>
+                    <a:p>
+                      <a:pPr latinLnBrk="1"/>
+                      <a:r>
+                        <a:rPr lang="ko-KR" altLang="en-US" sz="1200" dirty="0"/>
+                        <a:t>등록</a:t>
+                      </a:r>
+                    </a:p>
+                  </a:txBody>
+                  <a:tcPr>
+                    <a:solidFill>
+                      <a:schemeClr val="bg1">
+                        <a:lumMod val="85000"/>
+                      </a:schemeClr>
+                    </a:solidFill>
+                  </a:tcPr>
+                </a:tc>
+                <a:tc>
+                  <a:txBody>
+                    <a:bodyPr/>
+                    <a:lstStyle/>
+                    <a:p>
+                      <a:pPr latinLnBrk="1"/>
+                      <a:r>
+                        <a:rPr lang="ko-KR" altLang="en-US" sz="1200" dirty="0"/>
+                        <a:t>요청 거부</a:t>
+                      </a:r>
+                    </a:p>
+                  </a:txBody>
+                  <a:tcPr>
+                    <a:solidFill>
+                      <a:schemeClr val="bg1">
+                        <a:lumMod val="85000"/>
+                      </a:schemeClr>
+                    </a:solidFill>
+                  </a:tcPr>
+                </a:tc>
+                <a:tc>
+                  <a:txBody>
+                    <a:bodyPr/>
+                    <a:lstStyle/>
+                    <a:p>
+                      <a:pPr latinLnBrk="1"/>
+                      <a:r>
+                        <a:rPr lang="ko-KR" altLang="en-US" sz="1200" dirty="0"/>
+                        <a:t>거부 사유 </a:t>
+                      </a:r>
+                    </a:p>
+                  </a:txBody>
+                  <a:tcPr>
+                    <a:solidFill>
+                      <a:schemeClr val="bg1">
+                        <a:lumMod val="85000"/>
+                      </a:schemeClr>
+                    </a:solidFill>
+                  </a:tcPr>
+                </a:tc>
+                <a:extLst>
+                  <a:ext uri="{0D108BD9-81ED-4DB2-BD59-A6C34878D82A}">
+                    <a16:rowId xmlns:a16="http://schemas.microsoft.com/office/drawing/2014/main" val="2638491739"/>
+                  </a:ext>
+                </a:extLst>
+              </a:tr>
+              <a:tr h="455028">
+                <a:tc>
+                  <a:txBody>
+                    <a:bodyPr/>
+                    <a:lstStyle/>
+                    <a:p>
+                      <a:pPr latinLnBrk="1"/>
+                      <a:r>
+                        <a:rPr lang="en-US" altLang="ko-KR" sz="1200" dirty="0"/>
+                        <a:t>1</a:t>
+                      </a:r>
+                      <a:endParaRPr lang="ko-KR" altLang="en-US" sz="1200" dirty="0"/>
+                    </a:p>
+                  </a:txBody>
+                  <a:tcPr>
+                    <a:solidFill>
+                      <a:schemeClr val="bg1">
+                        <a:lumMod val="85000"/>
+                      </a:schemeClr>
+                    </a:solidFill>
+                  </a:tcPr>
+                </a:tc>
+                <a:tc>
+                  <a:txBody>
+                    <a:bodyPr/>
+                    <a:lstStyle/>
+                    <a:p>
+                      <a:pPr latinLnBrk="1"/>
+                      <a:endParaRPr lang="ko-KR" altLang="en-US" sz="1200" dirty="0"/>
+                    </a:p>
+                  </a:txBody>
+                  <a:tcPr>
+                    <a:solidFill>
+                      <a:schemeClr val="bg1">
+                        <a:lumMod val="85000"/>
+                      </a:schemeClr>
+                    </a:solidFill>
+                  </a:tcPr>
+                </a:tc>
+                <a:tc>
+                  <a:txBody>
+                    <a:bodyPr/>
+                    <a:lstStyle/>
+                    <a:p>
+                      <a:pPr latinLnBrk="1"/>
+                      <a:endParaRPr lang="ko-KR" altLang="en-US" sz="1200" dirty="0"/>
+                    </a:p>
+                  </a:txBody>
+                  <a:tcPr>
+                    <a:solidFill>
+                      <a:schemeClr val="bg1">
+                        <a:lumMod val="85000"/>
+                      </a:schemeClr>
+                    </a:solidFill>
+                  </a:tcPr>
+                </a:tc>
+                <a:tc>
+                  <a:txBody>
+                    <a:bodyPr/>
+                    <a:lstStyle/>
+                    <a:p>
+                      <a:pPr latinLnBrk="1"/>
+                      <a:r>
+                        <a:rPr lang="en-US" altLang="ko-KR" sz="1200" dirty="0">
+                          <a:solidFill>
+                            <a:srgbClr val="FF0000"/>
+                          </a:solidFill>
+                        </a:rPr>
+                        <a:t>PDF </a:t>
+                      </a:r>
+                      <a:r>
+                        <a:rPr lang="ko-KR" altLang="en-US" sz="1200" dirty="0">
+                          <a:solidFill>
+                            <a:srgbClr val="FF0000"/>
+                          </a:solidFill>
+                        </a:rPr>
+                        <a:t>만 지원 </a:t>
+                      </a:r>
+                    </a:p>
+                  </a:txBody>
+                  <a:tcPr>
+                    <a:solidFill>
+                      <a:schemeClr val="bg1">
+                        <a:lumMod val="85000"/>
+                      </a:schemeClr>
+                    </a:solidFill>
+                  </a:tcPr>
+                </a:tc>
+                <a:tc>
+                  <a:txBody>
+                    <a:bodyPr/>
+                    <a:lstStyle/>
+                    <a:p>
+                      <a:pPr latinLnBrk="1"/>
+                      <a:endParaRPr lang="ko-KR" altLang="en-US" sz="1200" dirty="0"/>
+                    </a:p>
+                  </a:txBody>
+                  <a:tcPr>
+                    <a:solidFill>
+                      <a:schemeClr val="bg1">
+                        <a:lumMod val="85000"/>
+                      </a:schemeClr>
+                    </a:solidFill>
+                  </a:tcPr>
+                </a:tc>
+                <a:tc>
+                  <a:txBody>
+                    <a:bodyPr/>
+                    <a:lstStyle/>
+                    <a:p>
+                      <a:pPr latinLnBrk="1"/>
+                      <a:endParaRPr lang="ko-KR" altLang="en-US" sz="1200" dirty="0"/>
+                    </a:p>
+                  </a:txBody>
+                  <a:tcPr>
+                    <a:solidFill>
+                      <a:schemeClr val="bg1">
+                        <a:lumMod val="85000"/>
+                      </a:schemeClr>
+                    </a:solidFill>
+                  </a:tcPr>
+                </a:tc>
+                <a:tc>
+                  <a:txBody>
+                    <a:bodyPr/>
+                    <a:lstStyle/>
+                    <a:p>
+                      <a:pPr latinLnBrk="1"/>
+                      <a:endParaRPr lang="ko-KR" altLang="en-US" sz="1200" dirty="0"/>
+                    </a:p>
+                  </a:txBody>
+                  <a:tcPr>
+                    <a:solidFill>
+                      <a:schemeClr val="bg1">
+                        <a:lumMod val="85000"/>
+                      </a:schemeClr>
+                    </a:solidFill>
+                  </a:tcPr>
+                </a:tc>
+                <a:extLst>
+                  <a:ext uri="{0D108BD9-81ED-4DB2-BD59-A6C34878D82A}">
+                    <a16:rowId xmlns:a16="http://schemas.microsoft.com/office/drawing/2014/main" val="926575560"/>
+                  </a:ext>
+                </a:extLst>
+              </a:tr>
+              <a:tr h="455028">
+                <a:tc>
+                  <a:txBody>
+                    <a:bodyPr/>
+                    <a:lstStyle/>
+                    <a:p>
+                      <a:pPr latinLnBrk="1"/>
+                      <a:r>
+                        <a:rPr lang="en-US" altLang="ko-KR" sz="1200" dirty="0"/>
+                        <a:t>2</a:t>
+                      </a:r>
+                      <a:endParaRPr lang="ko-KR" altLang="en-US" sz="1200" dirty="0"/>
+                    </a:p>
+                  </a:txBody>
+                  <a:tcPr>
+                    <a:solidFill>
+                      <a:schemeClr val="bg1">
+                        <a:lumMod val="85000"/>
+                      </a:schemeClr>
+                    </a:solidFill>
+                  </a:tcPr>
+                </a:tc>
+                <a:tc>
+                  <a:txBody>
+                    <a:bodyPr/>
+                    <a:lstStyle/>
+                    <a:p>
+                      <a:pPr latinLnBrk="1"/>
+                      <a:endParaRPr lang="ko-KR" altLang="en-US" sz="1200" dirty="0"/>
+                    </a:p>
+                  </a:txBody>
+                  <a:tcPr>
+                    <a:solidFill>
+                      <a:schemeClr val="bg1">
+                        <a:lumMod val="85000"/>
+                      </a:schemeClr>
+                    </a:solidFill>
+                  </a:tcPr>
+                </a:tc>
+                <a:tc>
+                  <a:txBody>
+                    <a:bodyPr/>
+                    <a:lstStyle/>
+                    <a:p>
+                      <a:pPr latinLnBrk="1"/>
+                      <a:endParaRPr lang="ko-KR" altLang="en-US" sz="1200" dirty="0"/>
+                    </a:p>
+                  </a:txBody>
+                  <a:tcPr>
+                    <a:solidFill>
+                      <a:schemeClr val="bg1">
+                        <a:lumMod val="85000"/>
+                      </a:schemeClr>
+                    </a:solidFill>
+                  </a:tcPr>
+                </a:tc>
+                <a:tc>
+                  <a:txBody>
+                    <a:bodyPr/>
+                    <a:lstStyle/>
+                    <a:p>
+                      <a:pPr latinLnBrk="1"/>
+                      <a:endParaRPr lang="ko-KR" altLang="en-US" sz="1200" dirty="0"/>
+                    </a:p>
+                  </a:txBody>
+                  <a:tcPr>
+                    <a:solidFill>
+                      <a:schemeClr val="bg1">
+                        <a:lumMod val="85000"/>
+                      </a:schemeClr>
+                    </a:solidFill>
+                  </a:tcPr>
+                </a:tc>
+                <a:tc>
+                  <a:txBody>
+                    <a:bodyPr/>
+                    <a:lstStyle/>
+                    <a:p>
+                      <a:pPr latinLnBrk="1"/>
+                      <a:endParaRPr lang="ko-KR" altLang="en-US" sz="1200" dirty="0"/>
+                    </a:p>
+                  </a:txBody>
+                  <a:tcPr>
+                    <a:solidFill>
+                      <a:schemeClr val="bg1">
+                        <a:lumMod val="85000"/>
+                      </a:schemeClr>
+                    </a:solidFill>
+                  </a:tcPr>
+                </a:tc>
+                <a:tc>
+                  <a:txBody>
+                    <a:bodyPr/>
+                    <a:lstStyle/>
+                    <a:p>
+                      <a:pPr latinLnBrk="1"/>
+                      <a:endParaRPr lang="ko-KR" altLang="en-US" sz="1200" dirty="0"/>
+                    </a:p>
+                  </a:txBody>
+                  <a:tcPr>
+                    <a:solidFill>
+                      <a:schemeClr val="bg1">
+                        <a:lumMod val="85000"/>
+                      </a:schemeClr>
+                    </a:solidFill>
+                  </a:tcPr>
+                </a:tc>
+                <a:tc>
+                  <a:txBody>
+                    <a:bodyPr/>
+                    <a:lstStyle/>
+                    <a:p>
+                      <a:pPr latinLnBrk="1"/>
+                      <a:endParaRPr lang="ko-KR" altLang="en-US" sz="1200" dirty="0"/>
+                    </a:p>
+                  </a:txBody>
+                  <a:tcPr>
+                    <a:solidFill>
+                      <a:schemeClr val="bg1">
+                        <a:lumMod val="85000"/>
+                      </a:schemeClr>
+                    </a:solidFill>
+                  </a:tcPr>
+                </a:tc>
+                <a:extLst>
+                  <a:ext uri="{0D108BD9-81ED-4DB2-BD59-A6C34878D82A}">
+                    <a16:rowId xmlns:a16="http://schemas.microsoft.com/office/drawing/2014/main" val="4206090399"/>
+                  </a:ext>
+                </a:extLst>
+              </a:tr>
+              <a:tr h="455028">
+                <a:tc>
+                  <a:txBody>
+                    <a:bodyPr/>
+                    <a:lstStyle/>
+                    <a:p>
+                      <a:pPr latinLnBrk="1"/>
+                      <a:r>
+                        <a:rPr lang="en-US" altLang="ko-KR" sz="1200" dirty="0"/>
+                        <a:t>3</a:t>
+                      </a:r>
+                      <a:endParaRPr lang="ko-KR" altLang="en-US" sz="1200" dirty="0"/>
+                    </a:p>
+                  </a:txBody>
+                  <a:tcPr>
+                    <a:solidFill>
+                      <a:schemeClr val="bg1">
+                        <a:lumMod val="85000"/>
+                      </a:schemeClr>
+                    </a:solidFill>
+                  </a:tcPr>
+                </a:tc>
+                <a:tc>
+                  <a:txBody>
+                    <a:bodyPr/>
+                    <a:lstStyle/>
+                    <a:p>
+                      <a:pPr latinLnBrk="1"/>
+                      <a:endParaRPr lang="ko-KR" altLang="en-US" sz="1200" dirty="0"/>
+                    </a:p>
+                  </a:txBody>
+                  <a:tcPr>
+                    <a:solidFill>
+                      <a:schemeClr val="bg1">
+                        <a:lumMod val="85000"/>
+                      </a:schemeClr>
+                    </a:solidFill>
+                  </a:tcPr>
+                </a:tc>
+                <a:tc>
+                  <a:txBody>
+                    <a:bodyPr/>
+                    <a:lstStyle/>
+                    <a:p>
+                      <a:pPr latinLnBrk="1"/>
+                      <a:endParaRPr lang="ko-KR" altLang="en-US" sz="1200" dirty="0"/>
+                    </a:p>
+                  </a:txBody>
+                  <a:tcPr>
+                    <a:solidFill>
+                      <a:schemeClr val="bg1">
+                        <a:lumMod val="85000"/>
+                      </a:schemeClr>
+                    </a:solidFill>
+                  </a:tcPr>
+                </a:tc>
+                <a:tc>
+                  <a:txBody>
+                    <a:bodyPr/>
+                    <a:lstStyle/>
+                    <a:p>
+                      <a:pPr latinLnBrk="1"/>
+                      <a:endParaRPr lang="ko-KR" altLang="en-US" sz="1200" dirty="0"/>
+                    </a:p>
+                  </a:txBody>
+                  <a:tcPr>
+                    <a:solidFill>
+                      <a:schemeClr val="bg1">
+                        <a:lumMod val="85000"/>
+                      </a:schemeClr>
+                    </a:solidFill>
+                  </a:tcPr>
+                </a:tc>
+                <a:tc>
+                  <a:txBody>
+                    <a:bodyPr/>
+                    <a:lstStyle/>
+                    <a:p>
+                      <a:pPr latinLnBrk="1"/>
+                      <a:endParaRPr lang="ko-KR" altLang="en-US" sz="1200" dirty="0"/>
+                    </a:p>
+                  </a:txBody>
+                  <a:tcPr>
+                    <a:solidFill>
+                      <a:schemeClr val="bg1">
+                        <a:lumMod val="85000"/>
+                      </a:schemeClr>
+                    </a:solidFill>
+                  </a:tcPr>
+                </a:tc>
+                <a:tc>
+                  <a:txBody>
+                    <a:bodyPr/>
+                    <a:lstStyle/>
+                    <a:p>
+                      <a:pPr latinLnBrk="1"/>
+                      <a:endParaRPr lang="ko-KR" altLang="en-US" sz="1200" dirty="0"/>
+                    </a:p>
+                  </a:txBody>
+                  <a:tcPr>
+                    <a:solidFill>
+                      <a:schemeClr val="bg1">
+                        <a:lumMod val="85000"/>
+                      </a:schemeClr>
+                    </a:solidFill>
+                  </a:tcPr>
+                </a:tc>
+                <a:tc>
+                  <a:txBody>
+                    <a:bodyPr/>
+                    <a:lstStyle/>
+                    <a:p>
+                      <a:pPr latinLnBrk="1"/>
+                      <a:endParaRPr lang="ko-KR" altLang="en-US" sz="1200" dirty="0"/>
+                    </a:p>
+                  </a:txBody>
+                  <a:tcPr>
+                    <a:solidFill>
+                      <a:schemeClr val="bg1">
+                        <a:lumMod val="85000"/>
+                      </a:schemeClr>
+                    </a:solidFill>
+                  </a:tcPr>
+                </a:tc>
+                <a:extLst>
+                  <a:ext uri="{0D108BD9-81ED-4DB2-BD59-A6C34878D82A}">
+                    <a16:rowId xmlns:a16="http://schemas.microsoft.com/office/drawing/2014/main" val="2524170042"/>
+                  </a:ext>
+                </a:extLst>
+              </a:tr>
+              <a:tr h="455028">
+                <a:tc>
+                  <a:txBody>
+                    <a:bodyPr/>
+                    <a:lstStyle/>
+                    <a:p>
+                      <a:pPr latinLnBrk="1"/>
+                      <a:r>
+                        <a:rPr lang="en-US" altLang="ko-KR" sz="1200" dirty="0"/>
+                        <a:t>4</a:t>
+                      </a:r>
+                      <a:endParaRPr lang="ko-KR" altLang="en-US" sz="1200" dirty="0"/>
+                    </a:p>
+                  </a:txBody>
+                  <a:tcPr>
+                    <a:solidFill>
+                      <a:schemeClr val="bg1">
+                        <a:lumMod val="85000"/>
+                      </a:schemeClr>
+                    </a:solidFill>
+                  </a:tcPr>
+                </a:tc>
+                <a:tc>
+                  <a:txBody>
+                    <a:bodyPr/>
+                    <a:lstStyle/>
+                    <a:p>
+                      <a:pPr latinLnBrk="1"/>
+                      <a:endParaRPr lang="ko-KR" altLang="en-US" sz="1200" dirty="0"/>
+                    </a:p>
+                  </a:txBody>
+                  <a:tcPr>
+                    <a:solidFill>
+                      <a:schemeClr val="bg1">
+                        <a:lumMod val="85000"/>
+                      </a:schemeClr>
+                    </a:solidFill>
+                  </a:tcPr>
+                </a:tc>
+                <a:tc>
+                  <a:txBody>
+                    <a:bodyPr/>
+                    <a:lstStyle/>
+                    <a:p>
+                      <a:pPr latinLnBrk="1"/>
+                      <a:endParaRPr lang="ko-KR" altLang="en-US" sz="1200" dirty="0"/>
+                    </a:p>
+                  </a:txBody>
+                  <a:tcPr>
+                    <a:solidFill>
+                      <a:schemeClr val="bg1">
+                        <a:lumMod val="85000"/>
+                      </a:schemeClr>
+                    </a:solidFill>
+                  </a:tcPr>
+                </a:tc>
+                <a:tc>
+                  <a:txBody>
+                    <a:bodyPr/>
+                    <a:lstStyle/>
+                    <a:p>
+                      <a:pPr latinLnBrk="1"/>
+                      <a:endParaRPr lang="ko-KR" altLang="en-US" sz="1200" dirty="0"/>
+                    </a:p>
+                  </a:txBody>
+                  <a:tcPr>
+                    <a:solidFill>
+                      <a:schemeClr val="bg1">
+                        <a:lumMod val="85000"/>
+                      </a:schemeClr>
+                    </a:solidFill>
+                  </a:tcPr>
+                </a:tc>
+                <a:tc>
+                  <a:txBody>
+                    <a:bodyPr/>
+                    <a:lstStyle/>
+                    <a:p>
+                      <a:pPr latinLnBrk="1"/>
+                      <a:endParaRPr lang="ko-KR" altLang="en-US" sz="1200" dirty="0"/>
+                    </a:p>
+                  </a:txBody>
+                  <a:tcPr>
+                    <a:solidFill>
+                      <a:schemeClr val="bg1">
+                        <a:lumMod val="85000"/>
+                      </a:schemeClr>
+                    </a:solidFill>
+                  </a:tcPr>
+                </a:tc>
+                <a:tc>
+                  <a:txBody>
+                    <a:bodyPr/>
+                    <a:lstStyle/>
+                    <a:p>
+                      <a:pPr latinLnBrk="1"/>
+                      <a:endParaRPr lang="ko-KR" altLang="en-US" sz="1200" dirty="0"/>
+                    </a:p>
+                  </a:txBody>
+                  <a:tcPr>
+                    <a:solidFill>
+                      <a:schemeClr val="bg1">
+                        <a:lumMod val="85000"/>
+                      </a:schemeClr>
+                    </a:solidFill>
+                  </a:tcPr>
+                </a:tc>
+                <a:tc>
+                  <a:txBody>
+                    <a:bodyPr/>
+                    <a:lstStyle/>
+                    <a:p>
+                      <a:pPr latinLnBrk="1"/>
+                      <a:endParaRPr lang="ko-KR" altLang="en-US" sz="1200" dirty="0"/>
+                    </a:p>
+                  </a:txBody>
+                  <a:tcPr>
+                    <a:solidFill>
+                      <a:schemeClr val="bg1">
+                        <a:lumMod val="85000"/>
+                      </a:schemeClr>
+                    </a:solidFill>
+                  </a:tcPr>
+                </a:tc>
+                <a:extLst>
+                  <a:ext uri="{0D108BD9-81ED-4DB2-BD59-A6C34878D82A}">
+                    <a16:rowId xmlns:a16="http://schemas.microsoft.com/office/drawing/2014/main" val="355759515"/>
+                  </a:ext>
+                </a:extLst>
+              </a:tr>
+            </a:tbl>
+          </a:graphicData>
+        </a:graphic>
+      </p:graphicFrame>
+      <p:sp>
+        <p:nvSpPr>
+          <p:cNvPr id="4" name="사각형: 둥근 모서리 3">
+            <a:extLst>
+              <a:ext uri="{FF2B5EF4-FFF2-40B4-BE49-F238E27FC236}">
+                <a16:creationId xmlns:a16="http://schemas.microsoft.com/office/drawing/2014/main" id="{29F0BE7A-676C-A5CE-C9ED-8FD93784A628}"/>
+              </a:ext>
+            </a:extLst>
+          </p:cNvPr>
+          <p:cNvSpPr/>
+          <p:nvPr/>
+        </p:nvSpPr>
+        <p:spPr>
+          <a:xfrm>
+            <a:off x="2162770" y="1175510"/>
+            <a:ext cx="1530926" cy="457200"/>
+          </a:xfrm>
+          <a:prstGeom prst="roundRect">
+            <a:avLst/>
+          </a:prstGeom>
+          <a:solidFill>
+            <a:schemeClr val="bg1"/>
+          </a:solidFill>
+          <a:ln>
+            <a:solidFill>
+              <a:schemeClr val="tx1"/>
+            </a:solidFill>
+          </a:ln>
+        </p:spPr>
+        <p:style>
+          <a:lnRef idx="2">
+            <a:schemeClr val="accent1">
+              <a:shade val="15000"/>
+            </a:schemeClr>
+          </a:lnRef>
+          <a:fillRef idx="1">
+            <a:schemeClr val="accent1"/>
+          </a:fillRef>
+          <a:effectRef idx="0">
+            <a:schemeClr val="accent1"/>
+          </a:effectRef>
+          <a:fontRef idx="minor">
+            <a:schemeClr val="lt1"/>
+          </a:fontRef>
+        </p:style>
+        <p:txBody>
+          <a:bodyPr rtlCol="0" anchor="ctr"/>
+          <a:lstStyle/>
+          <a:p>
+            <a:pPr algn="ctr"/>
+            <a:r>
+              <a:rPr lang="ko-KR" altLang="en-US" sz="1200" dirty="0">
+                <a:solidFill>
+                  <a:schemeClr val="tx1"/>
+                </a:solidFill>
+              </a:rPr>
+              <a:t>모임 목록</a:t>
+            </a:r>
+          </a:p>
+        </p:txBody>
+      </p:sp>
+      <p:sp>
+        <p:nvSpPr>
+          <p:cNvPr id="5" name="TextBox 4">
+            <a:extLst>
+              <a:ext uri="{FF2B5EF4-FFF2-40B4-BE49-F238E27FC236}">
+                <a16:creationId xmlns:a16="http://schemas.microsoft.com/office/drawing/2014/main" id="{FDA81AD1-8C2F-2488-7CD6-B7C94FDF950F}"/>
+              </a:ext>
+            </a:extLst>
+          </p:cNvPr>
+          <p:cNvSpPr txBox="1"/>
+          <p:nvPr/>
+        </p:nvSpPr>
+        <p:spPr>
+          <a:xfrm>
+            <a:off x="9445557" y="403932"/>
+            <a:ext cx="2704587" cy="923330"/>
+          </a:xfrm>
+          <a:prstGeom prst="rect">
+            <a:avLst/>
+          </a:prstGeom>
+          <a:noFill/>
+        </p:spPr>
+        <p:txBody>
+          <a:bodyPr wrap="none" rtlCol="0">
+            <a:spAutoFit/>
+          </a:bodyPr>
+          <a:lstStyle/>
+          <a:p>
+            <a:r>
+              <a:rPr lang="en-US" altLang="ko-KR" dirty="0"/>
+              <a:t>Q</a:t>
+            </a:r>
+          </a:p>
+          <a:p>
+            <a:r>
+              <a:rPr lang="ko-KR" altLang="en-US" dirty="0"/>
+              <a:t>모임</a:t>
+            </a:r>
+            <a:r>
+              <a:rPr lang="en-US" altLang="ko-KR" dirty="0"/>
+              <a:t> </a:t>
+            </a:r>
+            <a:r>
+              <a:rPr lang="ko-KR" altLang="en-US" dirty="0"/>
+              <a:t>요청 목록의 경우엔 </a:t>
+            </a:r>
+            <a:endParaRPr lang="en-US" altLang="ko-KR" dirty="0"/>
+          </a:p>
+          <a:p>
+            <a:r>
+              <a:rPr lang="ko-KR" altLang="en-US" dirty="0"/>
+              <a:t>사업자만 신청 가능 </a:t>
+            </a:r>
+            <a:endParaRPr lang="en-US" altLang="ko-KR" dirty="0"/>
+          </a:p>
+        </p:txBody>
+      </p:sp>
+      <p:sp>
+        <p:nvSpPr>
+          <p:cNvPr id="8" name="사각형: 둥근 모서리 7">
+            <a:extLst>
+              <a:ext uri="{FF2B5EF4-FFF2-40B4-BE49-F238E27FC236}">
+                <a16:creationId xmlns:a16="http://schemas.microsoft.com/office/drawing/2014/main" id="{EAE30F5D-1C5D-FE70-8D1C-B044E15B1EE8}"/>
+              </a:ext>
+            </a:extLst>
+          </p:cNvPr>
+          <p:cNvSpPr/>
+          <p:nvPr/>
+        </p:nvSpPr>
+        <p:spPr>
+          <a:xfrm>
+            <a:off x="5224622" y="1164696"/>
+            <a:ext cx="1530926" cy="457200"/>
+          </a:xfrm>
+          <a:prstGeom prst="roundRect">
+            <a:avLst/>
+          </a:prstGeom>
+          <a:solidFill>
+            <a:schemeClr val="accent2">
+              <a:lumMod val="40000"/>
+              <a:lumOff val="60000"/>
+            </a:schemeClr>
+          </a:solidFill>
+          <a:ln>
+            <a:solidFill>
+              <a:schemeClr val="tx1"/>
+            </a:solidFill>
+          </a:ln>
+        </p:spPr>
+        <p:style>
+          <a:lnRef idx="2">
+            <a:schemeClr val="accent1">
+              <a:shade val="15000"/>
+            </a:schemeClr>
+          </a:lnRef>
+          <a:fillRef idx="1">
+            <a:schemeClr val="accent1"/>
+          </a:fillRef>
+          <a:effectRef idx="0">
+            <a:schemeClr val="accent1"/>
+          </a:effectRef>
+          <a:fontRef idx="minor">
+            <a:schemeClr val="lt1"/>
+          </a:fontRef>
+        </p:style>
+        <p:txBody>
+          <a:bodyPr rtlCol="0" anchor="ctr"/>
+          <a:lstStyle/>
+          <a:p>
+            <a:pPr algn="ctr"/>
+            <a:r>
+              <a:rPr lang="ko-KR" altLang="en-US" sz="1200" dirty="0">
+                <a:solidFill>
+                  <a:schemeClr val="bg1"/>
+                </a:solidFill>
+              </a:rPr>
+              <a:t>클래스 요청 목록</a:t>
+            </a:r>
+          </a:p>
+        </p:txBody>
+      </p:sp>
+      <p:sp>
+        <p:nvSpPr>
+          <p:cNvPr id="9" name="사각형: 둥근 모서리 8">
+            <a:extLst>
+              <a:ext uri="{FF2B5EF4-FFF2-40B4-BE49-F238E27FC236}">
+                <a16:creationId xmlns:a16="http://schemas.microsoft.com/office/drawing/2014/main" id="{3F464735-0434-BAD2-862F-9128A3A95AA4}"/>
+              </a:ext>
+            </a:extLst>
+          </p:cNvPr>
+          <p:cNvSpPr/>
+          <p:nvPr/>
+        </p:nvSpPr>
+        <p:spPr>
+          <a:xfrm>
+            <a:off x="3693696" y="1164696"/>
+            <a:ext cx="1530926" cy="457200"/>
+          </a:xfrm>
+          <a:prstGeom prst="roundRect">
+            <a:avLst/>
+          </a:prstGeom>
+          <a:solidFill>
+            <a:schemeClr val="bg1"/>
+          </a:solidFill>
+          <a:ln>
+            <a:solidFill>
+              <a:schemeClr val="tx1"/>
+            </a:solidFill>
+          </a:ln>
+        </p:spPr>
+        <p:style>
+          <a:lnRef idx="2">
+            <a:schemeClr val="accent1">
+              <a:shade val="15000"/>
+            </a:schemeClr>
+          </a:lnRef>
+          <a:fillRef idx="1">
+            <a:schemeClr val="accent1"/>
+          </a:fillRef>
+          <a:effectRef idx="0">
+            <a:schemeClr val="accent1"/>
+          </a:effectRef>
+          <a:fontRef idx="minor">
+            <a:schemeClr val="lt1"/>
+          </a:fontRef>
+        </p:style>
+        <p:txBody>
+          <a:bodyPr rtlCol="0" anchor="ctr"/>
+          <a:lstStyle/>
+          <a:p>
+            <a:pPr algn="ctr"/>
+            <a:r>
+              <a:rPr lang="ko-KR" altLang="en-US" sz="1200" dirty="0">
+                <a:solidFill>
+                  <a:schemeClr val="tx1"/>
+                </a:solidFill>
+              </a:rPr>
+              <a:t>클래스 목록</a:t>
+            </a:r>
+          </a:p>
+        </p:txBody>
+      </p:sp>
+    </p:spTree>
+    <p:extLst>
+      <p:ext uri="{BB962C8B-B14F-4D97-AF65-F5344CB8AC3E}">
+        <p14:creationId xmlns:p14="http://schemas.microsoft.com/office/powerpoint/2010/main" val="1028054955"/>
       </p:ext>
     </p:extLst>
   </p:cSld>
